--- a/SRC/Presentacion_Como_cuanto_festivalea_Barcelona.pptx
+++ b/SRC/Presentacion_Como_cuanto_festivalea_Barcelona.pptx
@@ -28,6 +28,12 @@
     <p:sldId id="273" r:id="rId23"/>
     <p:sldId id="274" r:id="rId24"/>
     <p:sldId id="275" r:id="rId25"/>
+    <p:sldId id="276" r:id="rId26"/>
+    <p:sldId id="277" r:id="rId27"/>
+    <p:sldId id="278" r:id="rId28"/>
+    <p:sldId id="279" r:id="rId29"/>
+    <p:sldId id="280" r:id="rId30"/>
+    <p:sldId id="281" r:id="rId31"/>
   </p:sldIdLst>
   <p:sldSz cy="5143500" cx="9144000"/>
   <p:notesSz cx="6858000" cy="9144000"/>
@@ -809,7 +815,7 @@
   <p:cSld>
     <p:spTree>
       <p:nvGrpSpPr>
-        <p:cNvPr id="110" name="Shape 110"/>
+        <p:cNvPr id="106" name="Shape 106"/>
         <p:cNvGrpSpPr/>
         <p:nvPr/>
       </p:nvGrpSpPr>
@@ -823,7 +829,7 @@
       </p:grpSpPr>
       <p:sp>
         <p:nvSpPr>
-          <p:cNvPr id="111" name="Google Shape;111;g1f7b3a1df63_0_37:notes"/>
+          <p:cNvPr id="107" name="Google Shape;107;g1f7b3a1df63_0_48:notes"/>
           <p:cNvSpPr/>
           <p:nvPr>
             <p:ph idx="2" type="sldImg"/>
@@ -858,7 +864,7 @@
       </p:sp>
       <p:sp>
         <p:nvSpPr>
-          <p:cNvPr id="112" name="Google Shape;112;g1f7b3a1df63_0_37:notes"/>
+          <p:cNvPr id="108" name="Google Shape;108;g1f7b3a1df63_0_48:notes"/>
           <p:cNvSpPr txBox="1"/>
           <p:nvPr>
             <p:ph idx="1" type="body"/>
@@ -908,7 +914,7 @@
   <p:cSld>
     <p:spTree>
       <p:nvGrpSpPr>
-        <p:cNvPr id="118" name="Shape 118"/>
+        <p:cNvPr id="112" name="Shape 112"/>
         <p:cNvGrpSpPr/>
         <p:nvPr/>
       </p:nvGrpSpPr>
@@ -922,7 +928,7 @@
       </p:grpSpPr>
       <p:sp>
         <p:nvSpPr>
-          <p:cNvPr id="119" name="Google Shape;119;g1f7b3a1df63_0_17:notes"/>
+          <p:cNvPr id="113" name="Google Shape;113;g1f7b3a1df63_0_61:notes"/>
           <p:cNvSpPr/>
           <p:nvPr>
             <p:ph idx="2" type="sldImg"/>
@@ -957,7 +963,7 @@
       </p:sp>
       <p:sp>
         <p:nvSpPr>
-          <p:cNvPr id="120" name="Google Shape;120;g1f7b3a1df63_0_17:notes"/>
+          <p:cNvPr id="114" name="Google Shape;114;g1f7b3a1df63_0_61:notes"/>
           <p:cNvSpPr txBox="1"/>
           <p:nvPr>
             <p:ph idx="1" type="body"/>
@@ -1007,7 +1013,7 @@
   <p:cSld>
     <p:spTree>
       <p:nvGrpSpPr>
-        <p:cNvPr id="125" name="Shape 125"/>
+        <p:cNvPr id="119" name="Shape 119"/>
         <p:cNvGrpSpPr/>
         <p:nvPr/>
       </p:nvGrpSpPr>
@@ -1021,7 +1027,7 @@
       </p:grpSpPr>
       <p:sp>
         <p:nvSpPr>
-          <p:cNvPr id="126" name="Google Shape;126;g1f7b3a1df63_0_73:notes"/>
+          <p:cNvPr id="120" name="Google Shape;120;g1f7b3a1df63_0_55:notes"/>
           <p:cNvSpPr/>
           <p:nvPr>
             <p:ph idx="2" type="sldImg"/>
@@ -1056,7 +1062,7 @@
       </p:sp>
       <p:sp>
         <p:nvSpPr>
-          <p:cNvPr id="127" name="Google Shape;127;g1f7b3a1df63_0_73:notes"/>
+          <p:cNvPr id="121" name="Google Shape;121;g1f7b3a1df63_0_55:notes"/>
           <p:cNvSpPr txBox="1"/>
           <p:nvPr>
             <p:ph idx="1" type="body"/>
@@ -1106,7 +1112,7 @@
   <p:cSld>
     <p:spTree>
       <p:nvGrpSpPr>
-        <p:cNvPr id="132" name="Shape 132"/>
+        <p:cNvPr id="125" name="Shape 125"/>
         <p:cNvGrpSpPr/>
         <p:nvPr/>
       </p:nvGrpSpPr>
@@ -1120,7 +1126,7 @@
       </p:grpSpPr>
       <p:sp>
         <p:nvSpPr>
-          <p:cNvPr id="133" name="Google Shape;133;g1f7b3a1df63_0_79:notes"/>
+          <p:cNvPr id="126" name="Google Shape;126;g1f7b3a1df63_0_12:notes"/>
           <p:cNvSpPr/>
           <p:nvPr>
             <p:ph idx="2" type="sldImg"/>
@@ -1155,7 +1161,7 @@
       </p:sp>
       <p:sp>
         <p:nvSpPr>
-          <p:cNvPr id="134" name="Google Shape;134;g1f7b3a1df63_0_79:notes"/>
+          <p:cNvPr id="127" name="Google Shape;127;g1f7b3a1df63_0_12:notes"/>
           <p:cNvSpPr txBox="1"/>
           <p:nvPr>
             <p:ph idx="1" type="body"/>
@@ -1205,7 +1211,7 @@
   <p:cSld>
     <p:spTree>
       <p:nvGrpSpPr>
-        <p:cNvPr id="139" name="Shape 139"/>
+        <p:cNvPr id="132" name="Shape 132"/>
         <p:cNvGrpSpPr/>
         <p:nvPr/>
       </p:nvGrpSpPr>
@@ -1219,7 +1225,7 @@
       </p:grpSpPr>
       <p:sp>
         <p:nvSpPr>
-          <p:cNvPr id="140" name="Google Shape;140;g1f7b3a1df63_0_32:notes"/>
+          <p:cNvPr id="133" name="Google Shape;133;g1f7b3a1df63_0_93:notes"/>
           <p:cNvSpPr/>
           <p:nvPr>
             <p:ph idx="2" type="sldImg"/>
@@ -1254,7 +1260,7 @@
       </p:sp>
       <p:sp>
         <p:nvSpPr>
-          <p:cNvPr id="141" name="Google Shape;141;g1f7b3a1df63_0_32:notes"/>
+          <p:cNvPr id="134" name="Google Shape;134;g1f7b3a1df63_0_93:notes"/>
           <p:cNvSpPr txBox="1"/>
           <p:nvPr>
             <p:ph idx="1" type="body"/>
@@ -1304,7 +1310,7 @@
   <p:cSld>
     <p:spTree>
       <p:nvGrpSpPr>
-        <p:cNvPr id="146" name="Shape 146"/>
+        <p:cNvPr id="139" name="Shape 139"/>
         <p:cNvGrpSpPr/>
         <p:nvPr/>
       </p:nvGrpSpPr>
@@ -1318,7 +1324,7 @@
       </p:grpSpPr>
       <p:sp>
         <p:nvSpPr>
-          <p:cNvPr id="147" name="Google Shape;147;g1f7b3a1df63_0_22:notes"/>
+          <p:cNvPr id="140" name="Google Shape;140;g1f7b3a1df63_0_37:notes"/>
           <p:cNvSpPr/>
           <p:nvPr>
             <p:ph idx="2" type="sldImg"/>
@@ -1353,7 +1359,7 @@
       </p:sp>
       <p:sp>
         <p:nvSpPr>
-          <p:cNvPr id="148" name="Google Shape;148;g1f7b3a1df63_0_22:notes"/>
+          <p:cNvPr id="141" name="Google Shape;141;g1f7b3a1df63_0_37:notes"/>
           <p:cNvSpPr txBox="1"/>
           <p:nvPr>
             <p:ph idx="1" type="body"/>
@@ -1403,7 +1409,7 @@
   <p:cSld>
     <p:spTree>
       <p:nvGrpSpPr>
-        <p:cNvPr id="153" name="Shape 153"/>
+        <p:cNvPr id="147" name="Shape 147"/>
         <p:cNvGrpSpPr/>
         <p:nvPr/>
       </p:nvGrpSpPr>
@@ -1417,7 +1423,7 @@
       </p:grpSpPr>
       <p:sp>
         <p:nvSpPr>
-          <p:cNvPr id="154" name="Google Shape;154;g1f7b3a1df63_0_100:notes"/>
+          <p:cNvPr id="148" name="Google Shape;148;g1f7b3a1df63_0_17:notes"/>
           <p:cNvSpPr/>
           <p:nvPr>
             <p:ph idx="2" type="sldImg"/>
@@ -1452,7 +1458,7 @@
       </p:sp>
       <p:sp>
         <p:nvSpPr>
-          <p:cNvPr id="155" name="Google Shape;155;g1f7b3a1df63_0_100:notes"/>
+          <p:cNvPr id="149" name="Google Shape;149;g1f7b3a1df63_0_17:notes"/>
           <p:cNvSpPr txBox="1"/>
           <p:nvPr>
             <p:ph idx="1" type="body"/>
@@ -1502,7 +1508,7 @@
   <p:cSld>
     <p:spTree>
       <p:nvGrpSpPr>
-        <p:cNvPr id="159" name="Shape 159"/>
+        <p:cNvPr id="158" name="Shape 158"/>
         <p:cNvGrpSpPr/>
         <p:nvPr/>
       </p:nvGrpSpPr>
@@ -1516,7 +1522,7 @@
       </p:grpSpPr>
       <p:sp>
         <p:nvSpPr>
-          <p:cNvPr id="160" name="Google Shape;160;g1f7b3a1df63_0_106:notes"/>
+          <p:cNvPr id="159" name="Google Shape;159;g1f7b3a1df63_0_73:notes"/>
           <p:cNvSpPr/>
           <p:nvPr>
             <p:ph idx="2" type="sldImg"/>
@@ -1551,7 +1557,7 @@
       </p:sp>
       <p:sp>
         <p:nvSpPr>
-          <p:cNvPr id="161" name="Google Shape;161;g1f7b3a1df63_0_106:notes"/>
+          <p:cNvPr id="160" name="Google Shape;160;g1f7b3a1df63_0_73:notes"/>
           <p:cNvSpPr txBox="1"/>
           <p:nvPr>
             <p:ph idx="1" type="body"/>
@@ -1615,7 +1621,7 @@
       </p:grpSpPr>
       <p:sp>
         <p:nvSpPr>
-          <p:cNvPr id="166" name="Google Shape;166;g1f7b3a1df63_0_112:notes"/>
+          <p:cNvPr id="166" name="Google Shape;166;g1f7b3a1df63_0_79:notes"/>
           <p:cNvSpPr/>
           <p:nvPr>
             <p:ph idx="2" type="sldImg"/>
@@ -1650,7 +1656,7 @@
       </p:sp>
       <p:sp>
         <p:nvSpPr>
-          <p:cNvPr id="167" name="Google Shape;167;g1f7b3a1df63_0_112:notes"/>
+          <p:cNvPr id="167" name="Google Shape;167;g1f7b3a1df63_0_79:notes"/>
           <p:cNvSpPr txBox="1"/>
           <p:nvPr>
             <p:ph idx="1" type="body"/>
@@ -1700,7 +1706,7 @@
   <p:cSld>
     <p:spTree>
       <p:nvGrpSpPr>
-        <p:cNvPr id="171" name="Shape 171"/>
+        <p:cNvPr id="172" name="Shape 172"/>
         <p:cNvGrpSpPr/>
         <p:nvPr/>
       </p:nvGrpSpPr>
@@ -1714,7 +1720,7 @@
       </p:grpSpPr>
       <p:sp>
         <p:nvSpPr>
-          <p:cNvPr id="172" name="Google Shape;172;g1f7b3a1df63_0_27:notes"/>
+          <p:cNvPr id="173" name="Google Shape;173;g1f7b3a1df63_0_32:notes"/>
           <p:cNvSpPr/>
           <p:nvPr>
             <p:ph idx="2" type="sldImg"/>
@@ -1749,7 +1755,7 @@
       </p:sp>
       <p:sp>
         <p:nvSpPr>
-          <p:cNvPr id="173" name="Google Shape;173;g1f7b3a1df63_0_27:notes"/>
+          <p:cNvPr id="174" name="Google Shape;174;g1f7b3a1df63_0_32:notes"/>
           <p:cNvSpPr txBox="1"/>
           <p:nvPr>
             <p:ph idx="1" type="body"/>
@@ -1898,7 +1904,7 @@
   <p:cSld>
     <p:spTree>
       <p:nvGrpSpPr>
-        <p:cNvPr id="177" name="Shape 177"/>
+        <p:cNvPr id="180" name="Shape 180"/>
         <p:cNvGrpSpPr/>
         <p:nvPr/>
       </p:nvGrpSpPr>
@@ -1912,7 +1918,7 @@
       </p:grpSpPr>
       <p:sp>
         <p:nvSpPr>
-          <p:cNvPr id="178" name="Google Shape;178;g1f7b3a1df63_0_42:notes"/>
+          <p:cNvPr id="181" name="Google Shape;181;g1f7b3a1df63_0_22:notes"/>
           <p:cNvSpPr/>
           <p:nvPr>
             <p:ph idx="2" type="sldImg"/>
@@ -1947,7 +1953,601 @@
       </p:sp>
       <p:sp>
         <p:nvSpPr>
-          <p:cNvPr id="179" name="Google Shape;179;g1f7b3a1df63_0_42:notes"/>
+          <p:cNvPr id="182" name="Google Shape;182;g1f7b3a1df63_0_22:notes"/>
+          <p:cNvSpPr txBox="1"/>
+          <p:nvPr>
+            <p:ph idx="1" type="body"/>
+          </p:nvPr>
+        </p:nvSpPr>
+        <p:spPr>
+          <a:xfrm>
+            <a:off x="685800" y="4343400"/>
+            <a:ext cx="5486400" cy="4114800"/>
+          </a:xfrm>
+          <a:prstGeom prst="rect">
+            <a:avLst/>
+          </a:prstGeom>
+        </p:spPr>
+        <p:txBody>
+          <a:bodyPr anchorCtr="0" anchor="t" bIns="91425" lIns="91425" spcFirstLastPara="1" rIns="91425" wrap="square" tIns="91425">
+            <a:noAutofit/>
+          </a:bodyPr>
+          <a:lstStyle/>
+          <a:p>
+            <a:pPr indent="0" lvl="0" marL="0" rtl="0" algn="l">
+              <a:spcBef>
+                <a:spcPts val="0"/>
+              </a:spcBef>
+              <a:spcAft>
+                <a:spcPts val="0"/>
+              </a:spcAft>
+              <a:buNone/>
+            </a:pPr>
+            <a:r>
+              <a:t/>
+            </a:r>
+            <a:endParaRPr/>
+          </a:p>
+        </p:txBody>
+      </p:sp>
+    </p:spTree>
+  </p:cSld>
+  <p:clrMapOvr>
+    <a:masterClrMapping/>
+  </p:clrMapOvr>
+</p:notes>
+</file>
+
+<file path=ppt/notesSlides/notesSlide21.xml><?xml version="1.0" encoding="utf-8"?>
+<p:notes xmlns:a="http://schemas.openxmlformats.org/drawingml/2006/main" xmlns:r="http://schemas.openxmlformats.org/officeDocument/2006/relationships" xmlns:mc="http://schemas.openxmlformats.org/markup-compatibility/2006" xmlns:mv="urn:schemas-microsoft-com:mac:vml" xmlns:p="http://schemas.openxmlformats.org/presentationml/2006/main" xmlns:c="http://schemas.openxmlformats.org/drawingml/2006/chart" xmlns:dgm="http://schemas.openxmlformats.org/drawingml/2006/diagram" xmlns:o="urn:schemas-microsoft-com:office:office" xmlns:v="urn:schemas-microsoft-com:vml" xmlns:pvml="urn:schemas-microsoft-com:office:powerpoint" xmlns:com="http://schemas.openxmlformats.org/drawingml/2006/compatibility" xmlns:p14="http://schemas.microsoft.com/office/powerpoint/2010/main" xmlns:p15="http://schemas.microsoft.com/office/powerpoint/2012/main" xmlns:ahyp="http://schemas.microsoft.com/office/drawing/2018/hyperlinkcolor" showMasterPhAnim="0" showMasterSp="0">
+  <p:cSld>
+    <p:spTree>
+      <p:nvGrpSpPr>
+        <p:cNvPr id="187" name="Shape 187"/>
+        <p:cNvGrpSpPr/>
+        <p:nvPr/>
+      </p:nvGrpSpPr>
+      <p:grpSpPr>
+        <a:xfrm>
+          <a:off x="0" y="0"/>
+          <a:ext cx="0" cy="0"/>
+          <a:chOff x="0" y="0"/>
+          <a:chExt cx="0" cy="0"/>
+        </a:xfrm>
+      </p:grpSpPr>
+      <p:sp>
+        <p:nvSpPr>
+          <p:cNvPr id="188" name="Google Shape;188;g1f7b3a1df63_0_100:notes"/>
+          <p:cNvSpPr/>
+          <p:nvPr>
+            <p:ph idx="2" type="sldImg"/>
+          </p:nvPr>
+        </p:nvSpPr>
+        <p:spPr>
+          <a:xfrm>
+            <a:off x="381300" y="685800"/>
+            <a:ext cx="6096000" cy="3429000"/>
+          </a:xfrm>
+          <a:custGeom>
+            <a:rect b="b" l="l" r="r" t="t"/>
+            <a:pathLst>
+              <a:path extrusionOk="0" h="120000" w="120000">
+                <a:moveTo>
+                  <a:pt x="0" y="0"/>
+                </a:moveTo>
+                <a:lnTo>
+                  <a:pt x="120000" y="0"/>
+                </a:lnTo>
+                <a:lnTo>
+                  <a:pt x="120000" y="120000"/>
+                </a:lnTo>
+                <a:lnTo>
+                  <a:pt x="0" y="120000"/>
+                </a:lnTo>
+                <a:close/>
+              </a:path>
+            </a:pathLst>
+          </a:custGeom>
+        </p:spPr>
+      </p:sp>
+      <p:sp>
+        <p:nvSpPr>
+          <p:cNvPr id="189" name="Google Shape;189;g1f7b3a1df63_0_100:notes"/>
+          <p:cNvSpPr txBox="1"/>
+          <p:nvPr>
+            <p:ph idx="1" type="body"/>
+          </p:nvPr>
+        </p:nvSpPr>
+        <p:spPr>
+          <a:xfrm>
+            <a:off x="685800" y="4343400"/>
+            <a:ext cx="5486400" cy="4114800"/>
+          </a:xfrm>
+          <a:prstGeom prst="rect">
+            <a:avLst/>
+          </a:prstGeom>
+        </p:spPr>
+        <p:txBody>
+          <a:bodyPr anchorCtr="0" anchor="t" bIns="91425" lIns="91425" spcFirstLastPara="1" rIns="91425" wrap="square" tIns="91425">
+            <a:noAutofit/>
+          </a:bodyPr>
+          <a:lstStyle/>
+          <a:p>
+            <a:pPr indent="0" lvl="0" marL="0" rtl="0" algn="l">
+              <a:spcBef>
+                <a:spcPts val="0"/>
+              </a:spcBef>
+              <a:spcAft>
+                <a:spcPts val="0"/>
+              </a:spcAft>
+              <a:buNone/>
+            </a:pPr>
+            <a:r>
+              <a:t/>
+            </a:r>
+            <a:endParaRPr/>
+          </a:p>
+        </p:txBody>
+      </p:sp>
+    </p:spTree>
+  </p:cSld>
+  <p:clrMapOvr>
+    <a:masterClrMapping/>
+  </p:clrMapOvr>
+</p:notes>
+</file>
+
+<file path=ppt/notesSlides/notesSlide22.xml><?xml version="1.0" encoding="utf-8"?>
+<p:notes xmlns:a="http://schemas.openxmlformats.org/drawingml/2006/main" xmlns:r="http://schemas.openxmlformats.org/officeDocument/2006/relationships" xmlns:mc="http://schemas.openxmlformats.org/markup-compatibility/2006" xmlns:mv="urn:schemas-microsoft-com:mac:vml" xmlns:p="http://schemas.openxmlformats.org/presentationml/2006/main" xmlns:c="http://schemas.openxmlformats.org/drawingml/2006/chart" xmlns:dgm="http://schemas.openxmlformats.org/drawingml/2006/diagram" xmlns:o="urn:schemas-microsoft-com:office:office" xmlns:v="urn:schemas-microsoft-com:vml" xmlns:pvml="urn:schemas-microsoft-com:office:powerpoint" xmlns:com="http://schemas.openxmlformats.org/drawingml/2006/compatibility" xmlns:p14="http://schemas.microsoft.com/office/powerpoint/2010/main" xmlns:p15="http://schemas.microsoft.com/office/powerpoint/2012/main" xmlns:ahyp="http://schemas.microsoft.com/office/drawing/2018/hyperlinkcolor" showMasterPhAnim="0" showMasterSp="0">
+  <p:cSld>
+    <p:spTree>
+      <p:nvGrpSpPr>
+        <p:cNvPr id="193" name="Shape 193"/>
+        <p:cNvGrpSpPr/>
+        <p:nvPr/>
+      </p:nvGrpSpPr>
+      <p:grpSpPr>
+        <a:xfrm>
+          <a:off x="0" y="0"/>
+          <a:ext cx="0" cy="0"/>
+          <a:chOff x="0" y="0"/>
+          <a:chExt cx="0" cy="0"/>
+        </a:xfrm>
+      </p:grpSpPr>
+      <p:sp>
+        <p:nvSpPr>
+          <p:cNvPr id="194" name="Google Shape;194;g1f7b3a1df63_0_106:notes"/>
+          <p:cNvSpPr/>
+          <p:nvPr>
+            <p:ph idx="2" type="sldImg"/>
+          </p:nvPr>
+        </p:nvSpPr>
+        <p:spPr>
+          <a:xfrm>
+            <a:off x="381300" y="685800"/>
+            <a:ext cx="6096000" cy="3429000"/>
+          </a:xfrm>
+          <a:custGeom>
+            <a:rect b="b" l="l" r="r" t="t"/>
+            <a:pathLst>
+              <a:path extrusionOk="0" h="120000" w="120000">
+                <a:moveTo>
+                  <a:pt x="0" y="0"/>
+                </a:moveTo>
+                <a:lnTo>
+                  <a:pt x="120000" y="0"/>
+                </a:lnTo>
+                <a:lnTo>
+                  <a:pt x="120000" y="120000"/>
+                </a:lnTo>
+                <a:lnTo>
+                  <a:pt x="0" y="120000"/>
+                </a:lnTo>
+                <a:close/>
+              </a:path>
+            </a:pathLst>
+          </a:custGeom>
+        </p:spPr>
+      </p:sp>
+      <p:sp>
+        <p:nvSpPr>
+          <p:cNvPr id="195" name="Google Shape;195;g1f7b3a1df63_0_106:notes"/>
+          <p:cNvSpPr txBox="1"/>
+          <p:nvPr>
+            <p:ph idx="1" type="body"/>
+          </p:nvPr>
+        </p:nvSpPr>
+        <p:spPr>
+          <a:xfrm>
+            <a:off x="685800" y="4343400"/>
+            <a:ext cx="5486400" cy="4114800"/>
+          </a:xfrm>
+          <a:prstGeom prst="rect">
+            <a:avLst/>
+          </a:prstGeom>
+        </p:spPr>
+        <p:txBody>
+          <a:bodyPr anchorCtr="0" anchor="t" bIns="91425" lIns="91425" spcFirstLastPara="1" rIns="91425" wrap="square" tIns="91425">
+            <a:noAutofit/>
+          </a:bodyPr>
+          <a:lstStyle/>
+          <a:p>
+            <a:pPr indent="0" lvl="0" marL="0" rtl="0" algn="l">
+              <a:spcBef>
+                <a:spcPts val="0"/>
+              </a:spcBef>
+              <a:spcAft>
+                <a:spcPts val="0"/>
+              </a:spcAft>
+              <a:buNone/>
+            </a:pPr>
+            <a:r>
+              <a:t/>
+            </a:r>
+            <a:endParaRPr/>
+          </a:p>
+        </p:txBody>
+      </p:sp>
+    </p:spTree>
+  </p:cSld>
+  <p:clrMapOvr>
+    <a:masterClrMapping/>
+  </p:clrMapOvr>
+</p:notes>
+</file>
+
+<file path=ppt/notesSlides/notesSlide23.xml><?xml version="1.0" encoding="utf-8"?>
+<p:notes xmlns:a="http://schemas.openxmlformats.org/drawingml/2006/main" xmlns:r="http://schemas.openxmlformats.org/officeDocument/2006/relationships" xmlns:mc="http://schemas.openxmlformats.org/markup-compatibility/2006" xmlns:mv="urn:schemas-microsoft-com:mac:vml" xmlns:p="http://schemas.openxmlformats.org/presentationml/2006/main" xmlns:c="http://schemas.openxmlformats.org/drawingml/2006/chart" xmlns:dgm="http://schemas.openxmlformats.org/drawingml/2006/diagram" xmlns:o="urn:schemas-microsoft-com:office:office" xmlns:v="urn:schemas-microsoft-com:vml" xmlns:pvml="urn:schemas-microsoft-com:office:powerpoint" xmlns:com="http://schemas.openxmlformats.org/drawingml/2006/compatibility" xmlns:p14="http://schemas.microsoft.com/office/powerpoint/2010/main" xmlns:p15="http://schemas.microsoft.com/office/powerpoint/2012/main" xmlns:ahyp="http://schemas.microsoft.com/office/drawing/2018/hyperlinkcolor" showMasterPhAnim="0" showMasterSp="0">
+  <p:cSld>
+    <p:spTree>
+      <p:nvGrpSpPr>
+        <p:cNvPr id="199" name="Shape 199"/>
+        <p:cNvGrpSpPr/>
+        <p:nvPr/>
+      </p:nvGrpSpPr>
+      <p:grpSpPr>
+        <a:xfrm>
+          <a:off x="0" y="0"/>
+          <a:ext cx="0" cy="0"/>
+          <a:chOff x="0" y="0"/>
+          <a:chExt cx="0" cy="0"/>
+        </a:xfrm>
+      </p:grpSpPr>
+      <p:sp>
+        <p:nvSpPr>
+          <p:cNvPr id="200" name="Google Shape;200;g1f7b3a1df63_0_112:notes"/>
+          <p:cNvSpPr/>
+          <p:nvPr>
+            <p:ph idx="2" type="sldImg"/>
+          </p:nvPr>
+        </p:nvSpPr>
+        <p:spPr>
+          <a:xfrm>
+            <a:off x="381300" y="685800"/>
+            <a:ext cx="6096000" cy="3429000"/>
+          </a:xfrm>
+          <a:custGeom>
+            <a:rect b="b" l="l" r="r" t="t"/>
+            <a:pathLst>
+              <a:path extrusionOk="0" h="120000" w="120000">
+                <a:moveTo>
+                  <a:pt x="0" y="0"/>
+                </a:moveTo>
+                <a:lnTo>
+                  <a:pt x="120000" y="0"/>
+                </a:lnTo>
+                <a:lnTo>
+                  <a:pt x="120000" y="120000"/>
+                </a:lnTo>
+                <a:lnTo>
+                  <a:pt x="0" y="120000"/>
+                </a:lnTo>
+                <a:close/>
+              </a:path>
+            </a:pathLst>
+          </a:custGeom>
+        </p:spPr>
+      </p:sp>
+      <p:sp>
+        <p:nvSpPr>
+          <p:cNvPr id="201" name="Google Shape;201;g1f7b3a1df63_0_112:notes"/>
+          <p:cNvSpPr txBox="1"/>
+          <p:nvPr>
+            <p:ph idx="1" type="body"/>
+          </p:nvPr>
+        </p:nvSpPr>
+        <p:spPr>
+          <a:xfrm>
+            <a:off x="685800" y="4343400"/>
+            <a:ext cx="5486400" cy="4114800"/>
+          </a:xfrm>
+          <a:prstGeom prst="rect">
+            <a:avLst/>
+          </a:prstGeom>
+        </p:spPr>
+        <p:txBody>
+          <a:bodyPr anchorCtr="0" anchor="t" bIns="91425" lIns="91425" spcFirstLastPara="1" rIns="91425" wrap="square" tIns="91425">
+            <a:noAutofit/>
+          </a:bodyPr>
+          <a:lstStyle/>
+          <a:p>
+            <a:pPr indent="0" lvl="0" marL="0" rtl="0" algn="l">
+              <a:spcBef>
+                <a:spcPts val="0"/>
+              </a:spcBef>
+              <a:spcAft>
+                <a:spcPts val="0"/>
+              </a:spcAft>
+              <a:buNone/>
+            </a:pPr>
+            <a:r>
+              <a:t/>
+            </a:r>
+            <a:endParaRPr/>
+          </a:p>
+        </p:txBody>
+      </p:sp>
+    </p:spTree>
+  </p:cSld>
+  <p:clrMapOvr>
+    <a:masterClrMapping/>
+  </p:clrMapOvr>
+</p:notes>
+</file>
+
+<file path=ppt/notesSlides/notesSlide24.xml><?xml version="1.0" encoding="utf-8"?>
+<p:notes xmlns:a="http://schemas.openxmlformats.org/drawingml/2006/main" xmlns:r="http://schemas.openxmlformats.org/officeDocument/2006/relationships" xmlns:mc="http://schemas.openxmlformats.org/markup-compatibility/2006" xmlns:mv="urn:schemas-microsoft-com:mac:vml" xmlns:p="http://schemas.openxmlformats.org/presentationml/2006/main" xmlns:c="http://schemas.openxmlformats.org/drawingml/2006/chart" xmlns:dgm="http://schemas.openxmlformats.org/drawingml/2006/diagram" xmlns:o="urn:schemas-microsoft-com:office:office" xmlns:v="urn:schemas-microsoft-com:vml" xmlns:pvml="urn:schemas-microsoft-com:office:powerpoint" xmlns:com="http://schemas.openxmlformats.org/drawingml/2006/compatibility" xmlns:p14="http://schemas.microsoft.com/office/powerpoint/2010/main" xmlns:p15="http://schemas.microsoft.com/office/powerpoint/2012/main" xmlns:ahyp="http://schemas.microsoft.com/office/drawing/2018/hyperlinkcolor" showMasterPhAnim="0" showMasterSp="0">
+  <p:cSld>
+    <p:spTree>
+      <p:nvGrpSpPr>
+        <p:cNvPr id="205" name="Shape 205"/>
+        <p:cNvGrpSpPr/>
+        <p:nvPr/>
+      </p:nvGrpSpPr>
+      <p:grpSpPr>
+        <a:xfrm>
+          <a:off x="0" y="0"/>
+          <a:ext cx="0" cy="0"/>
+          <a:chOff x="0" y="0"/>
+          <a:chExt cx="0" cy="0"/>
+        </a:xfrm>
+      </p:grpSpPr>
+      <p:sp>
+        <p:nvSpPr>
+          <p:cNvPr id="206" name="Google Shape;206;g1f7b3a1df63_0_27:notes"/>
+          <p:cNvSpPr/>
+          <p:nvPr>
+            <p:ph idx="2" type="sldImg"/>
+          </p:nvPr>
+        </p:nvSpPr>
+        <p:spPr>
+          <a:xfrm>
+            <a:off x="381300" y="685800"/>
+            <a:ext cx="6096000" cy="3429000"/>
+          </a:xfrm>
+          <a:custGeom>
+            <a:rect b="b" l="l" r="r" t="t"/>
+            <a:pathLst>
+              <a:path extrusionOk="0" h="120000" w="120000">
+                <a:moveTo>
+                  <a:pt x="0" y="0"/>
+                </a:moveTo>
+                <a:lnTo>
+                  <a:pt x="120000" y="0"/>
+                </a:lnTo>
+                <a:lnTo>
+                  <a:pt x="120000" y="120000"/>
+                </a:lnTo>
+                <a:lnTo>
+                  <a:pt x="0" y="120000"/>
+                </a:lnTo>
+                <a:close/>
+              </a:path>
+            </a:pathLst>
+          </a:custGeom>
+        </p:spPr>
+      </p:sp>
+      <p:sp>
+        <p:nvSpPr>
+          <p:cNvPr id="207" name="Google Shape;207;g1f7b3a1df63_0_27:notes"/>
+          <p:cNvSpPr txBox="1"/>
+          <p:nvPr>
+            <p:ph idx="1" type="body"/>
+          </p:nvPr>
+        </p:nvSpPr>
+        <p:spPr>
+          <a:xfrm>
+            <a:off x="685800" y="4343400"/>
+            <a:ext cx="5486400" cy="4114800"/>
+          </a:xfrm>
+          <a:prstGeom prst="rect">
+            <a:avLst/>
+          </a:prstGeom>
+        </p:spPr>
+        <p:txBody>
+          <a:bodyPr anchorCtr="0" anchor="t" bIns="91425" lIns="91425" spcFirstLastPara="1" rIns="91425" wrap="square" tIns="91425">
+            <a:noAutofit/>
+          </a:bodyPr>
+          <a:lstStyle/>
+          <a:p>
+            <a:pPr indent="0" lvl="0" marL="0" rtl="0" algn="l">
+              <a:spcBef>
+                <a:spcPts val="0"/>
+              </a:spcBef>
+              <a:spcAft>
+                <a:spcPts val="0"/>
+              </a:spcAft>
+              <a:buNone/>
+            </a:pPr>
+            <a:r>
+              <a:t/>
+            </a:r>
+            <a:endParaRPr/>
+          </a:p>
+        </p:txBody>
+      </p:sp>
+    </p:spTree>
+  </p:cSld>
+  <p:clrMapOvr>
+    <a:masterClrMapping/>
+  </p:clrMapOvr>
+</p:notes>
+</file>
+
+<file path=ppt/notesSlides/notesSlide25.xml><?xml version="1.0" encoding="utf-8"?>
+<p:notes xmlns:a="http://schemas.openxmlformats.org/drawingml/2006/main" xmlns:r="http://schemas.openxmlformats.org/officeDocument/2006/relationships" xmlns:mc="http://schemas.openxmlformats.org/markup-compatibility/2006" xmlns:mv="urn:schemas-microsoft-com:mac:vml" xmlns:p="http://schemas.openxmlformats.org/presentationml/2006/main" xmlns:c="http://schemas.openxmlformats.org/drawingml/2006/chart" xmlns:dgm="http://schemas.openxmlformats.org/drawingml/2006/diagram" xmlns:o="urn:schemas-microsoft-com:office:office" xmlns:v="urn:schemas-microsoft-com:vml" xmlns:pvml="urn:schemas-microsoft-com:office:powerpoint" xmlns:com="http://schemas.openxmlformats.org/drawingml/2006/compatibility" xmlns:p14="http://schemas.microsoft.com/office/powerpoint/2010/main" xmlns:p15="http://schemas.microsoft.com/office/powerpoint/2012/main" xmlns:ahyp="http://schemas.microsoft.com/office/drawing/2018/hyperlinkcolor" showMasterPhAnim="0" showMasterSp="0">
+  <p:cSld>
+    <p:spTree>
+      <p:nvGrpSpPr>
+        <p:cNvPr id="211" name="Shape 211"/>
+        <p:cNvGrpSpPr/>
+        <p:nvPr/>
+      </p:nvGrpSpPr>
+      <p:grpSpPr>
+        <a:xfrm>
+          <a:off x="0" y="0"/>
+          <a:ext cx="0" cy="0"/>
+          <a:chOff x="0" y="0"/>
+          <a:chExt cx="0" cy="0"/>
+        </a:xfrm>
+      </p:grpSpPr>
+      <p:sp>
+        <p:nvSpPr>
+          <p:cNvPr id="212" name="Google Shape;212;g1f7b3a1df63_0_42:notes"/>
+          <p:cNvSpPr/>
+          <p:nvPr>
+            <p:ph idx="2" type="sldImg"/>
+          </p:nvPr>
+        </p:nvSpPr>
+        <p:spPr>
+          <a:xfrm>
+            <a:off x="381300" y="685800"/>
+            <a:ext cx="6096000" cy="3429000"/>
+          </a:xfrm>
+          <a:custGeom>
+            <a:rect b="b" l="l" r="r" t="t"/>
+            <a:pathLst>
+              <a:path extrusionOk="0" h="120000" w="120000">
+                <a:moveTo>
+                  <a:pt x="0" y="0"/>
+                </a:moveTo>
+                <a:lnTo>
+                  <a:pt x="120000" y="0"/>
+                </a:lnTo>
+                <a:lnTo>
+                  <a:pt x="120000" y="120000"/>
+                </a:lnTo>
+                <a:lnTo>
+                  <a:pt x="0" y="120000"/>
+                </a:lnTo>
+                <a:close/>
+              </a:path>
+            </a:pathLst>
+          </a:custGeom>
+        </p:spPr>
+      </p:sp>
+      <p:sp>
+        <p:nvSpPr>
+          <p:cNvPr id="213" name="Google Shape;213;g1f7b3a1df63_0_42:notes"/>
+          <p:cNvSpPr txBox="1"/>
+          <p:nvPr>
+            <p:ph idx="1" type="body"/>
+          </p:nvPr>
+        </p:nvSpPr>
+        <p:spPr>
+          <a:xfrm>
+            <a:off x="685800" y="4343400"/>
+            <a:ext cx="5486400" cy="4114800"/>
+          </a:xfrm>
+          <a:prstGeom prst="rect">
+            <a:avLst/>
+          </a:prstGeom>
+        </p:spPr>
+        <p:txBody>
+          <a:bodyPr anchorCtr="0" anchor="t" bIns="91425" lIns="91425" spcFirstLastPara="1" rIns="91425" wrap="square" tIns="91425">
+            <a:noAutofit/>
+          </a:bodyPr>
+          <a:lstStyle/>
+          <a:p>
+            <a:pPr indent="0" lvl="0" marL="0" rtl="0" algn="l">
+              <a:spcBef>
+                <a:spcPts val="0"/>
+              </a:spcBef>
+              <a:spcAft>
+                <a:spcPts val="0"/>
+              </a:spcAft>
+              <a:buNone/>
+            </a:pPr>
+            <a:r>
+              <a:t/>
+            </a:r>
+            <a:endParaRPr/>
+          </a:p>
+        </p:txBody>
+      </p:sp>
+    </p:spTree>
+  </p:cSld>
+  <p:clrMapOvr>
+    <a:masterClrMapping/>
+  </p:clrMapOvr>
+</p:notes>
+</file>
+
+<file path=ppt/notesSlides/notesSlide26.xml><?xml version="1.0" encoding="utf-8"?>
+<p:notes xmlns:a="http://schemas.openxmlformats.org/drawingml/2006/main" xmlns:r="http://schemas.openxmlformats.org/officeDocument/2006/relationships" xmlns:mc="http://schemas.openxmlformats.org/markup-compatibility/2006" xmlns:mv="urn:schemas-microsoft-com:mac:vml" xmlns:p="http://schemas.openxmlformats.org/presentationml/2006/main" xmlns:c="http://schemas.openxmlformats.org/drawingml/2006/chart" xmlns:dgm="http://schemas.openxmlformats.org/drawingml/2006/diagram" xmlns:o="urn:schemas-microsoft-com:office:office" xmlns:v="urn:schemas-microsoft-com:vml" xmlns:pvml="urn:schemas-microsoft-com:office:powerpoint" xmlns:com="http://schemas.openxmlformats.org/drawingml/2006/compatibility" xmlns:p14="http://schemas.microsoft.com/office/powerpoint/2010/main" xmlns:p15="http://schemas.microsoft.com/office/powerpoint/2012/main" xmlns:ahyp="http://schemas.microsoft.com/office/drawing/2018/hyperlinkcolor" showMasterPhAnim="0" showMasterSp="0">
+  <p:cSld>
+    <p:spTree>
+      <p:nvGrpSpPr>
+        <p:cNvPr id="217" name="Shape 217"/>
+        <p:cNvGrpSpPr/>
+        <p:nvPr/>
+      </p:nvGrpSpPr>
+      <p:grpSpPr>
+        <a:xfrm>
+          <a:off x="0" y="0"/>
+          <a:ext cx="0" cy="0"/>
+          <a:chOff x="0" y="0"/>
+          <a:chExt cx="0" cy="0"/>
+        </a:xfrm>
+      </p:grpSpPr>
+      <p:sp>
+        <p:nvSpPr>
+          <p:cNvPr id="218" name="Google Shape;218;g2248036d40b_0_31:notes"/>
+          <p:cNvSpPr/>
+          <p:nvPr>
+            <p:ph idx="2" type="sldImg"/>
+          </p:nvPr>
+        </p:nvSpPr>
+        <p:spPr>
+          <a:xfrm>
+            <a:off x="381300" y="685800"/>
+            <a:ext cx="6096000" cy="3429000"/>
+          </a:xfrm>
+          <a:custGeom>
+            <a:rect b="b" l="l" r="r" t="t"/>
+            <a:pathLst>
+              <a:path extrusionOk="0" h="120000" w="120000">
+                <a:moveTo>
+                  <a:pt x="0" y="0"/>
+                </a:moveTo>
+                <a:lnTo>
+                  <a:pt x="120000" y="0"/>
+                </a:lnTo>
+                <a:lnTo>
+                  <a:pt x="120000" y="120000"/>
+                </a:lnTo>
+                <a:lnTo>
+                  <a:pt x="0" y="120000"/>
+                </a:lnTo>
+                <a:close/>
+              </a:path>
+            </a:pathLst>
+          </a:custGeom>
+        </p:spPr>
+      </p:sp>
+      <p:sp>
+        <p:nvSpPr>
+          <p:cNvPr id="219" name="Google Shape;219;g2248036d40b_0_31:notes"/>
           <p:cNvSpPr txBox="1"/>
           <p:nvPr>
             <p:ph idx="1" type="body"/>
@@ -2011,7 +2611,7 @@
       </p:grpSpPr>
       <p:sp>
         <p:nvSpPr>
-          <p:cNvPr id="64" name="Google Shape;64;g1f7b3a1df63_0_7:notes"/>
+          <p:cNvPr id="64" name="Google Shape;64;g2248036d40b_0_0:notes"/>
           <p:cNvSpPr/>
           <p:nvPr>
             <p:ph idx="2" type="sldImg"/>
@@ -2046,7 +2646,7 @@
       </p:sp>
       <p:sp>
         <p:nvSpPr>
-          <p:cNvPr id="65" name="Google Shape;65;g1f7b3a1df63_0_7:notes"/>
+          <p:cNvPr id="65" name="Google Shape;65;g2248036d40b_0_0:notes"/>
           <p:cNvSpPr txBox="1"/>
           <p:nvPr>
             <p:ph idx="1" type="body"/>
@@ -2096,7 +2696,7 @@
   <p:cSld>
     <p:spTree>
       <p:nvGrpSpPr>
-        <p:cNvPr id="70" name="Shape 70"/>
+        <p:cNvPr id="69" name="Shape 69"/>
         <p:cNvGrpSpPr/>
         <p:nvPr/>
       </p:nvGrpSpPr>
@@ -2110,7 +2710,7 @@
       </p:grpSpPr>
       <p:sp>
         <p:nvSpPr>
-          <p:cNvPr id="71" name="Google Shape;71;g1f7b3a1df63_0_2:notes"/>
+          <p:cNvPr id="70" name="Google Shape;70;g2248036d40b_0_5:notes"/>
           <p:cNvSpPr/>
           <p:nvPr>
             <p:ph idx="2" type="sldImg"/>
@@ -2145,7 +2745,7 @@
       </p:sp>
       <p:sp>
         <p:nvSpPr>
-          <p:cNvPr id="72" name="Google Shape;72;g1f7b3a1df63_0_2:notes"/>
+          <p:cNvPr id="71" name="Google Shape;71;g2248036d40b_0_5:notes"/>
           <p:cNvSpPr txBox="1"/>
           <p:nvPr>
             <p:ph idx="1" type="body"/>
@@ -2195,7 +2795,7 @@
   <p:cSld>
     <p:spTree>
       <p:nvGrpSpPr>
-        <p:cNvPr id="77" name="Shape 77"/>
+        <p:cNvPr id="75" name="Shape 75"/>
         <p:cNvGrpSpPr/>
         <p:nvPr/>
       </p:nvGrpSpPr>
@@ -2209,7 +2809,7 @@
       </p:grpSpPr>
       <p:sp>
         <p:nvSpPr>
-          <p:cNvPr id="78" name="Google Shape;78;g1f7b3a1df63_0_48:notes"/>
+          <p:cNvPr id="76" name="Google Shape;76;g2248036d40b_0_10:notes"/>
           <p:cNvSpPr/>
           <p:nvPr>
             <p:ph idx="2" type="sldImg"/>
@@ -2244,7 +2844,7 @@
       </p:sp>
       <p:sp>
         <p:nvSpPr>
-          <p:cNvPr id="79" name="Google Shape;79;g1f7b3a1df63_0_48:notes"/>
+          <p:cNvPr id="77" name="Google Shape;77;g2248036d40b_0_10:notes"/>
           <p:cNvSpPr txBox="1"/>
           <p:nvPr>
             <p:ph idx="1" type="body"/>
@@ -2294,7 +2894,7 @@
   <p:cSld>
     <p:spTree>
       <p:nvGrpSpPr>
-        <p:cNvPr id="83" name="Shape 83"/>
+        <p:cNvPr id="81" name="Shape 81"/>
         <p:cNvGrpSpPr/>
         <p:nvPr/>
       </p:nvGrpSpPr>
@@ -2308,7 +2908,7 @@
       </p:grpSpPr>
       <p:sp>
         <p:nvSpPr>
-          <p:cNvPr id="84" name="Google Shape;84;g1f7b3a1df63_0_61:notes"/>
+          <p:cNvPr id="82" name="Google Shape;82;g2248036d40b_0_15:notes"/>
           <p:cNvSpPr/>
           <p:nvPr>
             <p:ph idx="2" type="sldImg"/>
@@ -2343,7 +2943,7 @@
       </p:sp>
       <p:sp>
         <p:nvSpPr>
-          <p:cNvPr id="85" name="Google Shape;85;g1f7b3a1df63_0_61:notes"/>
+          <p:cNvPr id="83" name="Google Shape;83;g2248036d40b_0_15:notes"/>
           <p:cNvSpPr txBox="1"/>
           <p:nvPr>
             <p:ph idx="1" type="body"/>
@@ -2393,7 +2993,7 @@
   <p:cSld>
     <p:spTree>
       <p:nvGrpSpPr>
-        <p:cNvPr id="90" name="Shape 90"/>
+        <p:cNvPr id="86" name="Shape 86"/>
         <p:cNvGrpSpPr/>
         <p:nvPr/>
       </p:nvGrpSpPr>
@@ -2407,7 +3007,7 @@
       </p:grpSpPr>
       <p:sp>
         <p:nvSpPr>
-          <p:cNvPr id="91" name="Google Shape;91;g1f7b3a1df63_0_55:notes"/>
+          <p:cNvPr id="87" name="Google Shape;87;g2248036d40b_0_20:notes"/>
           <p:cNvSpPr/>
           <p:nvPr>
             <p:ph idx="2" type="sldImg"/>
@@ -2442,7 +3042,7 @@
       </p:sp>
       <p:sp>
         <p:nvSpPr>
-          <p:cNvPr id="92" name="Google Shape;92;g1f7b3a1df63_0_55:notes"/>
+          <p:cNvPr id="88" name="Google Shape;88;g2248036d40b_0_20:notes"/>
           <p:cNvSpPr txBox="1"/>
           <p:nvPr>
             <p:ph idx="1" type="body"/>
@@ -2492,7 +3092,7 @@
   <p:cSld>
     <p:spTree>
       <p:nvGrpSpPr>
-        <p:cNvPr id="96" name="Shape 96"/>
+        <p:cNvPr id="92" name="Shape 92"/>
         <p:cNvGrpSpPr/>
         <p:nvPr/>
       </p:nvGrpSpPr>
@@ -2506,7 +3106,7 @@
       </p:grpSpPr>
       <p:sp>
         <p:nvSpPr>
-          <p:cNvPr id="97" name="Google Shape;97;g1f7b3a1df63_0_12:notes"/>
+          <p:cNvPr id="93" name="Google Shape;93;g1f7b3a1df63_0_7:notes"/>
           <p:cNvSpPr/>
           <p:nvPr>
             <p:ph idx="2" type="sldImg"/>
@@ -2541,7 +3141,7 @@
       </p:sp>
       <p:sp>
         <p:nvSpPr>
-          <p:cNvPr id="98" name="Google Shape;98;g1f7b3a1df63_0_12:notes"/>
+          <p:cNvPr id="94" name="Google Shape;94;g1f7b3a1df63_0_7:notes"/>
           <p:cNvSpPr txBox="1"/>
           <p:nvPr>
             <p:ph idx="1" type="body"/>
@@ -2591,7 +3191,7 @@
   <p:cSld>
     <p:spTree>
       <p:nvGrpSpPr>
-        <p:cNvPr id="103" name="Shape 103"/>
+        <p:cNvPr id="99" name="Shape 99"/>
         <p:cNvGrpSpPr/>
         <p:nvPr/>
       </p:nvGrpSpPr>
@@ -2605,7 +3205,7 @@
       </p:grpSpPr>
       <p:sp>
         <p:nvSpPr>
-          <p:cNvPr id="104" name="Google Shape;104;g1f7b3a1df63_0_93:notes"/>
+          <p:cNvPr id="100" name="Google Shape;100;g1f7b3a1df63_0_2:notes"/>
           <p:cNvSpPr/>
           <p:nvPr>
             <p:ph idx="2" type="sldImg"/>
@@ -2640,7 +3240,7 @@
       </p:sp>
       <p:sp>
         <p:nvSpPr>
-          <p:cNvPr id="105" name="Google Shape;105;g1f7b3a1df63_0_93:notes"/>
+          <p:cNvPr id="101" name="Google Shape;101;g1f7b3a1df63_0_2:notes"/>
           <p:cNvSpPr txBox="1"/>
           <p:nvPr>
             <p:ph idx="1" type="body"/>
@@ -7529,7 +8129,7 @@
   <p:cSld>
     <p:spTree>
       <p:nvGrpSpPr>
-        <p:cNvPr id="113" name="Shape 113"/>
+        <p:cNvPr id="109" name="Shape 109"/>
         <p:cNvGrpSpPr/>
         <p:nvPr/>
       </p:nvGrpSpPr>
@@ -7543,92 +8143,16 @@
       </p:grpSpPr>
       <p:sp>
         <p:nvSpPr>
-          <p:cNvPr id="114" name="Google Shape;114;p22"/>
+          <p:cNvPr id="110" name="Google Shape;110;p22"/>
           <p:cNvSpPr txBox="1"/>
           <p:nvPr>
-            <p:ph type="title"/>
-          </p:nvPr>
-        </p:nvSpPr>
-        <p:spPr>
-          <a:xfrm>
-            <a:off x="311700" y="445025"/>
-            <a:ext cx="2547900" cy="572700"/>
-          </a:xfrm>
-          <a:prstGeom prst="rect">
-            <a:avLst/>
-          </a:prstGeom>
-        </p:spPr>
-        <p:txBody>
-          <a:bodyPr anchorCtr="0" anchor="t" bIns="91425" lIns="91425" spcFirstLastPara="1" rIns="91425" wrap="square" tIns="91425">
-            <a:normAutofit fontScale="90000"/>
-          </a:bodyPr>
-          <a:lstStyle/>
-          <a:p>
-            <a:pPr indent="0" lvl="0" marL="0" rtl="0" algn="l">
-              <a:spcBef>
-                <a:spcPts val="0"/>
-              </a:spcBef>
-              <a:spcAft>
-                <a:spcPts val="0"/>
-              </a:spcAft>
-              <a:buNone/>
-            </a:pPr>
-            <a:r>
-              <a:rPr lang="es"/>
-              <a:t>Una cosa es que haya más festivales que cobren… </a:t>
-            </a:r>
-            <a:endParaRPr/>
-          </a:p>
-          <a:p>
-            <a:pPr indent="0" lvl="0" marL="0" rtl="0" algn="l">
-              <a:spcBef>
-                <a:spcPts val="0"/>
-              </a:spcBef>
-              <a:spcAft>
-                <a:spcPts val="0"/>
-              </a:spcAft>
-              <a:buClr>
-                <a:schemeClr val="dk1"/>
-              </a:buClr>
-              <a:buSzPct val="39285"/>
-              <a:buFont typeface="Arial"/>
-              <a:buNone/>
-            </a:pPr>
-            <a:r>
-              <a:rPr lang="es"/>
-              <a:t>Pero, ¿estamos dispuestos a pagar?</a:t>
-            </a:r>
-            <a:endParaRPr/>
-          </a:p>
-          <a:p>
-            <a:pPr indent="0" lvl="0" marL="0" rtl="0" algn="l">
-              <a:spcBef>
-                <a:spcPts val="0"/>
-              </a:spcBef>
-              <a:spcAft>
-                <a:spcPts val="0"/>
-              </a:spcAft>
-              <a:buNone/>
-            </a:pPr>
-            <a:r>
-              <a:t/>
-            </a:r>
-            <a:endParaRPr/>
-          </a:p>
-        </p:txBody>
-      </p:sp>
-      <p:sp>
-        <p:nvSpPr>
-          <p:cNvPr id="115" name="Google Shape;115;p22"/>
-          <p:cNvSpPr txBox="1"/>
-          <p:nvPr>
             <p:ph idx="1" type="body"/>
           </p:nvPr>
         </p:nvSpPr>
         <p:spPr>
           <a:xfrm>
-            <a:off x="311700" y="3540350"/>
-            <a:ext cx="2202600" cy="1028700"/>
+            <a:off x="311700" y="575675"/>
+            <a:ext cx="1631100" cy="3993300"/>
           </a:xfrm>
           <a:prstGeom prst="rect">
             <a:avLst/>
@@ -7651,60 +8175,15 @@
             </a:pPr>
             <a:r>
               <a:rPr lang="es"/>
-              <a:t>Parecería que sí…</a:t>
+              <a:t>¿Y según las estaciones del año?</a:t>
             </a:r>
             <a:endParaRPr/>
           </a:p>
         </p:txBody>
       </p:sp>
-      <p:sp>
-        <p:nvSpPr>
-          <p:cNvPr id="116" name="Google Shape;116;p22"/>
-          <p:cNvSpPr txBox="1"/>
-          <p:nvPr/>
-        </p:nvSpPr>
-        <p:spPr>
-          <a:xfrm>
-            <a:off x="0" y="0"/>
-            <a:ext cx="3000000" cy="615600"/>
-          </a:xfrm>
-          <a:prstGeom prst="rect">
-            <a:avLst/>
-          </a:prstGeom>
-          <a:noFill/>
-          <a:ln>
-            <a:noFill/>
-          </a:ln>
-        </p:spPr>
-        <p:txBody>
-          <a:bodyPr anchorCtr="0" anchor="t" bIns="91425" lIns="91425" spcFirstLastPara="1" rIns="91425" wrap="square" tIns="91425">
-            <a:spAutoFit/>
-          </a:bodyPr>
-          <a:lstStyle/>
-          <a:p>
-            <a:pPr indent="0" lvl="0" marL="0" rtl="0" algn="l">
-              <a:spcBef>
-                <a:spcPts val="0"/>
-              </a:spcBef>
-              <a:spcAft>
-                <a:spcPts val="0"/>
-              </a:spcAft>
-              <a:buNone/>
-            </a:pPr>
-            <a:r>
-              <a:t/>
-            </a:r>
-            <a:endParaRPr sz="2800">
-              <a:solidFill>
-                <a:schemeClr val="dk1"/>
-              </a:solidFill>
-            </a:endParaRPr>
-          </a:p>
-        </p:txBody>
-      </p:sp>
       <p:pic>
         <p:nvPicPr>
-          <p:cNvPr id="117" name="Google Shape;117;p22"/>
+          <p:cNvPr id="111" name="Google Shape;111;p22"/>
           <p:cNvPicPr preferRelativeResize="0"/>
           <p:nvPr/>
         </p:nvPicPr>
@@ -7718,8 +8197,8 @@
         </p:blipFill>
         <p:spPr>
           <a:xfrm>
-            <a:off x="3097675" y="0"/>
-            <a:ext cx="5690825" cy="4953675"/>
+            <a:off x="2007675" y="152400"/>
+            <a:ext cx="6983924" cy="4804775"/>
           </a:xfrm>
           <a:prstGeom prst="rect">
             <a:avLst/>
@@ -7743,7 +8222,7 @@
   <p:cSld>
     <p:spTree>
       <p:nvGrpSpPr>
-        <p:cNvPr id="121" name="Shape 121"/>
+        <p:cNvPr id="115" name="Shape 115"/>
         <p:cNvGrpSpPr/>
         <p:nvPr/>
       </p:nvGrpSpPr>
@@ -7757,7 +8236,7 @@
       </p:grpSpPr>
       <p:sp>
         <p:nvSpPr>
-          <p:cNvPr id="122" name="Google Shape;122;p23"/>
+          <p:cNvPr id="116" name="Google Shape;116;p23"/>
           <p:cNvSpPr txBox="1"/>
           <p:nvPr>
             <p:ph type="title"/>
@@ -7765,8 +8244,8 @@
         </p:nvSpPr>
         <p:spPr>
           <a:xfrm>
-            <a:off x="311700" y="278025"/>
-            <a:ext cx="8520600" cy="739800"/>
+            <a:off x="311700" y="133750"/>
+            <a:ext cx="8520600" cy="519900"/>
           </a:xfrm>
           <a:prstGeom prst="rect">
             <a:avLst/>
@@ -7774,7 +8253,48 @@
         </p:spPr>
         <p:txBody>
           <a:bodyPr anchorCtr="0" anchor="t" bIns="91425" lIns="91425" spcFirstLastPara="1" rIns="91425" wrap="square" tIns="91425">
-            <a:normAutofit fontScale="90000"/>
+            <a:noAutofit/>
+          </a:bodyPr>
+          <a:lstStyle/>
+          <a:p>
+            <a:pPr indent="0" lvl="0" marL="0" rtl="0" algn="ctr">
+              <a:spcBef>
+                <a:spcPts val="0"/>
+              </a:spcBef>
+              <a:spcAft>
+                <a:spcPts val="0"/>
+              </a:spcAft>
+              <a:buSzPts val="990"/>
+              <a:buNone/>
+            </a:pPr>
+            <a:r>
+              <a:rPr lang="es" sz="2120"/>
+              <a:t>¿Hay todo tipo de festivales todo el año o va por épocas?</a:t>
+            </a:r>
+            <a:endParaRPr sz="2120"/>
+          </a:p>
+        </p:txBody>
+      </p:sp>
+      <p:sp>
+        <p:nvSpPr>
+          <p:cNvPr id="117" name="Google Shape;117;p23"/>
+          <p:cNvSpPr txBox="1"/>
+          <p:nvPr>
+            <p:ph idx="1" type="body"/>
+          </p:nvPr>
+        </p:nvSpPr>
+        <p:spPr>
+          <a:xfrm>
+            <a:off x="2341350" y="4357700"/>
+            <a:ext cx="4461300" cy="638100"/>
+          </a:xfrm>
+          <a:prstGeom prst="rect">
+            <a:avLst/>
+          </a:prstGeom>
+        </p:spPr>
+        <p:txBody>
+          <a:bodyPr anchorCtr="0" anchor="t" bIns="91425" lIns="91425" spcFirstLastPara="1" rIns="91425" wrap="square" tIns="91425">
+            <a:normAutofit fontScale="85000"/>
           </a:bodyPr>
           <a:lstStyle/>
           <a:p>
@@ -7783,61 +8303,29 @@
                 <a:spcPts val="0"/>
               </a:spcBef>
               <a:spcAft>
-                <a:spcPts val="0"/>
+                <a:spcPts val="1200"/>
               </a:spcAft>
               <a:buNone/>
             </a:pPr>
             <a:r>
               <a:rPr lang="es"/>
-              <a:t>¿Quién organiza más festivales, la administración pública o las empresas privadas?</a:t>
+              <a:t>Solo otoño </a:t>
+            </a:r>
+            <a:r>
+              <a:rPr lang="es"/>
+              <a:t>(además de tener más) </a:t>
+            </a:r>
+            <a:r>
+              <a:rPr lang="es"/>
+              <a:t>lo tiene todo.</a:t>
             </a:r>
             <a:endParaRPr/>
           </a:p>
         </p:txBody>
       </p:sp>
-      <p:sp>
-        <p:nvSpPr>
-          <p:cNvPr id="123" name="Google Shape;123;p23"/>
-          <p:cNvSpPr txBox="1"/>
-          <p:nvPr>
-            <p:ph idx="1" type="body"/>
-          </p:nvPr>
-        </p:nvSpPr>
-        <p:spPr>
-          <a:xfrm>
-            <a:off x="311700" y="1381075"/>
-            <a:ext cx="1500000" cy="3416400"/>
-          </a:xfrm>
-          <a:prstGeom prst="rect">
-            <a:avLst/>
-          </a:prstGeom>
-        </p:spPr>
-        <p:txBody>
-          <a:bodyPr anchorCtr="0" anchor="t" bIns="91425" lIns="91425" spcFirstLastPara="1" rIns="91425" wrap="square" tIns="91425">
-            <a:normAutofit/>
-          </a:bodyPr>
-          <a:lstStyle/>
-          <a:p>
-            <a:pPr indent="0" lvl="0" marL="0" rtl="0" algn="l">
-              <a:spcBef>
-                <a:spcPts val="0"/>
-              </a:spcBef>
-              <a:spcAft>
-                <a:spcPts val="1200"/>
-              </a:spcAft>
-              <a:buNone/>
-            </a:pPr>
-            <a:r>
-              <a:rPr lang="es"/>
-              <a:t>Todos los años ha habido más, muchos más, festivales privados que públicos. Hasta en la pandemia</a:t>
-            </a:r>
-            <a:endParaRPr/>
-          </a:p>
-        </p:txBody>
-      </p:sp>
       <p:pic>
         <p:nvPicPr>
-          <p:cNvPr id="124" name="Google Shape;124;p23"/>
+          <p:cNvPr id="118" name="Google Shape;118;p23"/>
           <p:cNvPicPr preferRelativeResize="0"/>
           <p:nvPr/>
         </p:nvPicPr>
@@ -7851,8 +8339,8 @@
         </p:blipFill>
         <p:spPr>
           <a:xfrm>
-            <a:off x="1964100" y="1170225"/>
-            <a:ext cx="6868201" cy="3820875"/>
+            <a:off x="659925" y="730888"/>
+            <a:ext cx="7824149" cy="3549550"/>
           </a:xfrm>
           <a:prstGeom prst="rect">
             <a:avLst/>
@@ -7872,6 +8360,236 @@
 </file>
 
 <file path=ppt/slides/slide12.xml><?xml version="1.0" encoding="utf-8"?>
+<p:sld xmlns:a="http://schemas.openxmlformats.org/drawingml/2006/main" xmlns:r="http://schemas.openxmlformats.org/officeDocument/2006/relationships" xmlns:mc="http://schemas.openxmlformats.org/markup-compatibility/2006" xmlns:mv="urn:schemas-microsoft-com:mac:vml" xmlns:p="http://schemas.openxmlformats.org/presentationml/2006/main" xmlns:c="http://schemas.openxmlformats.org/drawingml/2006/chart" xmlns:dgm="http://schemas.openxmlformats.org/drawingml/2006/diagram" xmlns:o="urn:schemas-microsoft-com:office:office" xmlns:v="urn:schemas-microsoft-com:vml" xmlns:pvml="urn:schemas-microsoft-com:office:powerpoint" xmlns:com="http://schemas.openxmlformats.org/drawingml/2006/compatibility" xmlns:p14="http://schemas.microsoft.com/office/powerpoint/2010/main" xmlns:p15="http://schemas.microsoft.com/office/powerpoint/2012/main" xmlns:ahyp="http://schemas.microsoft.com/office/drawing/2018/hyperlinkcolor">
+  <p:cSld>
+    <p:bg>
+      <p:bgPr>
+        <a:solidFill>
+          <a:srgbClr val="46A3A5"/>
+        </a:solidFill>
+      </p:bgPr>
+    </p:bg>
+    <p:spTree>
+      <p:nvGrpSpPr>
+        <p:cNvPr id="122" name="Shape 122"/>
+        <p:cNvGrpSpPr/>
+        <p:nvPr/>
+      </p:nvGrpSpPr>
+      <p:grpSpPr>
+        <a:xfrm>
+          <a:off x="0" y="0"/>
+          <a:ext cx="0" cy="0"/>
+          <a:chOff x="0" y="0"/>
+          <a:chExt cx="0" cy="0"/>
+        </a:xfrm>
+      </p:grpSpPr>
+      <p:sp>
+        <p:nvSpPr>
+          <p:cNvPr id="123" name="Google Shape;123;p24"/>
+          <p:cNvSpPr txBox="1"/>
+          <p:nvPr>
+            <p:ph type="title"/>
+          </p:nvPr>
+        </p:nvSpPr>
+        <p:spPr>
+          <a:xfrm>
+            <a:off x="311700" y="220375"/>
+            <a:ext cx="8520600" cy="797400"/>
+          </a:xfrm>
+          <a:prstGeom prst="rect">
+            <a:avLst/>
+          </a:prstGeom>
+        </p:spPr>
+        <p:txBody>
+          <a:bodyPr anchorCtr="0" anchor="t" bIns="91425" lIns="91425" spcFirstLastPara="1" rIns="91425" wrap="square" tIns="91425">
+            <a:normAutofit/>
+          </a:bodyPr>
+          <a:lstStyle/>
+          <a:p>
+            <a:pPr indent="0" lvl="0" marL="0" rtl="0" algn="ctr">
+              <a:spcBef>
+                <a:spcPts val="0"/>
+              </a:spcBef>
+              <a:spcAft>
+                <a:spcPts val="0"/>
+              </a:spcAft>
+              <a:buNone/>
+            </a:pPr>
+            <a:r>
+              <a:rPr lang="es"/>
+              <a:t>Conclusión</a:t>
+            </a:r>
+            <a:endParaRPr/>
+          </a:p>
+        </p:txBody>
+      </p:sp>
+      <p:sp>
+        <p:nvSpPr>
+          <p:cNvPr id="124" name="Google Shape;124;p24"/>
+          <p:cNvSpPr txBox="1"/>
+          <p:nvPr>
+            <p:ph idx="1" type="body"/>
+          </p:nvPr>
+        </p:nvSpPr>
+        <p:spPr>
+          <a:xfrm>
+            <a:off x="311700" y="1017725"/>
+            <a:ext cx="8520600" cy="3761400"/>
+          </a:xfrm>
+          <a:prstGeom prst="rect">
+            <a:avLst/>
+          </a:prstGeom>
+        </p:spPr>
+        <p:txBody>
+          <a:bodyPr anchorCtr="0" anchor="t" bIns="91425" lIns="91425" spcFirstLastPara="1" rIns="91425" wrap="square" tIns="91425">
+            <a:normAutofit fontScale="92500" lnSpcReduction="20000"/>
+          </a:bodyPr>
+          <a:lstStyle/>
+          <a:p>
+            <a:pPr indent="0" lvl="0" marL="0" rtl="0" algn="l">
+              <a:spcBef>
+                <a:spcPts val="0"/>
+              </a:spcBef>
+              <a:spcAft>
+                <a:spcPts val="0"/>
+              </a:spcAft>
+              <a:buNone/>
+            </a:pPr>
+            <a:r>
+              <a:rPr lang="es">
+                <a:solidFill>
+                  <a:srgbClr val="2C2B2B"/>
+                </a:solidFill>
+              </a:rPr>
+              <a:t>La mayor concentración se da antes y después de los meses de calor.</a:t>
+            </a:r>
+            <a:endParaRPr>
+              <a:solidFill>
+                <a:srgbClr val="2C2B2B"/>
+              </a:solidFill>
+            </a:endParaRPr>
+          </a:p>
+          <a:p>
+            <a:pPr indent="0" lvl="0" marL="0" rtl="0" algn="l">
+              <a:spcBef>
+                <a:spcPts val="1200"/>
+              </a:spcBef>
+              <a:spcAft>
+                <a:spcPts val="0"/>
+              </a:spcAft>
+              <a:buNone/>
+            </a:pPr>
+            <a:r>
+              <a:rPr lang="es">
+                <a:solidFill>
+                  <a:srgbClr val="2C2B2B"/>
+                </a:solidFill>
+              </a:rPr>
+              <a:t>⇒ Nos lleva a pensar que son dos reclamos turísticos que compiten entre sí en una ciudad con playa, y por ello se programan en momentos diferentes, para escalonar los reclamos turísticos a los largo del año. Verificar esta hipótesis sería tema de otro EDA.</a:t>
+            </a:r>
+            <a:endParaRPr>
+              <a:solidFill>
+                <a:srgbClr val="2C2B2B"/>
+              </a:solidFill>
+            </a:endParaRPr>
+          </a:p>
+          <a:p>
+            <a:pPr indent="0" lvl="0" marL="0" rtl="0" algn="l">
+              <a:spcBef>
+                <a:spcPts val="1200"/>
+              </a:spcBef>
+              <a:spcAft>
+                <a:spcPts val="0"/>
+              </a:spcAft>
+              <a:buNone/>
+            </a:pPr>
+            <a:r>
+              <a:t/>
+            </a:r>
+            <a:endParaRPr sz="800">
+              <a:solidFill>
+                <a:srgbClr val="2C2B2B"/>
+              </a:solidFill>
+            </a:endParaRPr>
+          </a:p>
+          <a:p>
+            <a:pPr indent="0" lvl="0" marL="0" rtl="0" algn="l">
+              <a:spcBef>
+                <a:spcPts val="1200"/>
+              </a:spcBef>
+              <a:spcAft>
+                <a:spcPts val="0"/>
+              </a:spcAft>
+              <a:buNone/>
+            </a:pPr>
+            <a:r>
+              <a:rPr lang="es">
+                <a:solidFill>
+                  <a:srgbClr val="2C2B2B"/>
+                </a:solidFill>
+              </a:rPr>
+              <a:t>Pero… ¿y las fiestas mayores? Buena parte de las cuales tiene lugar justamente en julio y agosto, el pico de calor / playa. ¿Serán cuestión de públicos muy locales donde la fiesta se aleja del concepto de turismo / vacaciones y se vuelve una cuestión de vínculos vecinales? </a:t>
+            </a:r>
+            <a:endParaRPr>
+              <a:solidFill>
+                <a:srgbClr val="2C2B2B"/>
+              </a:solidFill>
+            </a:endParaRPr>
+          </a:p>
+          <a:p>
+            <a:pPr indent="0" lvl="0" marL="0" rtl="0" algn="l">
+              <a:spcBef>
+                <a:spcPts val="1200"/>
+              </a:spcBef>
+              <a:spcAft>
+                <a:spcPts val="0"/>
+              </a:spcAft>
+              <a:buNone/>
+            </a:pPr>
+            <a:r>
+              <a:t/>
+            </a:r>
+            <a:endParaRPr sz="400">
+              <a:solidFill>
+                <a:srgbClr val="2C2B2B"/>
+              </a:solidFill>
+            </a:endParaRPr>
+          </a:p>
+          <a:p>
+            <a:pPr indent="0" lvl="0" marL="0" rtl="0" algn="l">
+              <a:spcBef>
+                <a:spcPts val="1200"/>
+              </a:spcBef>
+              <a:spcAft>
+                <a:spcPts val="1200"/>
+              </a:spcAft>
+              <a:buNone/>
+            </a:pPr>
+            <a:r>
+              <a:rPr lang="es">
+                <a:solidFill>
+                  <a:srgbClr val="2C2B2B"/>
+                </a:solidFill>
+              </a:rPr>
+              <a:t>⇒ En cualquier caso, estas fiestas mayores no han sido objeto del presente estudio, y esta cuestión ya queda como hilo del que tirar en otro próximo EDA.</a:t>
+            </a:r>
+            <a:endParaRPr>
+              <a:solidFill>
+                <a:srgbClr val="2C2B2B"/>
+              </a:solidFill>
+            </a:endParaRPr>
+          </a:p>
+        </p:txBody>
+      </p:sp>
+    </p:spTree>
+  </p:cSld>
+  <p:clrMapOvr>
+    <a:masterClrMapping/>
+  </p:clrMapOvr>
+</p:sld>
+</file>
+
+<file path=ppt/slides/slide13.xml><?xml version="1.0" encoding="utf-8"?>
 <p:sld xmlns:a="http://schemas.openxmlformats.org/drawingml/2006/main" xmlns:r="http://schemas.openxmlformats.org/officeDocument/2006/relationships" xmlns:mc="http://schemas.openxmlformats.org/markup-compatibility/2006" xmlns:mv="urn:schemas-microsoft-com:mac:vml" xmlns:p="http://schemas.openxmlformats.org/presentationml/2006/main" xmlns:c="http://schemas.openxmlformats.org/drawingml/2006/chart" xmlns:dgm="http://schemas.openxmlformats.org/drawingml/2006/diagram" xmlns:o="urn:schemas-microsoft-com:office:office" xmlns:v="urn:schemas-microsoft-com:vml" xmlns:pvml="urn:schemas-microsoft-com:office:powerpoint" xmlns:com="http://schemas.openxmlformats.org/drawingml/2006/compatibility" xmlns:p14="http://schemas.microsoft.com/office/powerpoint/2010/main" xmlns:p15="http://schemas.microsoft.com/office/powerpoint/2012/main" xmlns:ahyp="http://schemas.microsoft.com/office/drawing/2018/hyperlinkcolor">
   <p:cSld>
     <p:spTree>
@@ -7890,7 +8608,7 @@
       </p:grpSpPr>
       <p:sp>
         <p:nvSpPr>
-          <p:cNvPr id="129" name="Google Shape;129;p24"/>
+          <p:cNvPr id="129" name="Google Shape;129;p25"/>
           <p:cNvSpPr txBox="1"/>
           <p:nvPr>
             <p:ph type="title"/>
@@ -7898,8 +8616,8 @@
         </p:nvSpPr>
         <p:spPr>
           <a:xfrm>
-            <a:off x="311700" y="147050"/>
-            <a:ext cx="8520600" cy="690600"/>
+            <a:off x="636550" y="1625325"/>
+            <a:ext cx="1877400" cy="572700"/>
           </a:xfrm>
           <a:prstGeom prst="rect">
             <a:avLst/>
@@ -7922,7 +8640,7 @@
             </a:pPr>
             <a:r>
               <a:rPr lang="es"/>
-              <a:t>¿Público y privado se ocupan de los mismos ámbitos?</a:t>
+              <a:t>¿Se paga?</a:t>
             </a:r>
             <a:endParaRPr/>
           </a:p>
@@ -7930,7 +8648,7 @@
       </p:sp>
       <p:sp>
         <p:nvSpPr>
-          <p:cNvPr id="130" name="Google Shape;130;p24"/>
+          <p:cNvPr id="130" name="Google Shape;130;p25"/>
           <p:cNvSpPr txBox="1"/>
           <p:nvPr>
             <p:ph idx="1" type="body"/>
@@ -7938,8 +8656,8 @@
         </p:nvSpPr>
         <p:spPr>
           <a:xfrm>
-            <a:off x="311700" y="1152475"/>
-            <a:ext cx="8520600" cy="3416400"/>
+            <a:off x="214250" y="2473525"/>
+            <a:ext cx="3548100" cy="919500"/>
           </a:xfrm>
           <a:prstGeom prst="rect">
             <a:avLst/>
@@ -7961,7 +8679,8 @@
               <a:buNone/>
             </a:pPr>
             <a:r>
-              <a:t/>
+              <a:rPr lang="es"/>
+              <a:t>La inmensa mayoría de los festivales sí que son de pago.</a:t>
             </a:r>
             <a:endParaRPr/>
           </a:p>
@@ -7969,7 +8688,7 @@
       </p:sp>
       <p:pic>
         <p:nvPicPr>
-          <p:cNvPr id="131" name="Google Shape;131;p24"/>
+          <p:cNvPr id="131" name="Google Shape;131;p25"/>
           <p:cNvPicPr preferRelativeResize="0"/>
           <p:nvPr/>
         </p:nvPicPr>
@@ -7983,8 +8702,8 @@
         </p:blipFill>
         <p:spPr>
           <a:xfrm>
-            <a:off x="536675" y="754275"/>
-            <a:ext cx="8070649" cy="4209199"/>
+            <a:off x="3541327" y="302427"/>
+            <a:ext cx="5290975" cy="4499975"/>
           </a:xfrm>
           <a:prstGeom prst="rect">
             <a:avLst/>
@@ -8003,16 +8722,9 @@
 </p:sld>
 </file>
 
-<file path=ppt/slides/slide13.xml><?xml version="1.0" encoding="utf-8"?>
+<file path=ppt/slides/slide14.xml><?xml version="1.0" encoding="utf-8"?>
 <p:sld xmlns:a="http://schemas.openxmlformats.org/drawingml/2006/main" xmlns:r="http://schemas.openxmlformats.org/officeDocument/2006/relationships" xmlns:mc="http://schemas.openxmlformats.org/markup-compatibility/2006" xmlns:mv="urn:schemas-microsoft-com:mac:vml" xmlns:p="http://schemas.openxmlformats.org/presentationml/2006/main" xmlns:c="http://schemas.openxmlformats.org/drawingml/2006/chart" xmlns:dgm="http://schemas.openxmlformats.org/drawingml/2006/diagram" xmlns:o="urn:schemas-microsoft-com:office:office" xmlns:v="urn:schemas-microsoft-com:vml" xmlns:pvml="urn:schemas-microsoft-com:office:powerpoint" xmlns:com="http://schemas.openxmlformats.org/drawingml/2006/compatibility" xmlns:p14="http://schemas.microsoft.com/office/powerpoint/2010/main" xmlns:p15="http://schemas.microsoft.com/office/powerpoint/2012/main" xmlns:ahyp="http://schemas.microsoft.com/office/drawing/2018/hyperlinkcolor">
   <p:cSld>
-    <p:bg>
-      <p:bgPr>
-        <a:solidFill>
-          <a:srgbClr val="82D8C7"/>
-        </a:solidFill>
-      </p:bgPr>
-    </p:bg>
     <p:spTree>
       <p:nvGrpSpPr>
         <p:cNvPr id="135" name="Shape 135"/>
@@ -8029,7 +8741,7 @@
       </p:grpSpPr>
       <p:sp>
         <p:nvSpPr>
-          <p:cNvPr id="136" name="Google Shape;136;p25"/>
+          <p:cNvPr id="136" name="Google Shape;136;p26"/>
           <p:cNvSpPr txBox="1"/>
           <p:nvPr>
             <p:ph type="title"/>
@@ -8037,8 +8749,53 @@
         </p:nvSpPr>
         <p:spPr>
           <a:xfrm>
-            <a:off x="311700" y="170875"/>
-            <a:ext cx="8520600" cy="846900"/>
+            <a:off x="311700" y="445025"/>
+            <a:ext cx="3357600" cy="880800"/>
+          </a:xfrm>
+          <a:prstGeom prst="rect">
+            <a:avLst/>
+          </a:prstGeom>
+        </p:spPr>
+        <p:txBody>
+          <a:bodyPr anchorCtr="0" anchor="t" bIns="91425" lIns="91425" spcFirstLastPara="1" rIns="91425" wrap="square" tIns="91425">
+            <a:noAutofit/>
+          </a:bodyPr>
+          <a:lstStyle/>
+          <a:p>
+            <a:pPr indent="0" lvl="0" marL="0" rtl="0" algn="l">
+              <a:spcBef>
+                <a:spcPts val="0"/>
+              </a:spcBef>
+              <a:spcAft>
+                <a:spcPts val="0"/>
+              </a:spcAft>
+              <a:buSzPts val="990"/>
+              <a:buNone/>
+            </a:pPr>
+            <a:r>
+              <a:rPr lang="es">
+                <a:solidFill>
+                  <a:schemeClr val="dk2"/>
+                </a:solidFill>
+              </a:rPr>
+              <a:t>Pero, ¿qué es lo que se paga?</a:t>
+            </a:r>
+            <a:endParaRPr/>
+          </a:p>
+        </p:txBody>
+      </p:sp>
+      <p:sp>
+        <p:nvSpPr>
+          <p:cNvPr id="137" name="Google Shape;137;p26"/>
+          <p:cNvSpPr txBox="1"/>
+          <p:nvPr>
+            <p:ph idx="1" type="body"/>
+          </p:nvPr>
+        </p:nvSpPr>
+        <p:spPr>
+          <a:xfrm>
+            <a:off x="311700" y="1813925"/>
+            <a:ext cx="3107400" cy="2754900"/>
           </a:xfrm>
           <a:prstGeom prst="rect">
             <a:avLst/>
@@ -8061,55 +8818,31 @@
             </a:pPr>
             <a:r>
               <a:rPr lang="es"/>
-              <a:t>La pela es la pela…</a:t>
+              <a:t>En el sector de la música y de los audiovisuales es mucho más habitual pagar para asistir a un festival.</a:t>
+            </a:r>
+            <a:endParaRPr/>
+          </a:p>
+          <a:p>
+            <a:pPr indent="0" lvl="0" marL="0" rtl="0" algn="l">
+              <a:spcBef>
+                <a:spcPts val="1200"/>
+              </a:spcBef>
+              <a:spcAft>
+                <a:spcPts val="1200"/>
+              </a:spcAft>
+              <a:buNone/>
+            </a:pPr>
+            <a:r>
+              <a:rPr lang="es"/>
+              <a:t>Las letras están en el polo opuesto.</a:t>
             </a:r>
             <a:endParaRPr/>
           </a:p>
         </p:txBody>
       </p:sp>
-      <p:sp>
-        <p:nvSpPr>
-          <p:cNvPr id="137" name="Google Shape;137;p25"/>
-          <p:cNvSpPr txBox="1"/>
-          <p:nvPr>
-            <p:ph idx="1" type="body"/>
-          </p:nvPr>
-        </p:nvSpPr>
-        <p:spPr>
-          <a:xfrm>
-            <a:off x="311700" y="4147550"/>
-            <a:ext cx="8520600" cy="762000"/>
-          </a:xfrm>
-          <a:prstGeom prst="rect">
-            <a:avLst/>
-          </a:prstGeom>
-        </p:spPr>
-        <p:txBody>
-          <a:bodyPr anchorCtr="0" anchor="t" bIns="91425" lIns="91425" spcFirstLastPara="1" rIns="91425" wrap="square" tIns="91425">
-            <a:normAutofit lnSpcReduction="10000"/>
-          </a:bodyPr>
-          <a:lstStyle/>
-          <a:p>
-            <a:pPr indent="0" lvl="0" marL="0" rtl="0" algn="l">
-              <a:spcBef>
-                <a:spcPts val="0"/>
-              </a:spcBef>
-              <a:spcAft>
-                <a:spcPts val="1200"/>
-              </a:spcAft>
-              <a:buNone/>
-            </a:pPr>
-            <a:r>
-              <a:rPr lang="es"/>
-              <a:t>Si la música y los audiovisuales convocan muchos asistentes dispuestos a pagar una entrada,tiene sentido que el sector privados se enfoque en estos ámbitos.</a:t>
-            </a:r>
-            <a:endParaRPr/>
-          </a:p>
-        </p:txBody>
-      </p:sp>
       <p:pic>
         <p:nvPicPr>
-          <p:cNvPr id="138" name="Google Shape;138;p25"/>
+          <p:cNvPr id="138" name="Google Shape;138;p26"/>
           <p:cNvPicPr preferRelativeResize="0"/>
           <p:nvPr/>
         </p:nvPicPr>
@@ -8123,8 +8856,8 @@
         </p:blipFill>
         <p:spPr>
           <a:xfrm>
-            <a:off x="906300" y="781050"/>
-            <a:ext cx="7049449" cy="3116475"/>
+            <a:off x="3728700" y="119075"/>
+            <a:ext cx="4948825" cy="4787376"/>
           </a:xfrm>
           <a:prstGeom prst="rect">
             <a:avLst/>
@@ -8143,7 +8876,7 @@
 </p:sld>
 </file>
 
-<file path=ppt/slides/slide14.xml><?xml version="1.0" encoding="utf-8"?>
+<file path=ppt/slides/slide15.xml><?xml version="1.0" encoding="utf-8"?>
 <p:sld xmlns:a="http://schemas.openxmlformats.org/drawingml/2006/main" xmlns:r="http://schemas.openxmlformats.org/officeDocument/2006/relationships" xmlns:mc="http://schemas.openxmlformats.org/markup-compatibility/2006" xmlns:mv="urn:schemas-microsoft-com:mac:vml" xmlns:p="http://schemas.openxmlformats.org/presentationml/2006/main" xmlns:c="http://schemas.openxmlformats.org/drawingml/2006/chart" xmlns:dgm="http://schemas.openxmlformats.org/drawingml/2006/diagram" xmlns:o="urn:schemas-microsoft-com:office:office" xmlns:v="urn:schemas-microsoft-com:vml" xmlns:pvml="urn:schemas-microsoft-com:office:powerpoint" xmlns:com="http://schemas.openxmlformats.org/drawingml/2006/compatibility" xmlns:p14="http://schemas.microsoft.com/office/powerpoint/2010/main" xmlns:p15="http://schemas.microsoft.com/office/powerpoint/2012/main" xmlns:ahyp="http://schemas.microsoft.com/office/drawing/2018/hyperlinkcolor">
   <p:cSld>
     <p:spTree>
@@ -8160,9 +8893,755 @@
           <a:chExt cx="0" cy="0"/>
         </a:xfrm>
       </p:grpSpPr>
+      <p:sp>
+        <p:nvSpPr>
+          <p:cNvPr id="143" name="Google Shape;143;p27"/>
+          <p:cNvSpPr txBox="1"/>
+          <p:nvPr>
+            <p:ph type="title"/>
+          </p:nvPr>
+        </p:nvSpPr>
+        <p:spPr>
+          <a:xfrm>
+            <a:off x="311700" y="445025"/>
+            <a:ext cx="3090300" cy="2514900"/>
+          </a:xfrm>
+          <a:prstGeom prst="rect">
+            <a:avLst/>
+          </a:prstGeom>
+        </p:spPr>
+        <p:txBody>
+          <a:bodyPr anchorCtr="0" anchor="t" bIns="91425" lIns="91425" spcFirstLastPara="1" rIns="91425" wrap="square" tIns="91425">
+            <a:normAutofit fontScale="90000"/>
+          </a:bodyPr>
+          <a:lstStyle/>
+          <a:p>
+            <a:pPr indent="0" lvl="0" marL="0" rtl="0" algn="l">
+              <a:spcBef>
+                <a:spcPts val="0"/>
+              </a:spcBef>
+              <a:spcAft>
+                <a:spcPts val="0"/>
+              </a:spcAft>
+              <a:buNone/>
+            </a:pPr>
+            <a:r>
+              <a:rPr lang="es"/>
+              <a:t>Una cosa es que haya más festivales que cobren… </a:t>
+            </a:r>
+            <a:endParaRPr/>
+          </a:p>
+          <a:p>
+            <a:pPr indent="0" lvl="0" marL="0" rtl="0" algn="l">
+              <a:spcBef>
+                <a:spcPts val="0"/>
+              </a:spcBef>
+              <a:spcAft>
+                <a:spcPts val="0"/>
+              </a:spcAft>
+              <a:buClr>
+                <a:schemeClr val="dk1"/>
+              </a:buClr>
+              <a:buSzPct val="39285"/>
+              <a:buFont typeface="Arial"/>
+              <a:buNone/>
+            </a:pPr>
+            <a:r>
+              <a:rPr lang="es"/>
+              <a:t>Pero el público, ¿está dispuesto a pagar entrada?</a:t>
+            </a:r>
+            <a:endParaRPr/>
+          </a:p>
+          <a:p>
+            <a:pPr indent="0" lvl="0" marL="0" rtl="0" algn="l">
+              <a:spcBef>
+                <a:spcPts val="0"/>
+              </a:spcBef>
+              <a:spcAft>
+                <a:spcPts val="0"/>
+              </a:spcAft>
+              <a:buNone/>
+            </a:pPr>
+            <a:r>
+              <a:t/>
+            </a:r>
+            <a:endParaRPr/>
+          </a:p>
+        </p:txBody>
+      </p:sp>
+      <p:sp>
+        <p:nvSpPr>
+          <p:cNvPr id="144" name="Google Shape;144;p27"/>
+          <p:cNvSpPr txBox="1"/>
+          <p:nvPr>
+            <p:ph idx="1" type="body"/>
+          </p:nvPr>
+        </p:nvSpPr>
+        <p:spPr>
+          <a:xfrm>
+            <a:off x="311700" y="3003275"/>
+            <a:ext cx="3090300" cy="1927500"/>
+          </a:xfrm>
+          <a:prstGeom prst="rect">
+            <a:avLst/>
+          </a:prstGeom>
+        </p:spPr>
+        <p:txBody>
+          <a:bodyPr anchorCtr="0" anchor="t" bIns="91425" lIns="91425" spcFirstLastPara="1" rIns="91425" wrap="square" tIns="91425">
+            <a:normAutofit lnSpcReduction="10000"/>
+          </a:bodyPr>
+          <a:lstStyle/>
+          <a:p>
+            <a:pPr indent="0" lvl="0" marL="0" rtl="0" algn="l">
+              <a:spcBef>
+                <a:spcPts val="0"/>
+              </a:spcBef>
+              <a:spcAft>
+                <a:spcPts val="1200"/>
+              </a:spcAft>
+              <a:buNone/>
+            </a:pPr>
+            <a:r>
+              <a:rPr lang="es"/>
+              <a:t>Parecería que sí… </a:t>
+            </a:r>
+            <a:br>
+              <a:rPr lang="es"/>
+            </a:br>
+            <a:r>
+              <a:rPr lang="es"/>
+              <a:t>El cobro de entrada no se percibe como una barrera de acceso para centenares de miles de asistentes a conciertos.</a:t>
+            </a:r>
+            <a:endParaRPr/>
+          </a:p>
+        </p:txBody>
+      </p:sp>
+      <p:sp>
+        <p:nvSpPr>
+          <p:cNvPr id="145" name="Google Shape;145;p27"/>
+          <p:cNvSpPr txBox="1"/>
+          <p:nvPr/>
+        </p:nvSpPr>
+        <p:spPr>
+          <a:xfrm>
+            <a:off x="0" y="0"/>
+            <a:ext cx="3000000" cy="615600"/>
+          </a:xfrm>
+          <a:prstGeom prst="rect">
+            <a:avLst/>
+          </a:prstGeom>
+          <a:noFill/>
+          <a:ln>
+            <a:noFill/>
+          </a:ln>
+        </p:spPr>
+        <p:txBody>
+          <a:bodyPr anchorCtr="0" anchor="t" bIns="91425" lIns="91425" spcFirstLastPara="1" rIns="91425" wrap="square" tIns="91425">
+            <a:spAutoFit/>
+          </a:bodyPr>
+          <a:lstStyle/>
+          <a:p>
+            <a:pPr indent="0" lvl="0" marL="0" rtl="0" algn="l">
+              <a:spcBef>
+                <a:spcPts val="0"/>
+              </a:spcBef>
+              <a:spcAft>
+                <a:spcPts val="0"/>
+              </a:spcAft>
+              <a:buNone/>
+            </a:pPr>
+            <a:r>
+              <a:t/>
+            </a:r>
+            <a:endParaRPr sz="2800">
+              <a:solidFill>
+                <a:schemeClr val="dk1"/>
+              </a:solidFill>
+            </a:endParaRPr>
+          </a:p>
+        </p:txBody>
+      </p:sp>
       <p:pic>
         <p:nvPicPr>
-          <p:cNvPr id="143" name="Google Shape;143;p26"/>
+          <p:cNvPr id="146" name="Google Shape;146;p27"/>
+          <p:cNvPicPr preferRelativeResize="0"/>
+          <p:nvPr/>
+        </p:nvPicPr>
+        <p:blipFill>
+          <a:blip r:embed="rId3">
+            <a:alphaModFix/>
+          </a:blip>
+          <a:stretch>
+            <a:fillRect/>
+          </a:stretch>
+        </p:blipFill>
+        <p:spPr>
+          <a:xfrm>
+            <a:off x="3629475" y="245075"/>
+            <a:ext cx="5159025" cy="4490749"/>
+          </a:xfrm>
+          <a:prstGeom prst="rect">
+            <a:avLst/>
+          </a:prstGeom>
+          <a:noFill/>
+          <a:ln>
+            <a:noFill/>
+          </a:ln>
+        </p:spPr>
+      </p:pic>
+    </p:spTree>
+  </p:cSld>
+  <p:clrMapOvr>
+    <a:masterClrMapping/>
+  </p:clrMapOvr>
+</p:sld>
+</file>
+
+<file path=ppt/slides/slide16.xml><?xml version="1.0" encoding="utf-8"?>
+<p:sld xmlns:a="http://schemas.openxmlformats.org/drawingml/2006/main" xmlns:r="http://schemas.openxmlformats.org/officeDocument/2006/relationships" xmlns:mc="http://schemas.openxmlformats.org/markup-compatibility/2006" xmlns:mv="urn:schemas-microsoft-com:mac:vml" xmlns:p="http://schemas.openxmlformats.org/presentationml/2006/main" xmlns:c="http://schemas.openxmlformats.org/drawingml/2006/chart" xmlns:dgm="http://schemas.openxmlformats.org/drawingml/2006/diagram" xmlns:o="urn:schemas-microsoft-com:office:office" xmlns:v="urn:schemas-microsoft-com:vml" xmlns:pvml="urn:schemas-microsoft-com:office:powerpoint" xmlns:com="http://schemas.openxmlformats.org/drawingml/2006/compatibility" xmlns:p14="http://schemas.microsoft.com/office/powerpoint/2010/main" xmlns:p15="http://schemas.microsoft.com/office/powerpoint/2012/main" xmlns:ahyp="http://schemas.microsoft.com/office/drawing/2018/hyperlinkcolor">
+  <p:cSld>
+    <p:spTree>
+      <p:nvGrpSpPr>
+        <p:cNvPr id="150" name="Shape 150"/>
+        <p:cNvGrpSpPr/>
+        <p:nvPr/>
+      </p:nvGrpSpPr>
+      <p:grpSpPr>
+        <a:xfrm>
+          <a:off x="0" y="0"/>
+          <a:ext cx="0" cy="0"/>
+          <a:chOff x="0" y="0"/>
+          <a:chExt cx="0" cy="0"/>
+        </a:xfrm>
+      </p:grpSpPr>
+      <p:sp>
+        <p:nvSpPr>
+          <p:cNvPr id="151" name="Google Shape;151;p28"/>
+          <p:cNvSpPr txBox="1"/>
+          <p:nvPr>
+            <p:ph type="title"/>
+          </p:nvPr>
+        </p:nvSpPr>
+        <p:spPr>
+          <a:xfrm>
+            <a:off x="311700" y="278025"/>
+            <a:ext cx="8520600" cy="739800"/>
+          </a:xfrm>
+          <a:prstGeom prst="rect">
+            <a:avLst/>
+          </a:prstGeom>
+        </p:spPr>
+        <p:txBody>
+          <a:bodyPr anchorCtr="0" anchor="t" bIns="91425" lIns="91425" spcFirstLastPara="1" rIns="91425" wrap="square" tIns="91425">
+            <a:normAutofit fontScale="90000"/>
+          </a:bodyPr>
+          <a:lstStyle/>
+          <a:p>
+            <a:pPr indent="0" lvl="0" marL="0" rtl="0" algn="l">
+              <a:spcBef>
+                <a:spcPts val="0"/>
+              </a:spcBef>
+              <a:spcAft>
+                <a:spcPts val="0"/>
+              </a:spcAft>
+              <a:buNone/>
+            </a:pPr>
+            <a:r>
+              <a:rPr lang="es"/>
+              <a:t>¿Quién organiza más festivales, la administración pública o las empresas privadas?</a:t>
+            </a:r>
+            <a:endParaRPr/>
+          </a:p>
+        </p:txBody>
+      </p:sp>
+      <p:sp>
+        <p:nvSpPr>
+          <p:cNvPr id="152" name="Google Shape;152;p28"/>
+          <p:cNvSpPr txBox="1"/>
+          <p:nvPr>
+            <p:ph idx="1" type="body"/>
+          </p:nvPr>
+        </p:nvSpPr>
+        <p:spPr>
+          <a:xfrm>
+            <a:off x="311700" y="1381075"/>
+            <a:ext cx="1500000" cy="3416400"/>
+          </a:xfrm>
+          <a:prstGeom prst="rect">
+            <a:avLst/>
+          </a:prstGeom>
+        </p:spPr>
+        <p:txBody>
+          <a:bodyPr anchorCtr="0" anchor="t" bIns="91425" lIns="91425" spcFirstLastPara="1" rIns="91425" wrap="square" tIns="91425">
+            <a:normAutofit/>
+          </a:bodyPr>
+          <a:lstStyle/>
+          <a:p>
+            <a:pPr indent="0" lvl="0" marL="0" rtl="0" algn="l">
+              <a:spcBef>
+                <a:spcPts val="0"/>
+              </a:spcBef>
+              <a:spcAft>
+                <a:spcPts val="1200"/>
+              </a:spcAft>
+              <a:buNone/>
+            </a:pPr>
+            <a:r>
+              <a:rPr lang="es"/>
+              <a:t>Todos los años ha habido más, muchos más, festivales privados que públicos. Hasta en la pandemia</a:t>
+            </a:r>
+            <a:endParaRPr/>
+          </a:p>
+        </p:txBody>
+      </p:sp>
+      <p:pic>
+        <p:nvPicPr>
+          <p:cNvPr id="153" name="Google Shape;153;p28"/>
+          <p:cNvPicPr preferRelativeResize="0"/>
+          <p:nvPr/>
+        </p:nvPicPr>
+        <p:blipFill>
+          <a:blip r:embed="rId3">
+            <a:alphaModFix/>
+          </a:blip>
+          <a:stretch>
+            <a:fillRect/>
+          </a:stretch>
+        </p:blipFill>
+        <p:spPr>
+          <a:xfrm>
+            <a:off x="1964100" y="1170225"/>
+            <a:ext cx="6868201" cy="3820875"/>
+          </a:xfrm>
+          <a:prstGeom prst="rect">
+            <a:avLst/>
+          </a:prstGeom>
+          <a:noFill/>
+          <a:ln>
+            <a:noFill/>
+          </a:ln>
+        </p:spPr>
+      </p:pic>
+      <p:cxnSp>
+        <p:nvCxnSpPr>
+          <p:cNvPr id="154" name="Google Shape;154;p28"/>
+          <p:cNvCxnSpPr/>
+          <p:nvPr/>
+        </p:nvCxnSpPr>
+        <p:spPr>
+          <a:xfrm>
+            <a:off x="6975300" y="3306475"/>
+            <a:ext cx="10800" cy="1570200"/>
+          </a:xfrm>
+          <a:prstGeom prst="straightConnector1">
+            <a:avLst/>
+          </a:prstGeom>
+          <a:noFill/>
+          <a:ln cap="flat" cmpd="sng" w="38100">
+            <a:solidFill>
+              <a:srgbClr val="FF0000"/>
+            </a:solidFill>
+            <a:prstDash val="solid"/>
+            <a:round/>
+            <a:headEnd len="med" w="med" type="none"/>
+            <a:tailEnd len="med" w="med" type="none"/>
+          </a:ln>
+        </p:spPr>
+      </p:cxnSp>
+      <p:cxnSp>
+        <p:nvCxnSpPr>
+          <p:cNvPr id="155" name="Google Shape;155;p28"/>
+          <p:cNvCxnSpPr/>
+          <p:nvPr/>
+        </p:nvCxnSpPr>
+        <p:spPr>
+          <a:xfrm>
+            <a:off x="7528350" y="3306475"/>
+            <a:ext cx="10800" cy="1570200"/>
+          </a:xfrm>
+          <a:prstGeom prst="straightConnector1">
+            <a:avLst/>
+          </a:prstGeom>
+          <a:noFill/>
+          <a:ln cap="flat" cmpd="sng" w="38100">
+            <a:solidFill>
+              <a:srgbClr val="FF0000"/>
+            </a:solidFill>
+            <a:prstDash val="solid"/>
+            <a:round/>
+            <a:headEnd len="med" w="med" type="none"/>
+            <a:tailEnd len="med" w="med" type="none"/>
+          </a:ln>
+        </p:spPr>
+      </p:cxnSp>
+      <p:cxnSp>
+        <p:nvCxnSpPr>
+          <p:cNvPr id="156" name="Google Shape;156;p28"/>
+          <p:cNvCxnSpPr/>
+          <p:nvPr/>
+        </p:nvCxnSpPr>
+        <p:spPr>
+          <a:xfrm flipH="1" rot="10800000">
+            <a:off x="6975300" y="3328150"/>
+            <a:ext cx="541500" cy="10800"/>
+          </a:xfrm>
+          <a:prstGeom prst="straightConnector1">
+            <a:avLst/>
+          </a:prstGeom>
+          <a:noFill/>
+          <a:ln cap="flat" cmpd="sng" w="38100">
+            <a:solidFill>
+              <a:srgbClr val="FF0000"/>
+            </a:solidFill>
+            <a:prstDash val="solid"/>
+            <a:round/>
+            <a:headEnd len="med" w="med" type="none"/>
+            <a:tailEnd len="med" w="med" type="none"/>
+          </a:ln>
+        </p:spPr>
+      </p:cxnSp>
+      <p:cxnSp>
+        <p:nvCxnSpPr>
+          <p:cNvPr id="157" name="Google Shape;157;p28"/>
+          <p:cNvCxnSpPr/>
+          <p:nvPr/>
+        </p:nvCxnSpPr>
+        <p:spPr>
+          <a:xfrm flipH="1" rot="10800000">
+            <a:off x="6975300" y="4876675"/>
+            <a:ext cx="541500" cy="10800"/>
+          </a:xfrm>
+          <a:prstGeom prst="straightConnector1">
+            <a:avLst/>
+          </a:prstGeom>
+          <a:noFill/>
+          <a:ln cap="flat" cmpd="sng" w="38100">
+            <a:solidFill>
+              <a:srgbClr val="FF0000"/>
+            </a:solidFill>
+            <a:prstDash val="solid"/>
+            <a:round/>
+            <a:headEnd len="med" w="med" type="none"/>
+            <a:tailEnd len="med" w="med" type="none"/>
+          </a:ln>
+        </p:spPr>
+      </p:cxnSp>
+    </p:spTree>
+  </p:cSld>
+  <p:clrMapOvr>
+    <a:masterClrMapping/>
+  </p:clrMapOvr>
+</p:sld>
+</file>
+
+<file path=ppt/slides/slide17.xml><?xml version="1.0" encoding="utf-8"?>
+<p:sld xmlns:a="http://schemas.openxmlformats.org/drawingml/2006/main" xmlns:r="http://schemas.openxmlformats.org/officeDocument/2006/relationships" xmlns:mc="http://schemas.openxmlformats.org/markup-compatibility/2006" xmlns:mv="urn:schemas-microsoft-com:mac:vml" xmlns:p="http://schemas.openxmlformats.org/presentationml/2006/main" xmlns:c="http://schemas.openxmlformats.org/drawingml/2006/chart" xmlns:dgm="http://schemas.openxmlformats.org/drawingml/2006/diagram" xmlns:o="urn:schemas-microsoft-com:office:office" xmlns:v="urn:schemas-microsoft-com:vml" xmlns:pvml="urn:schemas-microsoft-com:office:powerpoint" xmlns:com="http://schemas.openxmlformats.org/drawingml/2006/compatibility" xmlns:p14="http://schemas.microsoft.com/office/powerpoint/2010/main" xmlns:p15="http://schemas.microsoft.com/office/powerpoint/2012/main" xmlns:ahyp="http://schemas.microsoft.com/office/drawing/2018/hyperlinkcolor">
+  <p:cSld>
+    <p:spTree>
+      <p:nvGrpSpPr>
+        <p:cNvPr id="161" name="Shape 161"/>
+        <p:cNvGrpSpPr/>
+        <p:nvPr/>
+      </p:nvGrpSpPr>
+      <p:grpSpPr>
+        <a:xfrm>
+          <a:off x="0" y="0"/>
+          <a:ext cx="0" cy="0"/>
+          <a:chOff x="0" y="0"/>
+          <a:chExt cx="0" cy="0"/>
+        </a:xfrm>
+      </p:grpSpPr>
+      <p:sp>
+        <p:nvSpPr>
+          <p:cNvPr id="162" name="Google Shape;162;p29"/>
+          <p:cNvSpPr txBox="1"/>
+          <p:nvPr>
+            <p:ph type="title"/>
+          </p:nvPr>
+        </p:nvSpPr>
+        <p:spPr>
+          <a:xfrm>
+            <a:off x="311700" y="147050"/>
+            <a:ext cx="8520600" cy="690600"/>
+          </a:xfrm>
+          <a:prstGeom prst="rect">
+            <a:avLst/>
+          </a:prstGeom>
+        </p:spPr>
+        <p:txBody>
+          <a:bodyPr anchorCtr="0" anchor="t" bIns="91425" lIns="91425" spcFirstLastPara="1" rIns="91425" wrap="square" tIns="91425">
+            <a:normAutofit fontScale="90000"/>
+          </a:bodyPr>
+          <a:lstStyle/>
+          <a:p>
+            <a:pPr indent="0" lvl="0" marL="0" rtl="0" algn="l">
+              <a:spcBef>
+                <a:spcPts val="0"/>
+              </a:spcBef>
+              <a:spcAft>
+                <a:spcPts val="0"/>
+              </a:spcAft>
+              <a:buNone/>
+            </a:pPr>
+            <a:r>
+              <a:rPr lang="es"/>
+              <a:t>¿Público y privado se ocupan de los mismos ámbitos?</a:t>
+            </a:r>
+            <a:endParaRPr/>
+          </a:p>
+        </p:txBody>
+      </p:sp>
+      <p:sp>
+        <p:nvSpPr>
+          <p:cNvPr id="163" name="Google Shape;163;p29"/>
+          <p:cNvSpPr txBox="1"/>
+          <p:nvPr>
+            <p:ph idx="1" type="body"/>
+          </p:nvPr>
+        </p:nvSpPr>
+        <p:spPr>
+          <a:xfrm>
+            <a:off x="311700" y="1152475"/>
+            <a:ext cx="8520600" cy="3416400"/>
+          </a:xfrm>
+          <a:prstGeom prst="rect">
+            <a:avLst/>
+          </a:prstGeom>
+        </p:spPr>
+        <p:txBody>
+          <a:bodyPr anchorCtr="0" anchor="t" bIns="91425" lIns="91425" spcFirstLastPara="1" rIns="91425" wrap="square" tIns="91425">
+            <a:normAutofit/>
+          </a:bodyPr>
+          <a:lstStyle/>
+          <a:p>
+            <a:pPr indent="0" lvl="0" marL="0" rtl="0" algn="l">
+              <a:spcBef>
+                <a:spcPts val="0"/>
+              </a:spcBef>
+              <a:spcAft>
+                <a:spcPts val="1200"/>
+              </a:spcAft>
+              <a:buNone/>
+            </a:pPr>
+            <a:r>
+              <a:t/>
+            </a:r>
+            <a:endParaRPr/>
+          </a:p>
+        </p:txBody>
+      </p:sp>
+      <p:pic>
+        <p:nvPicPr>
+          <p:cNvPr id="164" name="Google Shape;164;p29"/>
+          <p:cNvPicPr preferRelativeResize="0"/>
+          <p:nvPr/>
+        </p:nvPicPr>
+        <p:blipFill>
+          <a:blip r:embed="rId3">
+            <a:alphaModFix/>
+          </a:blip>
+          <a:stretch>
+            <a:fillRect/>
+          </a:stretch>
+        </p:blipFill>
+        <p:spPr>
+          <a:xfrm>
+            <a:off x="536675" y="754275"/>
+            <a:ext cx="8070649" cy="4209199"/>
+          </a:xfrm>
+          <a:prstGeom prst="rect">
+            <a:avLst/>
+          </a:prstGeom>
+          <a:noFill/>
+          <a:ln>
+            <a:noFill/>
+          </a:ln>
+        </p:spPr>
+      </p:pic>
+    </p:spTree>
+  </p:cSld>
+  <p:clrMapOvr>
+    <a:masterClrMapping/>
+  </p:clrMapOvr>
+</p:sld>
+</file>
+
+<file path=ppt/slides/slide18.xml><?xml version="1.0" encoding="utf-8"?>
+<p:sld xmlns:a="http://schemas.openxmlformats.org/drawingml/2006/main" xmlns:r="http://schemas.openxmlformats.org/officeDocument/2006/relationships" xmlns:mc="http://schemas.openxmlformats.org/markup-compatibility/2006" xmlns:mv="urn:schemas-microsoft-com:mac:vml" xmlns:p="http://schemas.openxmlformats.org/presentationml/2006/main" xmlns:c="http://schemas.openxmlformats.org/drawingml/2006/chart" xmlns:dgm="http://schemas.openxmlformats.org/drawingml/2006/diagram" xmlns:o="urn:schemas-microsoft-com:office:office" xmlns:v="urn:schemas-microsoft-com:vml" xmlns:pvml="urn:schemas-microsoft-com:office:powerpoint" xmlns:com="http://schemas.openxmlformats.org/drawingml/2006/compatibility" xmlns:p14="http://schemas.microsoft.com/office/powerpoint/2010/main" xmlns:p15="http://schemas.microsoft.com/office/powerpoint/2012/main" xmlns:ahyp="http://schemas.microsoft.com/office/drawing/2018/hyperlinkcolor">
+  <p:cSld>
+    <p:bg>
+      <p:bgPr>
+        <a:solidFill>
+          <a:srgbClr val="6273A4"/>
+        </a:solidFill>
+      </p:bgPr>
+    </p:bg>
+    <p:spTree>
+      <p:nvGrpSpPr>
+        <p:cNvPr id="168" name="Shape 168"/>
+        <p:cNvGrpSpPr/>
+        <p:nvPr/>
+      </p:nvGrpSpPr>
+      <p:grpSpPr>
+        <a:xfrm>
+          <a:off x="0" y="0"/>
+          <a:ext cx="0" cy="0"/>
+          <a:chOff x="0" y="0"/>
+          <a:chExt cx="0" cy="0"/>
+        </a:xfrm>
+      </p:grpSpPr>
+      <p:sp>
+        <p:nvSpPr>
+          <p:cNvPr id="169" name="Google Shape;169;p30"/>
+          <p:cNvSpPr txBox="1"/>
+          <p:nvPr>
+            <p:ph type="title"/>
+          </p:nvPr>
+        </p:nvSpPr>
+        <p:spPr>
+          <a:xfrm>
+            <a:off x="311700" y="170875"/>
+            <a:ext cx="8520600" cy="846900"/>
+          </a:xfrm>
+          <a:prstGeom prst="rect">
+            <a:avLst/>
+          </a:prstGeom>
+        </p:spPr>
+        <p:txBody>
+          <a:bodyPr anchorCtr="0" anchor="t" bIns="91425" lIns="91425" spcFirstLastPara="1" rIns="91425" wrap="square" tIns="91425">
+            <a:normAutofit/>
+          </a:bodyPr>
+          <a:lstStyle/>
+          <a:p>
+            <a:pPr indent="0" lvl="0" marL="0" rtl="0" algn="l">
+              <a:spcBef>
+                <a:spcPts val="0"/>
+              </a:spcBef>
+              <a:spcAft>
+                <a:spcPts val="0"/>
+              </a:spcAft>
+              <a:buNone/>
+            </a:pPr>
+            <a:r>
+              <a:rPr lang="es">
+                <a:solidFill>
+                  <a:schemeClr val="lt1"/>
+                </a:solidFill>
+              </a:rPr>
+              <a:t>La pela es la pela…</a:t>
+            </a:r>
+            <a:endParaRPr>
+              <a:solidFill>
+                <a:schemeClr val="lt1"/>
+              </a:solidFill>
+            </a:endParaRPr>
+          </a:p>
+        </p:txBody>
+      </p:sp>
+      <p:sp>
+        <p:nvSpPr>
+          <p:cNvPr id="170" name="Google Shape;170;p30"/>
+          <p:cNvSpPr txBox="1"/>
+          <p:nvPr>
+            <p:ph idx="1" type="body"/>
+          </p:nvPr>
+        </p:nvSpPr>
+        <p:spPr>
+          <a:xfrm>
+            <a:off x="311700" y="4147550"/>
+            <a:ext cx="8520600" cy="762000"/>
+          </a:xfrm>
+          <a:prstGeom prst="rect">
+            <a:avLst/>
+          </a:prstGeom>
+        </p:spPr>
+        <p:txBody>
+          <a:bodyPr anchorCtr="0" anchor="t" bIns="91425" lIns="91425" spcFirstLastPara="1" rIns="91425" wrap="square" tIns="91425">
+            <a:normAutofit lnSpcReduction="10000"/>
+          </a:bodyPr>
+          <a:lstStyle/>
+          <a:p>
+            <a:pPr indent="0" lvl="0" marL="0" rtl="0" algn="l">
+              <a:spcBef>
+                <a:spcPts val="0"/>
+              </a:spcBef>
+              <a:spcAft>
+                <a:spcPts val="1200"/>
+              </a:spcAft>
+              <a:buNone/>
+            </a:pPr>
+            <a:r>
+              <a:rPr lang="es">
+                <a:solidFill>
+                  <a:schemeClr val="lt1"/>
+                </a:solidFill>
+              </a:rPr>
+              <a:t>Si la música y los audiovisuales convocan muchos asistentes dispuestos a pagar una entrada, tiene sentido que el sector privados se enfoque en estos ámbitos.</a:t>
+            </a:r>
+            <a:endParaRPr>
+              <a:solidFill>
+                <a:schemeClr val="lt1"/>
+              </a:solidFill>
+            </a:endParaRPr>
+          </a:p>
+        </p:txBody>
+      </p:sp>
+      <p:pic>
+        <p:nvPicPr>
+          <p:cNvPr id="171" name="Google Shape;171;p30"/>
+          <p:cNvPicPr preferRelativeResize="0"/>
+          <p:nvPr/>
+        </p:nvPicPr>
+        <p:blipFill>
+          <a:blip r:embed="rId3">
+            <a:alphaModFix/>
+          </a:blip>
+          <a:stretch>
+            <a:fillRect/>
+          </a:stretch>
+        </p:blipFill>
+        <p:spPr>
+          <a:xfrm>
+            <a:off x="906300" y="781050"/>
+            <a:ext cx="7049449" cy="3116475"/>
+          </a:xfrm>
+          <a:prstGeom prst="rect">
+            <a:avLst/>
+          </a:prstGeom>
+          <a:noFill/>
+          <a:ln>
+            <a:noFill/>
+          </a:ln>
+        </p:spPr>
+      </p:pic>
+    </p:spTree>
+  </p:cSld>
+  <p:clrMapOvr>
+    <a:masterClrMapping/>
+  </p:clrMapOvr>
+</p:sld>
+</file>
+
+<file path=ppt/slides/slide19.xml><?xml version="1.0" encoding="utf-8"?>
+<p:sld xmlns:a="http://schemas.openxmlformats.org/drawingml/2006/main" xmlns:r="http://schemas.openxmlformats.org/officeDocument/2006/relationships" xmlns:mc="http://schemas.openxmlformats.org/markup-compatibility/2006" xmlns:mv="urn:schemas-microsoft-com:mac:vml" xmlns:p="http://schemas.openxmlformats.org/presentationml/2006/main" xmlns:c="http://schemas.openxmlformats.org/drawingml/2006/chart" xmlns:dgm="http://schemas.openxmlformats.org/drawingml/2006/diagram" xmlns:o="urn:schemas-microsoft-com:office:office" xmlns:v="urn:schemas-microsoft-com:vml" xmlns:pvml="urn:schemas-microsoft-com:office:powerpoint" xmlns:com="http://schemas.openxmlformats.org/drawingml/2006/compatibility" xmlns:p14="http://schemas.microsoft.com/office/powerpoint/2010/main" xmlns:p15="http://schemas.microsoft.com/office/powerpoint/2012/main" xmlns:ahyp="http://schemas.microsoft.com/office/drawing/2018/hyperlinkcolor">
+  <p:cSld>
+    <p:spTree>
+      <p:nvGrpSpPr>
+        <p:cNvPr id="175" name="Shape 175"/>
+        <p:cNvGrpSpPr/>
+        <p:nvPr/>
+      </p:nvGrpSpPr>
+      <p:grpSpPr>
+        <a:xfrm>
+          <a:off x="0" y="0"/>
+          <a:ext cx="0" cy="0"/>
+          <a:chOff x="0" y="0"/>
+          <a:chExt cx="0" cy="0"/>
+        </a:xfrm>
+      </p:grpSpPr>
+      <p:pic>
+        <p:nvPicPr>
+          <p:cNvPr id="176" name="Google Shape;176;p31"/>
           <p:cNvPicPr preferRelativeResize="0"/>
           <p:nvPr/>
         </p:nvPicPr>
@@ -8190,7 +9669,7 @@
       </p:pic>
       <p:sp>
         <p:nvSpPr>
-          <p:cNvPr id="144" name="Google Shape;144;p26"/>
+          <p:cNvPr id="177" name="Google Shape;177;p31"/>
           <p:cNvSpPr txBox="1"/>
           <p:nvPr>
             <p:ph type="title"/>
@@ -8198,8 +9677,8 @@
         </p:nvSpPr>
         <p:spPr>
           <a:xfrm>
-            <a:off x="311700" y="445025"/>
-            <a:ext cx="8520600" cy="572700"/>
+            <a:off x="1207650" y="1487250"/>
+            <a:ext cx="6728700" cy="548400"/>
           </a:xfrm>
           <a:prstGeom prst="rect">
             <a:avLst/>
@@ -8222,16 +9701,20 @@
               <a:buNone/>
             </a:pPr>
             <a:r>
-              <a:rPr b="1" lang="es" sz="2920"/>
-              <a:t>El típico festival barcelonés</a:t>
+              <a:rPr lang="es" sz="2920"/>
+              <a:t>Así es e</a:t>
             </a:r>
-            <a:endParaRPr b="1" sz="2920"/>
+            <a:r>
+              <a:rPr lang="es" sz="2920"/>
+              <a:t>l típico festival barcelonés:</a:t>
+            </a:r>
+            <a:endParaRPr sz="2920"/>
           </a:p>
         </p:txBody>
       </p:sp>
       <p:sp>
         <p:nvSpPr>
-          <p:cNvPr id="145" name="Google Shape;145;p26"/>
+          <p:cNvPr id="178" name="Google Shape;178;p31"/>
           <p:cNvSpPr txBox="1"/>
           <p:nvPr>
             <p:ph idx="1" type="body"/>
@@ -8239,8 +9722,8 @@
         </p:nvSpPr>
         <p:spPr>
           <a:xfrm>
-            <a:off x="2811875" y="1577300"/>
-            <a:ext cx="6995100" cy="3772800"/>
+            <a:off x="3412750" y="2505125"/>
+            <a:ext cx="3162000" cy="2577300"/>
           </a:xfrm>
           <a:prstGeom prst="rect">
             <a:avLst/>
@@ -8248,7 +9731,7 @@
         </p:spPr>
         <p:txBody>
           <a:bodyPr anchorCtr="0" anchor="t" bIns="91425" lIns="91425" spcFirstLastPara="1" rIns="91425" wrap="square" tIns="91425">
-            <a:normAutofit fontScale="92500" lnSpcReduction="20000"/>
+            <a:normAutofit fontScale="77500" lnSpcReduction="20000"/>
           </a:bodyPr>
           <a:lstStyle/>
           <a:p>
@@ -8353,7 +9836,7 @@
                 <a:spcPts val="1200"/>
               </a:spcBef>
               <a:spcAft>
-                <a:spcPts val="0"/>
+                <a:spcPts val="1200"/>
               </a:spcAft>
               <a:buNone/>
             </a:pPr>
@@ -8365,37 +9848,6 @@
               </a:rPr>
               <a:t>Entrada: De pago</a:t>
             </a:r>
-            <a:endParaRPr b="1" sz="3087">
-              <a:solidFill>
-                <a:schemeClr val="dk1"/>
-              </a:solidFill>
-            </a:endParaRPr>
-          </a:p>
-          <a:p>
-            <a:pPr indent="0" lvl="0" marL="0" rtl="0" algn="l">
-              <a:spcBef>
-                <a:spcPts val="1200"/>
-              </a:spcBef>
-              <a:spcAft>
-                <a:spcPts val="0"/>
-              </a:spcAft>
-              <a:buNone/>
-            </a:pPr>
-            <a:r>
-              <a:t/>
-            </a:r>
-            <a:endParaRPr/>
-          </a:p>
-          <a:p>
-            <a:pPr indent="0" lvl="0" marL="0" rtl="0" algn="l">
-              <a:spcBef>
-                <a:spcPts val="1200"/>
-              </a:spcBef>
-              <a:spcAft>
-                <a:spcPts val="1200"/>
-              </a:spcAft>
-              <a:buNone/>
-            </a:pPr>
             <a:r>
               <a:rPr lang="es"/>
               <a:t>Esta</a:t>
@@ -8404,34 +9856,9 @@
           </a:p>
         </p:txBody>
       </p:sp>
-    </p:spTree>
-  </p:cSld>
-  <p:clrMapOvr>
-    <a:masterClrMapping/>
-  </p:clrMapOvr>
-</p:sld>
-</file>
-
-<file path=ppt/slides/slide15.xml><?xml version="1.0" encoding="utf-8"?>
-<p:sld xmlns:a="http://schemas.openxmlformats.org/drawingml/2006/main" xmlns:r="http://schemas.openxmlformats.org/officeDocument/2006/relationships" xmlns:mc="http://schemas.openxmlformats.org/markup-compatibility/2006" xmlns:mv="urn:schemas-microsoft-com:mac:vml" xmlns:p="http://schemas.openxmlformats.org/presentationml/2006/main" xmlns:c="http://schemas.openxmlformats.org/drawingml/2006/chart" xmlns:dgm="http://schemas.openxmlformats.org/drawingml/2006/diagram" xmlns:o="urn:schemas-microsoft-com:office:office" xmlns:v="urn:schemas-microsoft-com:vml" xmlns:pvml="urn:schemas-microsoft-com:office:powerpoint" xmlns:com="http://schemas.openxmlformats.org/drawingml/2006/compatibility" xmlns:p14="http://schemas.microsoft.com/office/powerpoint/2010/main" xmlns:p15="http://schemas.microsoft.com/office/powerpoint/2012/main" xmlns:ahyp="http://schemas.microsoft.com/office/drawing/2018/hyperlinkcolor">
-  <p:cSld>
-    <p:spTree>
-      <p:nvGrpSpPr>
-        <p:cNvPr id="149" name="Shape 149"/>
-        <p:cNvGrpSpPr/>
-        <p:nvPr/>
-      </p:nvGrpSpPr>
-      <p:grpSpPr>
-        <a:xfrm>
-          <a:off x="0" y="0"/>
-          <a:ext cx="0" cy="0"/>
-          <a:chOff x="0" y="0"/>
-          <a:chExt cx="0" cy="0"/>
-        </a:xfrm>
-      </p:grpSpPr>
-      <p:sp>
-        <p:nvSpPr>
-          <p:cNvPr id="150" name="Google Shape;150;p27"/>
+      <p:sp>
+        <p:nvSpPr>
+          <p:cNvPr id="179" name="Google Shape;179;p31"/>
           <p:cNvSpPr txBox="1"/>
           <p:nvPr>
             <p:ph type="title"/>
@@ -8439,48 +9866,8 @@
         </p:nvSpPr>
         <p:spPr>
           <a:xfrm>
-            <a:off x="311700" y="445025"/>
-            <a:ext cx="8520600" cy="572700"/>
-          </a:xfrm>
-          <a:prstGeom prst="rect">
-            <a:avLst/>
-          </a:prstGeom>
-        </p:spPr>
-        <p:txBody>
-          <a:bodyPr anchorCtr="0" anchor="t" bIns="91425" lIns="91425" spcFirstLastPara="1" rIns="91425" wrap="square" tIns="91425">
-            <a:normAutofit fontScale="90000"/>
-          </a:bodyPr>
-          <a:lstStyle/>
-          <a:p>
-            <a:pPr indent="0" lvl="0" marL="0" rtl="0" algn="ctr">
-              <a:spcBef>
-                <a:spcPts val="0"/>
-              </a:spcBef>
-              <a:spcAft>
-                <a:spcPts val="0"/>
-              </a:spcAft>
-              <a:buNone/>
-            </a:pPr>
-            <a:r>
-              <a:rPr lang="es"/>
-              <a:t>Fenómeno de los macrofestivales</a:t>
-            </a:r>
-            <a:endParaRPr/>
-          </a:p>
-        </p:txBody>
-      </p:sp>
-      <p:sp>
-        <p:nvSpPr>
-          <p:cNvPr id="151" name="Google Shape;151;p27"/>
-          <p:cNvSpPr txBox="1"/>
-          <p:nvPr>
-            <p:ph idx="1" type="body"/>
-          </p:nvPr>
-        </p:nvSpPr>
-        <p:spPr>
-          <a:xfrm>
-            <a:off x="311700" y="1152475"/>
-            <a:ext cx="8520600" cy="572700"/>
+            <a:off x="311700" y="220375"/>
+            <a:ext cx="8520600" cy="797400"/>
           </a:xfrm>
           <a:prstGeom prst="rect">
             <a:avLst/>
@@ -8497,418 +9884,22 @@
                 <a:spcPts val="0"/>
               </a:spcBef>
               <a:spcAft>
-                <a:spcPts val="1200"/>
+                <a:spcPts val="0"/>
               </a:spcAft>
               <a:buNone/>
             </a:pPr>
             <a:r>
-              <a:rPr lang="es"/>
-              <a:t>Primero, qué entendemos por “Macrofestival”?</a:t>
+              <a:rPr b="1" lang="es" sz="3200"/>
+              <a:t>El dictado de la</a:t>
             </a:r>
-            <a:endParaRPr/>
+            <a:r>
+              <a:rPr b="1" lang="es" sz="3200"/>
+              <a:t> moda</a:t>
+            </a:r>
+            <a:endParaRPr b="1" sz="3200"/>
           </a:p>
         </p:txBody>
       </p:sp>
-      <p:pic>
-        <p:nvPicPr>
-          <p:cNvPr id="152" name="Google Shape;152;p27"/>
-          <p:cNvPicPr preferRelativeResize="0"/>
-          <p:nvPr/>
-        </p:nvPicPr>
-        <p:blipFill>
-          <a:blip r:embed="rId3">
-            <a:alphaModFix/>
-          </a:blip>
-          <a:stretch>
-            <a:fillRect/>
-          </a:stretch>
-        </p:blipFill>
-        <p:spPr>
-          <a:xfrm>
-            <a:off x="468075" y="1665650"/>
-            <a:ext cx="8207826" cy="2995550"/>
-          </a:xfrm>
-          <a:prstGeom prst="rect">
-            <a:avLst/>
-          </a:prstGeom>
-          <a:noFill/>
-          <a:ln>
-            <a:noFill/>
-          </a:ln>
-        </p:spPr>
-      </p:pic>
-    </p:spTree>
-  </p:cSld>
-  <p:clrMapOvr>
-    <a:masterClrMapping/>
-  </p:clrMapOvr>
-</p:sld>
-</file>
-
-<file path=ppt/slides/slide16.xml><?xml version="1.0" encoding="utf-8"?>
-<p:sld xmlns:a="http://schemas.openxmlformats.org/drawingml/2006/main" xmlns:r="http://schemas.openxmlformats.org/officeDocument/2006/relationships" xmlns:mc="http://schemas.openxmlformats.org/markup-compatibility/2006" xmlns:mv="urn:schemas-microsoft-com:mac:vml" xmlns:p="http://schemas.openxmlformats.org/presentationml/2006/main" xmlns:c="http://schemas.openxmlformats.org/drawingml/2006/chart" xmlns:dgm="http://schemas.openxmlformats.org/drawingml/2006/diagram" xmlns:o="urn:schemas-microsoft-com:office:office" xmlns:v="urn:schemas-microsoft-com:vml" xmlns:pvml="urn:schemas-microsoft-com:office:powerpoint" xmlns:com="http://schemas.openxmlformats.org/drawingml/2006/compatibility" xmlns:p14="http://schemas.microsoft.com/office/powerpoint/2010/main" xmlns:p15="http://schemas.microsoft.com/office/powerpoint/2012/main" xmlns:ahyp="http://schemas.microsoft.com/office/drawing/2018/hyperlinkcolor">
-  <p:cSld>
-    <p:spTree>
-      <p:nvGrpSpPr>
-        <p:cNvPr id="156" name="Shape 156"/>
-        <p:cNvGrpSpPr/>
-        <p:nvPr/>
-      </p:nvGrpSpPr>
-      <p:grpSpPr>
-        <a:xfrm>
-          <a:off x="0" y="0"/>
-          <a:ext cx="0" cy="0"/>
-          <a:chOff x="0" y="0"/>
-          <a:chExt cx="0" cy="0"/>
-        </a:xfrm>
-      </p:grpSpPr>
-      <p:sp>
-        <p:nvSpPr>
-          <p:cNvPr id="157" name="Google Shape;157;p28"/>
-          <p:cNvSpPr txBox="1"/>
-          <p:nvPr>
-            <p:ph type="title"/>
-          </p:nvPr>
-        </p:nvSpPr>
-        <p:spPr>
-          <a:xfrm>
-            <a:off x="311700" y="170875"/>
-            <a:ext cx="8520600" cy="846900"/>
-          </a:xfrm>
-          <a:prstGeom prst="rect">
-            <a:avLst/>
-          </a:prstGeom>
-        </p:spPr>
-        <p:txBody>
-          <a:bodyPr anchorCtr="0" anchor="t" bIns="91425" lIns="91425" spcFirstLastPara="1" rIns="91425" wrap="square" tIns="91425">
-            <a:normAutofit/>
-          </a:bodyPr>
-          <a:lstStyle/>
-          <a:p>
-            <a:pPr indent="0" lvl="0" marL="0" rtl="0" algn="ctr">
-              <a:spcBef>
-                <a:spcPts val="0"/>
-              </a:spcBef>
-              <a:spcAft>
-                <a:spcPts val="0"/>
-              </a:spcAft>
-              <a:buNone/>
-            </a:pPr>
-            <a:r>
-              <a:rPr lang="es"/>
-              <a:t>¿Cuántos festivales hay de cada tipo?</a:t>
-            </a:r>
-            <a:endParaRPr/>
-          </a:p>
-        </p:txBody>
-      </p:sp>
-      <p:pic>
-        <p:nvPicPr>
-          <p:cNvPr id="158" name="Google Shape;158;p28"/>
-          <p:cNvPicPr preferRelativeResize="0"/>
-          <p:nvPr/>
-        </p:nvPicPr>
-        <p:blipFill>
-          <a:blip r:embed="rId3">
-            <a:alphaModFix/>
-          </a:blip>
-          <a:stretch>
-            <a:fillRect/>
-          </a:stretch>
-        </p:blipFill>
-        <p:spPr>
-          <a:xfrm>
-            <a:off x="875624" y="791550"/>
-            <a:ext cx="7464201" cy="4351950"/>
-          </a:xfrm>
-          <a:prstGeom prst="rect">
-            <a:avLst/>
-          </a:prstGeom>
-          <a:noFill/>
-          <a:ln>
-            <a:noFill/>
-          </a:ln>
-        </p:spPr>
-      </p:pic>
-    </p:spTree>
-  </p:cSld>
-  <p:clrMapOvr>
-    <a:masterClrMapping/>
-  </p:clrMapOvr>
-</p:sld>
-</file>
-
-<file path=ppt/slides/slide17.xml><?xml version="1.0" encoding="utf-8"?>
-<p:sld xmlns:a="http://schemas.openxmlformats.org/drawingml/2006/main" xmlns:r="http://schemas.openxmlformats.org/officeDocument/2006/relationships" xmlns:mc="http://schemas.openxmlformats.org/markup-compatibility/2006" xmlns:mv="urn:schemas-microsoft-com:mac:vml" xmlns:p="http://schemas.openxmlformats.org/presentationml/2006/main" xmlns:c="http://schemas.openxmlformats.org/drawingml/2006/chart" xmlns:dgm="http://schemas.openxmlformats.org/drawingml/2006/diagram" xmlns:o="urn:schemas-microsoft-com:office:office" xmlns:v="urn:schemas-microsoft-com:vml" xmlns:pvml="urn:schemas-microsoft-com:office:powerpoint" xmlns:com="http://schemas.openxmlformats.org/drawingml/2006/compatibility" xmlns:p14="http://schemas.microsoft.com/office/powerpoint/2010/main" xmlns:p15="http://schemas.microsoft.com/office/powerpoint/2012/main" xmlns:ahyp="http://schemas.microsoft.com/office/drawing/2018/hyperlinkcolor">
-  <p:cSld>
-    <p:spTree>
-      <p:nvGrpSpPr>
-        <p:cNvPr id="162" name="Shape 162"/>
-        <p:cNvGrpSpPr/>
-        <p:nvPr/>
-      </p:nvGrpSpPr>
-      <p:grpSpPr>
-        <a:xfrm>
-          <a:off x="0" y="0"/>
-          <a:ext cx="0" cy="0"/>
-          <a:chOff x="0" y="0"/>
-          <a:chExt cx="0" cy="0"/>
-        </a:xfrm>
-      </p:grpSpPr>
-      <p:sp>
-        <p:nvSpPr>
-          <p:cNvPr id="163" name="Google Shape;163;p29"/>
-          <p:cNvSpPr txBox="1"/>
-          <p:nvPr>
-            <p:ph type="title"/>
-          </p:nvPr>
-        </p:nvSpPr>
-        <p:spPr>
-          <a:xfrm>
-            <a:off x="311700" y="87525"/>
-            <a:ext cx="8520600" cy="930300"/>
-          </a:xfrm>
-          <a:prstGeom prst="rect">
-            <a:avLst/>
-          </a:prstGeom>
-        </p:spPr>
-        <p:txBody>
-          <a:bodyPr anchorCtr="0" anchor="t" bIns="91425" lIns="91425" spcFirstLastPara="1" rIns="91425" wrap="square" tIns="91425">
-            <a:normAutofit/>
-          </a:bodyPr>
-          <a:lstStyle/>
-          <a:p>
-            <a:pPr indent="0" lvl="0" marL="0" rtl="0" algn="ctr">
-              <a:spcBef>
-                <a:spcPts val="0"/>
-              </a:spcBef>
-              <a:spcAft>
-                <a:spcPts val="0"/>
-              </a:spcAft>
-              <a:buNone/>
-            </a:pPr>
-            <a:r>
-              <a:rPr lang="es"/>
-              <a:t>Así ha evolucionado cada uno </a:t>
-            </a:r>
-            <a:endParaRPr/>
-          </a:p>
-        </p:txBody>
-      </p:sp>
-      <p:pic>
-        <p:nvPicPr>
-          <p:cNvPr id="164" name="Google Shape;164;p29"/>
-          <p:cNvPicPr preferRelativeResize="0"/>
-          <p:nvPr/>
-        </p:nvPicPr>
-        <p:blipFill>
-          <a:blip r:embed="rId3">
-            <a:alphaModFix/>
-          </a:blip>
-          <a:stretch>
-            <a:fillRect/>
-          </a:stretch>
-        </p:blipFill>
-        <p:spPr>
-          <a:xfrm>
-            <a:off x="478300" y="618400"/>
-            <a:ext cx="8060526" cy="4310800"/>
-          </a:xfrm>
-          <a:prstGeom prst="rect">
-            <a:avLst/>
-          </a:prstGeom>
-          <a:noFill/>
-          <a:ln>
-            <a:noFill/>
-          </a:ln>
-        </p:spPr>
-      </p:pic>
-    </p:spTree>
-  </p:cSld>
-  <p:clrMapOvr>
-    <a:masterClrMapping/>
-  </p:clrMapOvr>
-</p:sld>
-</file>
-
-<file path=ppt/slides/slide18.xml><?xml version="1.0" encoding="utf-8"?>
-<p:sld xmlns:a="http://schemas.openxmlformats.org/drawingml/2006/main" xmlns:r="http://schemas.openxmlformats.org/officeDocument/2006/relationships" xmlns:mc="http://schemas.openxmlformats.org/markup-compatibility/2006" xmlns:mv="urn:schemas-microsoft-com:mac:vml" xmlns:p="http://schemas.openxmlformats.org/presentationml/2006/main" xmlns:c="http://schemas.openxmlformats.org/drawingml/2006/chart" xmlns:dgm="http://schemas.openxmlformats.org/drawingml/2006/diagram" xmlns:o="urn:schemas-microsoft-com:office:office" xmlns:v="urn:schemas-microsoft-com:vml" xmlns:pvml="urn:schemas-microsoft-com:office:powerpoint" xmlns:com="http://schemas.openxmlformats.org/drawingml/2006/compatibility" xmlns:p14="http://schemas.microsoft.com/office/powerpoint/2010/main" xmlns:p15="http://schemas.microsoft.com/office/powerpoint/2012/main" xmlns:ahyp="http://schemas.microsoft.com/office/drawing/2018/hyperlinkcolor">
-  <p:cSld>
-    <p:spTree>
-      <p:nvGrpSpPr>
-        <p:cNvPr id="168" name="Shape 168"/>
-        <p:cNvGrpSpPr/>
-        <p:nvPr/>
-      </p:nvGrpSpPr>
-      <p:grpSpPr>
-        <a:xfrm>
-          <a:off x="0" y="0"/>
-          <a:ext cx="0" cy="0"/>
-          <a:chOff x="0" y="0"/>
-          <a:chExt cx="0" cy="0"/>
-        </a:xfrm>
-      </p:grpSpPr>
-      <p:sp>
-        <p:nvSpPr>
-          <p:cNvPr id="169" name="Google Shape;169;p30"/>
-          <p:cNvSpPr txBox="1"/>
-          <p:nvPr>
-            <p:ph type="title"/>
-          </p:nvPr>
-        </p:nvSpPr>
-        <p:spPr>
-          <a:xfrm>
-            <a:off x="311700" y="445025"/>
-            <a:ext cx="2047800" cy="3583500"/>
-          </a:xfrm>
-          <a:prstGeom prst="rect">
-            <a:avLst/>
-          </a:prstGeom>
-        </p:spPr>
-        <p:txBody>
-          <a:bodyPr anchorCtr="0" anchor="t" bIns="91425" lIns="91425" spcFirstLastPara="1" rIns="91425" wrap="square" tIns="91425">
-            <a:normAutofit/>
-          </a:bodyPr>
-          <a:lstStyle/>
-          <a:p>
-            <a:pPr indent="0" lvl="0" marL="0" rtl="0" algn="l">
-              <a:spcBef>
-                <a:spcPts val="0"/>
-              </a:spcBef>
-              <a:spcAft>
-                <a:spcPts val="0"/>
-              </a:spcAft>
-              <a:buNone/>
-            </a:pPr>
-            <a:r>
-              <a:rPr lang="es"/>
-              <a:t>Los ámbitos de cada categoría</a:t>
-            </a:r>
-            <a:endParaRPr/>
-          </a:p>
-        </p:txBody>
-      </p:sp>
-      <p:pic>
-        <p:nvPicPr>
-          <p:cNvPr id="170" name="Google Shape;170;p30"/>
-          <p:cNvPicPr preferRelativeResize="0"/>
-          <p:nvPr/>
-        </p:nvPicPr>
-        <p:blipFill>
-          <a:blip r:embed="rId3">
-            <a:alphaModFix/>
-          </a:blip>
-          <a:stretch>
-            <a:fillRect/>
-          </a:stretch>
-        </p:blipFill>
-        <p:spPr>
-          <a:xfrm>
-            <a:off x="2199394" y="59550"/>
-            <a:ext cx="6269212" cy="5143500"/>
-          </a:xfrm>
-          <a:prstGeom prst="rect">
-            <a:avLst/>
-          </a:prstGeom>
-          <a:noFill/>
-          <a:ln>
-            <a:noFill/>
-          </a:ln>
-        </p:spPr>
-      </p:pic>
-    </p:spTree>
-  </p:cSld>
-  <p:clrMapOvr>
-    <a:masterClrMapping/>
-  </p:clrMapOvr>
-</p:sld>
-</file>
-
-<file path=ppt/slides/slide19.xml><?xml version="1.0" encoding="utf-8"?>
-<p:sld xmlns:a="http://schemas.openxmlformats.org/drawingml/2006/main" xmlns:r="http://schemas.openxmlformats.org/officeDocument/2006/relationships" xmlns:mc="http://schemas.openxmlformats.org/markup-compatibility/2006" xmlns:mv="urn:schemas-microsoft-com:mac:vml" xmlns:p="http://schemas.openxmlformats.org/presentationml/2006/main" xmlns:c="http://schemas.openxmlformats.org/drawingml/2006/chart" xmlns:dgm="http://schemas.openxmlformats.org/drawingml/2006/diagram" xmlns:o="urn:schemas-microsoft-com:office:office" xmlns:v="urn:schemas-microsoft-com:vml" xmlns:pvml="urn:schemas-microsoft-com:office:powerpoint" xmlns:com="http://schemas.openxmlformats.org/drawingml/2006/compatibility" xmlns:p14="http://schemas.microsoft.com/office/powerpoint/2010/main" xmlns:p15="http://schemas.microsoft.com/office/powerpoint/2012/main" xmlns:ahyp="http://schemas.microsoft.com/office/drawing/2018/hyperlinkcolor">
-  <p:cSld>
-    <p:spTree>
-      <p:nvGrpSpPr>
-        <p:cNvPr id="174" name="Shape 174"/>
-        <p:cNvGrpSpPr/>
-        <p:nvPr/>
-      </p:nvGrpSpPr>
-      <p:grpSpPr>
-        <a:xfrm>
-          <a:off x="0" y="0"/>
-          <a:ext cx="0" cy="0"/>
-          <a:chOff x="0" y="0"/>
-          <a:chExt cx="0" cy="0"/>
-        </a:xfrm>
-      </p:grpSpPr>
-      <p:sp>
-        <p:nvSpPr>
-          <p:cNvPr id="175" name="Google Shape;175;p31"/>
-          <p:cNvSpPr txBox="1"/>
-          <p:nvPr>
-            <p:ph type="title"/>
-          </p:nvPr>
-        </p:nvSpPr>
-        <p:spPr>
-          <a:xfrm>
-            <a:off x="311700" y="182775"/>
-            <a:ext cx="8520600" cy="834900"/>
-          </a:xfrm>
-          <a:prstGeom prst="rect">
-            <a:avLst/>
-          </a:prstGeom>
-        </p:spPr>
-        <p:txBody>
-          <a:bodyPr anchorCtr="0" anchor="t" bIns="91425" lIns="91425" spcFirstLastPara="1" rIns="91425" wrap="square" tIns="91425">
-            <a:normAutofit/>
-          </a:bodyPr>
-          <a:lstStyle/>
-          <a:p>
-            <a:pPr indent="0" lvl="0" marL="0" rtl="0" algn="ctr">
-              <a:spcBef>
-                <a:spcPts val="0"/>
-              </a:spcBef>
-              <a:spcAft>
-                <a:spcPts val="0"/>
-              </a:spcAft>
-              <a:buNone/>
-            </a:pPr>
-            <a:r>
-              <a:rPr lang="es"/>
-              <a:t>Impacto de la pandemia</a:t>
-            </a:r>
-            <a:endParaRPr/>
-          </a:p>
-        </p:txBody>
-      </p:sp>
-      <p:pic>
-        <p:nvPicPr>
-          <p:cNvPr id="176" name="Google Shape;176;p31"/>
-          <p:cNvPicPr preferRelativeResize="0"/>
-          <p:nvPr/>
-        </p:nvPicPr>
-        <p:blipFill>
-          <a:blip r:embed="rId3">
-            <a:alphaModFix/>
-          </a:blip>
-          <a:stretch>
-            <a:fillRect/>
-          </a:stretch>
-        </p:blipFill>
-        <p:spPr>
-          <a:xfrm>
-            <a:off x="369100" y="825700"/>
-            <a:ext cx="8463199" cy="4292316"/>
-          </a:xfrm>
-          <a:prstGeom prst="rect">
-            <a:avLst/>
-          </a:prstGeom>
-          <a:noFill/>
-          <a:ln>
-            <a:noFill/>
-          </a:ln>
-        </p:spPr>
-      </p:pic>
     </p:spTree>
   </p:cSld>
   <p:clrMapOvr>
@@ -8923,7 +9914,7 @@
     <p:bg>
       <p:bgPr>
         <a:solidFill>
-          <a:srgbClr val="D9D2E9"/>
+          <a:srgbClr val="1F9D89"/>
         </a:solidFill>
       </p:bgPr>
     </p:bg>
@@ -9004,52 +9995,88 @@
           </a:bodyPr>
           <a:lstStyle/>
           <a:p>
-            <a:pPr indent="0" lvl="0" marL="0" rtl="0" algn="ctr">
-              <a:spcBef>
-                <a:spcPts val="0"/>
-              </a:spcBef>
-              <a:spcAft>
-                <a:spcPts val="0"/>
-              </a:spcAft>
-              <a:buNone/>
+            <a:pPr indent="-406400" lvl="0" marL="457200" rtl="0" algn="ctr">
+              <a:spcBef>
+                <a:spcPts val="0"/>
+              </a:spcBef>
+              <a:spcAft>
+                <a:spcPts val="0"/>
+              </a:spcAft>
+              <a:buClr>
+                <a:srgbClr val="434343"/>
+              </a:buClr>
+              <a:buSzPts val="2800"/>
+              <a:buChar char="●"/>
             </a:pPr>
             <a:r>
-              <a:rPr lang="es"/>
+              <a:rPr lang="es">
+                <a:solidFill>
+                  <a:srgbClr val="434343"/>
+                </a:solidFill>
+              </a:rPr>
               <a:t>período</a:t>
             </a:r>
-            <a:endParaRPr/>
+            <a:endParaRPr>
+              <a:solidFill>
+                <a:srgbClr val="434343"/>
+              </a:solidFill>
+            </a:endParaRPr>
           </a:p>
           <a:p>
-            <a:pPr indent="0" lvl="0" marL="0" rtl="0" algn="ctr">
-              <a:spcBef>
-                <a:spcPts val="0"/>
-              </a:spcBef>
-              <a:spcAft>
-                <a:spcPts val="0"/>
-              </a:spcAft>
-              <a:buNone/>
+            <a:pPr indent="-406400" lvl="0" marL="457200" rtl="0" algn="ctr">
+              <a:spcBef>
+                <a:spcPts val="0"/>
+              </a:spcBef>
+              <a:spcAft>
+                <a:spcPts val="0"/>
+              </a:spcAft>
+              <a:buClr>
+                <a:srgbClr val="434343"/>
+              </a:buClr>
+              <a:buSzPts val="2800"/>
+              <a:buChar char="●"/>
             </a:pPr>
             <a:r>
-              <a:rPr lang="es"/>
+              <a:rPr lang="es">
+                <a:solidFill>
+                  <a:srgbClr val="434343"/>
+                </a:solidFill>
+              </a:rPr>
               <a:t>ámbitos</a:t>
             </a:r>
-            <a:endParaRPr/>
+            <a:endParaRPr>
+              <a:solidFill>
+                <a:srgbClr val="434343"/>
+              </a:solidFill>
+            </a:endParaRPr>
           </a:p>
           <a:p>
-            <a:pPr indent="0" lvl="0" marL="0" rtl="0" algn="ctr">
-              <a:spcBef>
-                <a:spcPts val="0"/>
-              </a:spcBef>
-              <a:spcAft>
-                <a:spcPts val="0"/>
-              </a:spcAft>
-              <a:buNone/>
+            <a:pPr indent="-406400" lvl="0" marL="457200" rtl="0" algn="ctr">
+              <a:spcBef>
+                <a:spcPts val="0"/>
+              </a:spcBef>
+              <a:spcAft>
+                <a:spcPts val="0"/>
+              </a:spcAft>
+              <a:buClr>
+                <a:srgbClr val="434343"/>
+              </a:buClr>
+              <a:buSzPts val="2800"/>
+              <a:buChar char="●"/>
             </a:pPr>
             <a:r>
-              <a:rPr lang="es"/>
+              <a:rPr lang="es">
+                <a:solidFill>
+                  <a:srgbClr val="434343"/>
+                </a:solidFill>
+              </a:rPr>
               <a:t>criterio de asistentes</a:t>
             </a:r>
-            <a:endParaRPr/>
+            <a:endParaRPr>
+              <a:solidFill>
+                <a:srgbClr val="434343"/>
+              </a:solidFill>
+            </a:endParaRPr>
           </a:p>
         </p:txBody>
       </p:sp>
@@ -9064,16 +10091,9 @@
 <file path=ppt/slides/slide20.xml><?xml version="1.0" encoding="utf-8"?>
 <p:sld xmlns:a="http://schemas.openxmlformats.org/drawingml/2006/main" xmlns:r="http://schemas.openxmlformats.org/officeDocument/2006/relationships" xmlns:mc="http://schemas.openxmlformats.org/markup-compatibility/2006" xmlns:mv="urn:schemas-microsoft-com:mac:vml" xmlns:p="http://schemas.openxmlformats.org/presentationml/2006/main" xmlns:c="http://schemas.openxmlformats.org/drawingml/2006/chart" xmlns:dgm="http://schemas.openxmlformats.org/drawingml/2006/diagram" xmlns:o="urn:schemas-microsoft-com:office:office" xmlns:v="urn:schemas-microsoft-com:vml" xmlns:pvml="urn:schemas-microsoft-com:office:powerpoint" xmlns:com="http://schemas.openxmlformats.org/drawingml/2006/compatibility" xmlns:p14="http://schemas.microsoft.com/office/powerpoint/2010/main" xmlns:p15="http://schemas.microsoft.com/office/powerpoint/2012/main" xmlns:ahyp="http://schemas.microsoft.com/office/drawing/2018/hyperlinkcolor">
   <p:cSld>
-    <p:bg>
-      <p:bgPr>
-        <a:solidFill>
-          <a:srgbClr val="E9D467"/>
-        </a:solidFill>
-      </p:bgPr>
-    </p:bg>
     <p:spTree>
       <p:nvGrpSpPr>
-        <p:cNvPr id="180" name="Shape 180"/>
+        <p:cNvPr id="183" name="Shape 183"/>
         <p:cNvGrpSpPr/>
         <p:nvPr/>
       </p:nvGrpSpPr>
@@ -9087,7 +10107,7 @@
       </p:grpSpPr>
       <p:sp>
         <p:nvSpPr>
-          <p:cNvPr id="181" name="Google Shape;181;p32"/>
+          <p:cNvPr id="184" name="Google Shape;184;p32"/>
           <p:cNvSpPr txBox="1"/>
           <p:nvPr>
             <p:ph type="title"/>
@@ -9095,8 +10115,48 @@
         </p:nvSpPr>
         <p:spPr>
           <a:xfrm>
-            <a:off x="311700" y="206600"/>
-            <a:ext cx="8520600" cy="811200"/>
+            <a:off x="311700" y="445025"/>
+            <a:ext cx="8520600" cy="572700"/>
+          </a:xfrm>
+          <a:prstGeom prst="rect">
+            <a:avLst/>
+          </a:prstGeom>
+        </p:spPr>
+        <p:txBody>
+          <a:bodyPr anchorCtr="0" anchor="t" bIns="91425" lIns="91425" spcFirstLastPara="1" rIns="91425" wrap="square" tIns="91425">
+            <a:normAutofit fontScale="90000"/>
+          </a:bodyPr>
+          <a:lstStyle/>
+          <a:p>
+            <a:pPr indent="0" lvl="0" marL="0" rtl="0" algn="ctr">
+              <a:spcBef>
+                <a:spcPts val="0"/>
+              </a:spcBef>
+              <a:spcAft>
+                <a:spcPts val="0"/>
+              </a:spcAft>
+              <a:buNone/>
+            </a:pPr>
+            <a:r>
+              <a:rPr lang="es"/>
+              <a:t>Fenómeno de los macrofestivales</a:t>
+            </a:r>
+            <a:endParaRPr/>
+          </a:p>
+        </p:txBody>
+      </p:sp>
+      <p:sp>
+        <p:nvSpPr>
+          <p:cNvPr id="185" name="Google Shape;185;p32"/>
+          <p:cNvSpPr txBox="1"/>
+          <p:nvPr>
+            <p:ph idx="1" type="body"/>
+          </p:nvPr>
+        </p:nvSpPr>
+        <p:spPr>
+          <a:xfrm>
+            <a:off x="311700" y="1152475"/>
+            <a:ext cx="8520600" cy="572700"/>
           </a:xfrm>
           <a:prstGeom prst="rect">
             <a:avLst/>
@@ -9113,13 +10173,13 @@
                 <a:spcPts val="0"/>
               </a:spcBef>
               <a:spcAft>
-                <a:spcPts val="0"/>
+                <a:spcPts val="1200"/>
               </a:spcAft>
               <a:buNone/>
             </a:pPr>
             <a:r>
               <a:rPr lang="es"/>
-              <a:t>Top 10</a:t>
+              <a:t>Primero, ¿qué entendemos por “macrofestival”?</a:t>
             </a:r>
             <a:endParaRPr/>
           </a:p>
@@ -9127,7 +10187,7 @@
       </p:sp>
       <p:pic>
         <p:nvPicPr>
-          <p:cNvPr id="182" name="Google Shape;182;p32"/>
+          <p:cNvPr id="186" name="Google Shape;186;p32"/>
           <p:cNvPicPr preferRelativeResize="0"/>
           <p:nvPr/>
         </p:nvPicPr>
@@ -9141,8 +10201,8 @@
         </p:blipFill>
         <p:spPr>
           <a:xfrm>
-            <a:off x="1052500" y="1017788"/>
-            <a:ext cx="7038975" cy="3457575"/>
+            <a:off x="468075" y="1665650"/>
+            <a:ext cx="8207826" cy="2995550"/>
           </a:xfrm>
           <a:prstGeom prst="rect">
             <a:avLst/>
@@ -9153,6 +10213,615 @@
           </a:ln>
         </p:spPr>
       </p:pic>
+    </p:spTree>
+  </p:cSld>
+  <p:clrMapOvr>
+    <a:masterClrMapping/>
+  </p:clrMapOvr>
+</p:sld>
+</file>
+
+<file path=ppt/slides/slide21.xml><?xml version="1.0" encoding="utf-8"?>
+<p:sld xmlns:a="http://schemas.openxmlformats.org/drawingml/2006/main" xmlns:r="http://schemas.openxmlformats.org/officeDocument/2006/relationships" xmlns:mc="http://schemas.openxmlformats.org/markup-compatibility/2006" xmlns:mv="urn:schemas-microsoft-com:mac:vml" xmlns:p="http://schemas.openxmlformats.org/presentationml/2006/main" xmlns:c="http://schemas.openxmlformats.org/drawingml/2006/chart" xmlns:dgm="http://schemas.openxmlformats.org/drawingml/2006/diagram" xmlns:o="urn:schemas-microsoft-com:office:office" xmlns:v="urn:schemas-microsoft-com:vml" xmlns:pvml="urn:schemas-microsoft-com:office:powerpoint" xmlns:com="http://schemas.openxmlformats.org/drawingml/2006/compatibility" xmlns:p14="http://schemas.microsoft.com/office/powerpoint/2010/main" xmlns:p15="http://schemas.microsoft.com/office/powerpoint/2012/main" xmlns:ahyp="http://schemas.microsoft.com/office/drawing/2018/hyperlinkcolor">
+  <p:cSld>
+    <p:spTree>
+      <p:nvGrpSpPr>
+        <p:cNvPr id="190" name="Shape 190"/>
+        <p:cNvGrpSpPr/>
+        <p:nvPr/>
+      </p:nvGrpSpPr>
+      <p:grpSpPr>
+        <a:xfrm>
+          <a:off x="0" y="0"/>
+          <a:ext cx="0" cy="0"/>
+          <a:chOff x="0" y="0"/>
+          <a:chExt cx="0" cy="0"/>
+        </a:xfrm>
+      </p:grpSpPr>
+      <p:sp>
+        <p:nvSpPr>
+          <p:cNvPr id="191" name="Google Shape;191;p33"/>
+          <p:cNvSpPr txBox="1"/>
+          <p:nvPr>
+            <p:ph type="title"/>
+          </p:nvPr>
+        </p:nvSpPr>
+        <p:spPr>
+          <a:xfrm>
+            <a:off x="311700" y="170875"/>
+            <a:ext cx="8520600" cy="846900"/>
+          </a:xfrm>
+          <a:prstGeom prst="rect">
+            <a:avLst/>
+          </a:prstGeom>
+        </p:spPr>
+        <p:txBody>
+          <a:bodyPr anchorCtr="0" anchor="t" bIns="91425" lIns="91425" spcFirstLastPara="1" rIns="91425" wrap="square" tIns="91425">
+            <a:normAutofit/>
+          </a:bodyPr>
+          <a:lstStyle/>
+          <a:p>
+            <a:pPr indent="0" lvl="0" marL="0" rtl="0" algn="ctr">
+              <a:spcBef>
+                <a:spcPts val="0"/>
+              </a:spcBef>
+              <a:spcAft>
+                <a:spcPts val="0"/>
+              </a:spcAft>
+              <a:buNone/>
+            </a:pPr>
+            <a:r>
+              <a:rPr lang="es"/>
+              <a:t>¿Cuántos festivales hay de cada tipo?</a:t>
+            </a:r>
+            <a:endParaRPr/>
+          </a:p>
+        </p:txBody>
+      </p:sp>
+      <p:pic>
+        <p:nvPicPr>
+          <p:cNvPr id="192" name="Google Shape;192;p33"/>
+          <p:cNvPicPr preferRelativeResize="0"/>
+          <p:nvPr/>
+        </p:nvPicPr>
+        <p:blipFill>
+          <a:blip r:embed="rId3">
+            <a:alphaModFix/>
+          </a:blip>
+          <a:stretch>
+            <a:fillRect/>
+          </a:stretch>
+        </p:blipFill>
+        <p:spPr>
+          <a:xfrm>
+            <a:off x="875624" y="791550"/>
+            <a:ext cx="7464201" cy="4351950"/>
+          </a:xfrm>
+          <a:prstGeom prst="rect">
+            <a:avLst/>
+          </a:prstGeom>
+          <a:noFill/>
+          <a:ln>
+            <a:noFill/>
+          </a:ln>
+        </p:spPr>
+      </p:pic>
+    </p:spTree>
+  </p:cSld>
+  <p:clrMapOvr>
+    <a:masterClrMapping/>
+  </p:clrMapOvr>
+</p:sld>
+</file>
+
+<file path=ppt/slides/slide22.xml><?xml version="1.0" encoding="utf-8"?>
+<p:sld xmlns:a="http://schemas.openxmlformats.org/drawingml/2006/main" xmlns:r="http://schemas.openxmlformats.org/officeDocument/2006/relationships" xmlns:mc="http://schemas.openxmlformats.org/markup-compatibility/2006" xmlns:mv="urn:schemas-microsoft-com:mac:vml" xmlns:p="http://schemas.openxmlformats.org/presentationml/2006/main" xmlns:c="http://schemas.openxmlformats.org/drawingml/2006/chart" xmlns:dgm="http://schemas.openxmlformats.org/drawingml/2006/diagram" xmlns:o="urn:schemas-microsoft-com:office:office" xmlns:v="urn:schemas-microsoft-com:vml" xmlns:pvml="urn:schemas-microsoft-com:office:powerpoint" xmlns:com="http://schemas.openxmlformats.org/drawingml/2006/compatibility" xmlns:p14="http://schemas.microsoft.com/office/powerpoint/2010/main" xmlns:p15="http://schemas.microsoft.com/office/powerpoint/2012/main" xmlns:ahyp="http://schemas.microsoft.com/office/drawing/2018/hyperlinkcolor">
+  <p:cSld>
+    <p:spTree>
+      <p:nvGrpSpPr>
+        <p:cNvPr id="196" name="Shape 196"/>
+        <p:cNvGrpSpPr/>
+        <p:nvPr/>
+      </p:nvGrpSpPr>
+      <p:grpSpPr>
+        <a:xfrm>
+          <a:off x="0" y="0"/>
+          <a:ext cx="0" cy="0"/>
+          <a:chOff x="0" y="0"/>
+          <a:chExt cx="0" cy="0"/>
+        </a:xfrm>
+      </p:grpSpPr>
+      <p:sp>
+        <p:nvSpPr>
+          <p:cNvPr id="197" name="Google Shape;197;p34"/>
+          <p:cNvSpPr txBox="1"/>
+          <p:nvPr>
+            <p:ph type="title"/>
+          </p:nvPr>
+        </p:nvSpPr>
+        <p:spPr>
+          <a:xfrm>
+            <a:off x="311700" y="87525"/>
+            <a:ext cx="8520600" cy="930300"/>
+          </a:xfrm>
+          <a:prstGeom prst="rect">
+            <a:avLst/>
+          </a:prstGeom>
+        </p:spPr>
+        <p:txBody>
+          <a:bodyPr anchorCtr="0" anchor="t" bIns="91425" lIns="91425" spcFirstLastPara="1" rIns="91425" wrap="square" tIns="91425">
+            <a:normAutofit/>
+          </a:bodyPr>
+          <a:lstStyle/>
+          <a:p>
+            <a:pPr indent="0" lvl="0" marL="0" rtl="0" algn="ctr">
+              <a:spcBef>
+                <a:spcPts val="0"/>
+              </a:spcBef>
+              <a:spcAft>
+                <a:spcPts val="0"/>
+              </a:spcAft>
+              <a:buNone/>
+            </a:pPr>
+            <a:r>
+              <a:rPr lang="es"/>
+              <a:t>Así ha evolucionado cada uno </a:t>
+            </a:r>
+            <a:endParaRPr/>
+          </a:p>
+        </p:txBody>
+      </p:sp>
+      <p:pic>
+        <p:nvPicPr>
+          <p:cNvPr id="198" name="Google Shape;198;p34"/>
+          <p:cNvPicPr preferRelativeResize="0"/>
+          <p:nvPr/>
+        </p:nvPicPr>
+        <p:blipFill>
+          <a:blip r:embed="rId3">
+            <a:alphaModFix/>
+          </a:blip>
+          <a:stretch>
+            <a:fillRect/>
+          </a:stretch>
+        </p:blipFill>
+        <p:spPr>
+          <a:xfrm>
+            <a:off x="478300" y="618400"/>
+            <a:ext cx="8060526" cy="4310800"/>
+          </a:xfrm>
+          <a:prstGeom prst="rect">
+            <a:avLst/>
+          </a:prstGeom>
+          <a:noFill/>
+          <a:ln>
+            <a:noFill/>
+          </a:ln>
+        </p:spPr>
+      </p:pic>
+    </p:spTree>
+  </p:cSld>
+  <p:clrMapOvr>
+    <a:masterClrMapping/>
+  </p:clrMapOvr>
+</p:sld>
+</file>
+
+<file path=ppt/slides/slide23.xml><?xml version="1.0" encoding="utf-8"?>
+<p:sld xmlns:a="http://schemas.openxmlformats.org/drawingml/2006/main" xmlns:r="http://schemas.openxmlformats.org/officeDocument/2006/relationships" xmlns:mc="http://schemas.openxmlformats.org/markup-compatibility/2006" xmlns:mv="urn:schemas-microsoft-com:mac:vml" xmlns:p="http://schemas.openxmlformats.org/presentationml/2006/main" xmlns:c="http://schemas.openxmlformats.org/drawingml/2006/chart" xmlns:dgm="http://schemas.openxmlformats.org/drawingml/2006/diagram" xmlns:o="urn:schemas-microsoft-com:office:office" xmlns:v="urn:schemas-microsoft-com:vml" xmlns:pvml="urn:schemas-microsoft-com:office:powerpoint" xmlns:com="http://schemas.openxmlformats.org/drawingml/2006/compatibility" xmlns:p14="http://schemas.microsoft.com/office/powerpoint/2010/main" xmlns:p15="http://schemas.microsoft.com/office/powerpoint/2012/main" xmlns:ahyp="http://schemas.microsoft.com/office/drawing/2018/hyperlinkcolor">
+  <p:cSld>
+    <p:spTree>
+      <p:nvGrpSpPr>
+        <p:cNvPr id="202" name="Shape 202"/>
+        <p:cNvGrpSpPr/>
+        <p:nvPr/>
+      </p:nvGrpSpPr>
+      <p:grpSpPr>
+        <a:xfrm>
+          <a:off x="0" y="0"/>
+          <a:ext cx="0" cy="0"/>
+          <a:chOff x="0" y="0"/>
+          <a:chExt cx="0" cy="0"/>
+        </a:xfrm>
+      </p:grpSpPr>
+      <p:sp>
+        <p:nvSpPr>
+          <p:cNvPr id="203" name="Google Shape;203;p35"/>
+          <p:cNvSpPr txBox="1"/>
+          <p:nvPr>
+            <p:ph type="title"/>
+          </p:nvPr>
+        </p:nvSpPr>
+        <p:spPr>
+          <a:xfrm>
+            <a:off x="311700" y="445025"/>
+            <a:ext cx="2047800" cy="3583500"/>
+          </a:xfrm>
+          <a:prstGeom prst="rect">
+            <a:avLst/>
+          </a:prstGeom>
+        </p:spPr>
+        <p:txBody>
+          <a:bodyPr anchorCtr="0" anchor="t" bIns="91425" lIns="91425" spcFirstLastPara="1" rIns="91425" wrap="square" tIns="91425">
+            <a:normAutofit/>
+          </a:bodyPr>
+          <a:lstStyle/>
+          <a:p>
+            <a:pPr indent="0" lvl="0" marL="0" rtl="0" algn="l">
+              <a:spcBef>
+                <a:spcPts val="0"/>
+              </a:spcBef>
+              <a:spcAft>
+                <a:spcPts val="0"/>
+              </a:spcAft>
+              <a:buNone/>
+            </a:pPr>
+            <a:r>
+              <a:rPr lang="es"/>
+              <a:t>Los ámbitos de cada categoría</a:t>
+            </a:r>
+            <a:endParaRPr/>
+          </a:p>
+        </p:txBody>
+      </p:sp>
+      <p:pic>
+        <p:nvPicPr>
+          <p:cNvPr id="204" name="Google Shape;204;p35"/>
+          <p:cNvPicPr preferRelativeResize="0"/>
+          <p:nvPr/>
+        </p:nvPicPr>
+        <p:blipFill>
+          <a:blip r:embed="rId3">
+            <a:alphaModFix/>
+          </a:blip>
+          <a:stretch>
+            <a:fillRect/>
+          </a:stretch>
+        </p:blipFill>
+        <p:spPr>
+          <a:xfrm>
+            <a:off x="2199394" y="59550"/>
+            <a:ext cx="6269212" cy="5143500"/>
+          </a:xfrm>
+          <a:prstGeom prst="rect">
+            <a:avLst/>
+          </a:prstGeom>
+          <a:noFill/>
+          <a:ln>
+            <a:noFill/>
+          </a:ln>
+        </p:spPr>
+      </p:pic>
+    </p:spTree>
+  </p:cSld>
+  <p:clrMapOvr>
+    <a:masterClrMapping/>
+  </p:clrMapOvr>
+</p:sld>
+</file>
+
+<file path=ppt/slides/slide24.xml><?xml version="1.0" encoding="utf-8"?>
+<p:sld xmlns:a="http://schemas.openxmlformats.org/drawingml/2006/main" xmlns:r="http://schemas.openxmlformats.org/officeDocument/2006/relationships" xmlns:mc="http://schemas.openxmlformats.org/markup-compatibility/2006" xmlns:mv="urn:schemas-microsoft-com:mac:vml" xmlns:p="http://schemas.openxmlformats.org/presentationml/2006/main" xmlns:c="http://schemas.openxmlformats.org/drawingml/2006/chart" xmlns:dgm="http://schemas.openxmlformats.org/drawingml/2006/diagram" xmlns:o="urn:schemas-microsoft-com:office:office" xmlns:v="urn:schemas-microsoft-com:vml" xmlns:pvml="urn:schemas-microsoft-com:office:powerpoint" xmlns:com="http://schemas.openxmlformats.org/drawingml/2006/compatibility" xmlns:p14="http://schemas.microsoft.com/office/powerpoint/2010/main" xmlns:p15="http://schemas.microsoft.com/office/powerpoint/2012/main" xmlns:ahyp="http://schemas.microsoft.com/office/drawing/2018/hyperlinkcolor">
+  <p:cSld>
+    <p:spTree>
+      <p:nvGrpSpPr>
+        <p:cNvPr id="208" name="Shape 208"/>
+        <p:cNvGrpSpPr/>
+        <p:nvPr/>
+      </p:nvGrpSpPr>
+      <p:grpSpPr>
+        <a:xfrm>
+          <a:off x="0" y="0"/>
+          <a:ext cx="0" cy="0"/>
+          <a:chOff x="0" y="0"/>
+          <a:chExt cx="0" cy="0"/>
+        </a:xfrm>
+      </p:grpSpPr>
+      <p:sp>
+        <p:nvSpPr>
+          <p:cNvPr id="209" name="Google Shape;209;p36"/>
+          <p:cNvSpPr txBox="1"/>
+          <p:nvPr>
+            <p:ph type="title"/>
+          </p:nvPr>
+        </p:nvSpPr>
+        <p:spPr>
+          <a:xfrm>
+            <a:off x="311700" y="182775"/>
+            <a:ext cx="8520600" cy="834900"/>
+          </a:xfrm>
+          <a:prstGeom prst="rect">
+            <a:avLst/>
+          </a:prstGeom>
+        </p:spPr>
+        <p:txBody>
+          <a:bodyPr anchorCtr="0" anchor="t" bIns="91425" lIns="91425" spcFirstLastPara="1" rIns="91425" wrap="square" tIns="91425">
+            <a:normAutofit/>
+          </a:bodyPr>
+          <a:lstStyle/>
+          <a:p>
+            <a:pPr indent="0" lvl="0" marL="0" rtl="0" algn="ctr">
+              <a:spcBef>
+                <a:spcPts val="0"/>
+              </a:spcBef>
+              <a:spcAft>
+                <a:spcPts val="0"/>
+              </a:spcAft>
+              <a:buNone/>
+            </a:pPr>
+            <a:r>
+              <a:rPr lang="es"/>
+              <a:t>Impacto de la pandemia</a:t>
+            </a:r>
+            <a:endParaRPr/>
+          </a:p>
+        </p:txBody>
+      </p:sp>
+      <p:pic>
+        <p:nvPicPr>
+          <p:cNvPr id="210" name="Google Shape;210;p36"/>
+          <p:cNvPicPr preferRelativeResize="0"/>
+          <p:nvPr/>
+        </p:nvPicPr>
+        <p:blipFill>
+          <a:blip r:embed="rId3">
+            <a:alphaModFix/>
+          </a:blip>
+          <a:stretch>
+            <a:fillRect/>
+          </a:stretch>
+        </p:blipFill>
+        <p:spPr>
+          <a:xfrm>
+            <a:off x="369100" y="825700"/>
+            <a:ext cx="8463199" cy="4292316"/>
+          </a:xfrm>
+          <a:prstGeom prst="rect">
+            <a:avLst/>
+          </a:prstGeom>
+          <a:noFill/>
+          <a:ln>
+            <a:noFill/>
+          </a:ln>
+        </p:spPr>
+      </p:pic>
+    </p:spTree>
+  </p:cSld>
+  <p:clrMapOvr>
+    <a:masterClrMapping/>
+  </p:clrMapOvr>
+</p:sld>
+</file>
+
+<file path=ppt/slides/slide25.xml><?xml version="1.0" encoding="utf-8"?>
+<p:sld xmlns:a="http://schemas.openxmlformats.org/drawingml/2006/main" xmlns:r="http://schemas.openxmlformats.org/officeDocument/2006/relationships" xmlns:mc="http://schemas.openxmlformats.org/markup-compatibility/2006" xmlns:mv="urn:schemas-microsoft-com:mac:vml" xmlns:p="http://schemas.openxmlformats.org/presentationml/2006/main" xmlns:c="http://schemas.openxmlformats.org/drawingml/2006/chart" xmlns:dgm="http://schemas.openxmlformats.org/drawingml/2006/diagram" xmlns:o="urn:schemas-microsoft-com:office:office" xmlns:v="urn:schemas-microsoft-com:vml" xmlns:pvml="urn:schemas-microsoft-com:office:powerpoint" xmlns:com="http://schemas.openxmlformats.org/drawingml/2006/compatibility" xmlns:p14="http://schemas.microsoft.com/office/powerpoint/2010/main" xmlns:p15="http://schemas.microsoft.com/office/powerpoint/2012/main" xmlns:ahyp="http://schemas.microsoft.com/office/drawing/2018/hyperlinkcolor">
+  <p:cSld>
+    <p:bg>
+      <p:bgPr>
+        <a:solidFill>
+          <a:srgbClr val="46A3A5"/>
+        </a:solidFill>
+      </p:bgPr>
+    </p:bg>
+    <p:spTree>
+      <p:nvGrpSpPr>
+        <p:cNvPr id="214" name="Shape 214"/>
+        <p:cNvGrpSpPr/>
+        <p:nvPr/>
+      </p:nvGrpSpPr>
+      <p:grpSpPr>
+        <a:xfrm>
+          <a:off x="0" y="0"/>
+          <a:ext cx="0" cy="0"/>
+          <a:chOff x="0" y="0"/>
+          <a:chExt cx="0" cy="0"/>
+        </a:xfrm>
+      </p:grpSpPr>
+      <p:sp>
+        <p:nvSpPr>
+          <p:cNvPr id="215" name="Google Shape;215;p37"/>
+          <p:cNvSpPr txBox="1"/>
+          <p:nvPr>
+            <p:ph type="title"/>
+          </p:nvPr>
+        </p:nvSpPr>
+        <p:spPr>
+          <a:xfrm>
+            <a:off x="311700" y="206600"/>
+            <a:ext cx="8520600" cy="811200"/>
+          </a:xfrm>
+          <a:prstGeom prst="rect">
+            <a:avLst/>
+          </a:prstGeom>
+        </p:spPr>
+        <p:txBody>
+          <a:bodyPr anchorCtr="0" anchor="t" bIns="91425" lIns="91425" spcFirstLastPara="1" rIns="91425" wrap="square" tIns="91425">
+            <a:normAutofit/>
+          </a:bodyPr>
+          <a:lstStyle/>
+          <a:p>
+            <a:pPr indent="0" lvl="0" marL="0" rtl="0" algn="ctr">
+              <a:spcBef>
+                <a:spcPts val="0"/>
+              </a:spcBef>
+              <a:spcAft>
+                <a:spcPts val="0"/>
+              </a:spcAft>
+              <a:buNone/>
+            </a:pPr>
+            <a:r>
+              <a:rPr b="1" lang="es">
+                <a:solidFill>
+                  <a:schemeClr val="lt1"/>
+                </a:solidFill>
+              </a:rPr>
+              <a:t>Top 10</a:t>
+            </a:r>
+            <a:endParaRPr b="1">
+              <a:solidFill>
+                <a:schemeClr val="lt1"/>
+              </a:solidFill>
+            </a:endParaRPr>
+          </a:p>
+        </p:txBody>
+      </p:sp>
+      <p:pic>
+        <p:nvPicPr>
+          <p:cNvPr id="216" name="Google Shape;216;p37"/>
+          <p:cNvPicPr preferRelativeResize="0"/>
+          <p:nvPr/>
+        </p:nvPicPr>
+        <p:blipFill>
+          <a:blip r:embed="rId3">
+            <a:alphaModFix/>
+          </a:blip>
+          <a:stretch>
+            <a:fillRect/>
+          </a:stretch>
+        </p:blipFill>
+        <p:spPr>
+          <a:xfrm>
+            <a:off x="1052500" y="1017788"/>
+            <a:ext cx="7038975" cy="3457575"/>
+          </a:xfrm>
+          <a:prstGeom prst="rect">
+            <a:avLst/>
+          </a:prstGeom>
+          <a:noFill/>
+          <a:ln>
+            <a:noFill/>
+          </a:ln>
+        </p:spPr>
+      </p:pic>
+    </p:spTree>
+  </p:cSld>
+  <p:clrMapOvr>
+    <a:masterClrMapping/>
+  </p:clrMapOvr>
+</p:sld>
+</file>
+
+<file path=ppt/slides/slide26.xml><?xml version="1.0" encoding="utf-8"?>
+<p:sld xmlns:a="http://schemas.openxmlformats.org/drawingml/2006/main" xmlns:r="http://schemas.openxmlformats.org/officeDocument/2006/relationships" xmlns:mc="http://schemas.openxmlformats.org/markup-compatibility/2006" xmlns:mv="urn:schemas-microsoft-com:mac:vml" xmlns:p="http://schemas.openxmlformats.org/presentationml/2006/main" xmlns:c="http://schemas.openxmlformats.org/drawingml/2006/chart" xmlns:dgm="http://schemas.openxmlformats.org/drawingml/2006/diagram" xmlns:o="urn:schemas-microsoft-com:office:office" xmlns:v="urn:schemas-microsoft-com:vml" xmlns:pvml="urn:schemas-microsoft-com:office:powerpoint" xmlns:com="http://schemas.openxmlformats.org/drawingml/2006/compatibility" xmlns:p14="http://schemas.microsoft.com/office/powerpoint/2010/main" xmlns:p15="http://schemas.microsoft.com/office/powerpoint/2012/main" xmlns:ahyp="http://schemas.microsoft.com/office/drawing/2018/hyperlinkcolor">
+  <p:cSld>
+    <p:bg>
+      <p:bgPr>
+        <a:solidFill>
+          <a:srgbClr val="548CA7"/>
+        </a:solidFill>
+      </p:bgPr>
+    </p:bg>
+    <p:spTree>
+      <p:nvGrpSpPr>
+        <p:cNvPr id="220" name="Shape 220"/>
+        <p:cNvGrpSpPr/>
+        <p:nvPr/>
+      </p:nvGrpSpPr>
+      <p:grpSpPr>
+        <a:xfrm>
+          <a:off x="0" y="0"/>
+          <a:ext cx="0" cy="0"/>
+          <a:chOff x="0" y="0"/>
+          <a:chExt cx="0" cy="0"/>
+        </a:xfrm>
+      </p:grpSpPr>
+      <p:sp>
+        <p:nvSpPr>
+          <p:cNvPr id="221" name="Google Shape;221;p38"/>
+          <p:cNvSpPr txBox="1"/>
+          <p:nvPr>
+            <p:ph type="title"/>
+          </p:nvPr>
+        </p:nvSpPr>
+        <p:spPr>
+          <a:xfrm>
+            <a:off x="1686925" y="1170525"/>
+            <a:ext cx="5472600" cy="1345500"/>
+          </a:xfrm>
+          <a:prstGeom prst="rect">
+            <a:avLst/>
+          </a:prstGeom>
+        </p:spPr>
+        <p:txBody>
+          <a:bodyPr anchorCtr="0" anchor="t" bIns="91425" lIns="91425" spcFirstLastPara="1" rIns="91425" wrap="square" tIns="91425">
+            <a:noAutofit/>
+          </a:bodyPr>
+          <a:lstStyle/>
+          <a:p>
+            <a:pPr indent="0" lvl="0" marL="0" rtl="0" algn="l">
+              <a:spcBef>
+                <a:spcPts val="0"/>
+              </a:spcBef>
+              <a:spcAft>
+                <a:spcPts val="0"/>
+              </a:spcAft>
+              <a:buSzPts val="990"/>
+              <a:buNone/>
+            </a:pPr>
+            <a:r>
+              <a:rPr b="1" lang="es" sz="4920">
+                <a:solidFill>
+                  <a:schemeClr val="lt1"/>
+                </a:solidFill>
+              </a:rPr>
+              <a:t>¡Muchas gracias!</a:t>
+            </a:r>
+            <a:endParaRPr b="1" sz="4920">
+              <a:solidFill>
+                <a:schemeClr val="lt1"/>
+              </a:solidFill>
+            </a:endParaRPr>
+          </a:p>
+        </p:txBody>
+      </p:sp>
+      <p:sp>
+        <p:nvSpPr>
+          <p:cNvPr id="222" name="Google Shape;222;p38"/>
+          <p:cNvSpPr txBox="1"/>
+          <p:nvPr>
+            <p:ph idx="1" type="body"/>
+          </p:nvPr>
+        </p:nvSpPr>
+        <p:spPr>
+          <a:xfrm>
+            <a:off x="246775" y="3338950"/>
+            <a:ext cx="8352900" cy="1230000"/>
+          </a:xfrm>
+          <a:prstGeom prst="rect">
+            <a:avLst/>
+          </a:prstGeom>
+        </p:spPr>
+        <p:txBody>
+          <a:bodyPr anchorCtr="0" anchor="t" bIns="91425" lIns="91425" spcFirstLastPara="1" rIns="91425" wrap="square" tIns="91425">
+            <a:normAutofit/>
+          </a:bodyPr>
+          <a:lstStyle/>
+          <a:p>
+            <a:pPr indent="0" lvl="0" marL="0" rtl="0" algn="l">
+              <a:spcBef>
+                <a:spcPts val="0"/>
+              </a:spcBef>
+              <a:spcAft>
+                <a:spcPts val="1200"/>
+              </a:spcAft>
+              <a:buNone/>
+            </a:pPr>
+            <a:r>
+              <a:rPr lang="es" sz="2100">
+                <a:solidFill>
+                  <a:schemeClr val="lt1"/>
+                </a:solidFill>
+              </a:rPr>
+              <a:t>Marcela Rosemberg Oro - abril 2024 - marcerosemberg@gmail.com</a:t>
+            </a:r>
+            <a:endParaRPr sz="2100">
+              <a:solidFill>
+                <a:schemeClr val="lt1"/>
+              </a:solidFill>
+            </a:endParaRPr>
+          </a:p>
+        </p:txBody>
+      </p:sp>
     </p:spTree>
   </p:cSld>
   <p:clrMapOvr>
@@ -9164,6 +10833,13 @@
 <file path=ppt/slides/slide3.xml><?xml version="1.0" encoding="utf-8"?>
 <p:sld xmlns:a="http://schemas.openxmlformats.org/drawingml/2006/main" xmlns:r="http://schemas.openxmlformats.org/officeDocument/2006/relationships" xmlns:mc="http://schemas.openxmlformats.org/markup-compatibility/2006" xmlns:mv="urn:schemas-microsoft-com:mac:vml" xmlns:p="http://schemas.openxmlformats.org/presentationml/2006/main" xmlns:c="http://schemas.openxmlformats.org/drawingml/2006/chart" xmlns:dgm="http://schemas.openxmlformats.org/drawingml/2006/diagram" xmlns:o="urn:schemas-microsoft-com:office:office" xmlns:v="urn:schemas-microsoft-com:vml" xmlns:pvml="urn:schemas-microsoft-com:office:powerpoint" xmlns:com="http://schemas.openxmlformats.org/drawingml/2006/compatibility" xmlns:p14="http://schemas.microsoft.com/office/powerpoint/2010/main" xmlns:p15="http://schemas.microsoft.com/office/powerpoint/2012/main" xmlns:ahyp="http://schemas.microsoft.com/office/drawing/2018/hyperlinkcolor">
   <p:cSld>
+    <p:bg>
+      <p:bgPr>
+        <a:solidFill>
+          <a:srgbClr val="6CCE59"/>
+        </a:solidFill>
+      </p:bgPr>
+    </p:bg>
     <p:spTree>
       <p:nvGrpSpPr>
         <p:cNvPr id="66" name="Shape 66"/>
@@ -9183,25 +10859,25 @@
           <p:cNvPr id="67" name="Google Shape;67;p15"/>
           <p:cNvSpPr txBox="1"/>
           <p:nvPr>
-            <p:ph type="title"/>
-          </p:nvPr>
-        </p:nvSpPr>
-        <p:spPr>
-          <a:xfrm>
-            <a:off x="311700" y="445025"/>
-            <a:ext cx="3661500" cy="1595100"/>
+            <p:ph type="ctrTitle"/>
+          </p:nvPr>
+        </p:nvSpPr>
+        <p:spPr>
+          <a:xfrm>
+            <a:off x="311700" y="744575"/>
+            <a:ext cx="8520600" cy="894300"/>
           </a:xfrm>
           <a:prstGeom prst="rect">
             <a:avLst/>
           </a:prstGeom>
         </p:spPr>
         <p:txBody>
-          <a:bodyPr anchorCtr="0" anchor="t" bIns="91425" lIns="91425" spcFirstLastPara="1" rIns="91425" wrap="square" tIns="91425">
-            <a:normAutofit/>
+          <a:bodyPr anchorCtr="0" anchor="b" bIns="91425" lIns="91425" spcFirstLastPara="1" rIns="91425" wrap="square" tIns="91425">
+            <a:normAutofit fontScale="90000"/>
           </a:bodyPr>
           <a:lstStyle/>
           <a:p>
-            <a:pPr indent="0" lvl="0" marL="0" rtl="0" algn="l">
+            <a:pPr indent="0" lvl="0" marL="0" rtl="0" algn="ctr">
               <a:spcBef>
                 <a:spcPts val="0"/>
               </a:spcBef>
@@ -9212,7 +10888,7 @@
             </a:pPr>
             <a:r>
               <a:rPr lang="es"/>
-              <a:t>¿Cuáles son las artes más destacadas en los festivales?</a:t>
+              <a:t>Una década</a:t>
             </a:r>
             <a:endParaRPr/>
           </a:p>
@@ -9223,13 +10899,13 @@
           <p:cNvPr id="68" name="Google Shape;68;p15"/>
           <p:cNvSpPr txBox="1"/>
           <p:nvPr>
-            <p:ph idx="1" type="body"/>
-          </p:nvPr>
-        </p:nvSpPr>
-        <p:spPr>
-          <a:xfrm>
-            <a:off x="311700" y="2206850"/>
-            <a:ext cx="3661500" cy="2262000"/>
+            <p:ph idx="1" type="subTitle"/>
+          </p:nvPr>
+        </p:nvSpPr>
+        <p:spPr>
+          <a:xfrm>
+            <a:off x="424125" y="1779675"/>
+            <a:ext cx="8218800" cy="2469000"/>
           </a:xfrm>
           <a:prstGeom prst="rect">
             <a:avLst/>
@@ -9237,71 +10913,103 @@
         </p:spPr>
         <p:txBody>
           <a:bodyPr anchorCtr="0" anchor="t" bIns="91425" lIns="91425" spcFirstLastPara="1" rIns="91425" wrap="square" tIns="91425">
-            <a:normAutofit/>
+            <a:normAutofit fontScale="77500" lnSpcReduction="20000"/>
           </a:bodyPr>
           <a:lstStyle/>
           <a:p>
-            <a:pPr indent="0" lvl="0" marL="0" rtl="0" algn="l">
-              <a:spcBef>
-                <a:spcPts val="0"/>
-              </a:spcBef>
-              <a:spcAft>
-                <a:spcPts val="0"/>
-              </a:spcAft>
-              <a:buNone/>
+            <a:pPr indent="-366395" lvl="0" marL="457200" rtl="0" algn="l">
+              <a:spcBef>
+                <a:spcPts val="0"/>
+              </a:spcBef>
+              <a:spcAft>
+                <a:spcPts val="0"/>
+              </a:spcAft>
+              <a:buSzPct val="100000"/>
+              <a:buChar char="-"/>
             </a:pPr>
             <a:r>
               <a:rPr lang="es"/>
-              <a:t>Música, la primera</a:t>
+              <a:t>período que permite ver la evolución de un sector en constante crecimiento.</a:t>
+            </a:r>
+            <a:endParaRPr/>
+          </a:p>
+          <a:p>
+            <a:pPr indent="0" lvl="0" marL="457200" rtl="0" algn="l">
+              <a:spcBef>
+                <a:spcPts val="0"/>
+              </a:spcBef>
+              <a:spcAft>
+                <a:spcPts val="0"/>
+              </a:spcAft>
+              <a:buNone/>
+            </a:pPr>
+            <a:r>
+              <a:t/>
+            </a:r>
+            <a:endParaRPr/>
+          </a:p>
+          <a:p>
+            <a:pPr indent="-366395" lvl="0" marL="457200" rtl="0" algn="l">
+              <a:spcBef>
+                <a:spcPts val="0"/>
+              </a:spcBef>
+              <a:spcAft>
+                <a:spcPts val="0"/>
+              </a:spcAft>
+              <a:buSzPct val="100000"/>
+              <a:buChar char="-"/>
+            </a:pPr>
+            <a:r>
+              <a:rPr lang="es"/>
+              <a:t>fecha de corte necesaria: 2022, último año al que llegan los datos abiertos provistos por el Ayuntamiento de Barcelona</a:t>
             </a:r>
             <a:endParaRPr/>
           </a:p>
           <a:p>
             <a:pPr indent="0" lvl="0" marL="0" rtl="0" algn="l">
               <a:spcBef>
-                <a:spcPts val="1200"/>
-              </a:spcBef>
-              <a:spcAft>
-                <a:spcPts val="1200"/>
+                <a:spcPts val="0"/>
+              </a:spcBef>
+              <a:spcAft>
+                <a:spcPts val="0"/>
+              </a:spcAft>
+              <a:buNone/>
+            </a:pPr>
+            <a:r>
+              <a:t/>
+            </a:r>
+            <a:endParaRPr/>
+          </a:p>
+          <a:p>
+            <a:pPr indent="457200" lvl="0" marL="0" rtl="0" algn="l">
+              <a:spcBef>
+                <a:spcPts val="0"/>
+              </a:spcBef>
+              <a:spcAft>
+                <a:spcPts val="0"/>
               </a:spcAft>
               <a:buNone/>
             </a:pPr>
             <a:r>
               <a:rPr lang="es"/>
-              <a:t>Artes escénicas en segundo plano</a:t>
+              <a:t>⇒ Por ende, el período a analizar es la década comprendida </a:t>
             </a:r>
-            <a:endParaRPr/>
+            <a:r>
+              <a:rPr b="1" lang="es"/>
+              <a:t>	                     </a:t>
+            </a:r>
+            <a:r>
+              <a:rPr lang="es"/>
+              <a:t>entre </a:t>
+            </a:r>
+            <a:r>
+              <a:rPr b="1" lang="es"/>
+              <a:t>2013 y 2022</a:t>
+            </a:r>
+            <a:endParaRPr b="1"/>
           </a:p>
         </p:txBody>
       </p:sp>
-      <p:pic>
-        <p:nvPicPr>
-          <p:cNvPr id="69" name="Google Shape;69;p15"/>
-          <p:cNvPicPr preferRelativeResize="0"/>
-          <p:nvPr/>
-        </p:nvPicPr>
-        <p:blipFill>
-          <a:blip r:embed="rId3">
-            <a:alphaModFix/>
-          </a:blip>
-          <a:stretch>
-            <a:fillRect/>
-          </a:stretch>
-        </p:blipFill>
-        <p:spPr>
-          <a:xfrm>
-            <a:off x="3800925" y="152400"/>
-            <a:ext cx="5190675" cy="4935750"/>
-          </a:xfrm>
-          <a:prstGeom prst="rect">
-            <a:avLst/>
-          </a:prstGeom>
-          <a:noFill/>
-          <a:ln>
-            <a:noFill/>
-          </a:ln>
-        </p:spPr>
-      </p:pic>
     </p:spTree>
   </p:cSld>
   <p:clrMapOvr>
@@ -9313,9 +11021,16 @@
 <file path=ppt/slides/slide4.xml><?xml version="1.0" encoding="utf-8"?>
 <p:sld xmlns:a="http://schemas.openxmlformats.org/drawingml/2006/main" xmlns:r="http://schemas.openxmlformats.org/officeDocument/2006/relationships" xmlns:mc="http://schemas.openxmlformats.org/markup-compatibility/2006" xmlns:mv="urn:schemas-microsoft-com:mac:vml" xmlns:p="http://schemas.openxmlformats.org/presentationml/2006/main" xmlns:c="http://schemas.openxmlformats.org/drawingml/2006/chart" xmlns:dgm="http://schemas.openxmlformats.org/drawingml/2006/diagram" xmlns:o="urn:schemas-microsoft-com:office:office" xmlns:v="urn:schemas-microsoft-com:vml" xmlns:pvml="urn:schemas-microsoft-com:office:powerpoint" xmlns:com="http://schemas.openxmlformats.org/drawingml/2006/compatibility" xmlns:p14="http://schemas.microsoft.com/office/powerpoint/2010/main" xmlns:p15="http://schemas.microsoft.com/office/powerpoint/2012/main" xmlns:ahyp="http://schemas.microsoft.com/office/drawing/2018/hyperlinkcolor">
   <p:cSld>
+    <p:bg>
+      <p:bgPr>
+        <a:solidFill>
+          <a:srgbClr val="B6DE2B"/>
+        </a:solidFill>
+      </p:bgPr>
+    </p:bg>
     <p:spTree>
       <p:nvGrpSpPr>
-        <p:cNvPr id="73" name="Shape 73"/>
+        <p:cNvPr id="72" name="Shape 72"/>
         <p:cNvGrpSpPr/>
         <p:nvPr/>
       </p:nvGrpSpPr>
@@ -9329,28 +11044,28 @@
       </p:grpSpPr>
       <p:sp>
         <p:nvSpPr>
-          <p:cNvPr id="74" name="Google Shape;74;p16"/>
+          <p:cNvPr id="73" name="Google Shape;73;p16"/>
           <p:cNvSpPr txBox="1"/>
           <p:nvPr>
-            <p:ph type="title"/>
-          </p:nvPr>
-        </p:nvSpPr>
-        <p:spPr>
-          <a:xfrm>
-            <a:off x="311700" y="445025"/>
-            <a:ext cx="8520600" cy="572700"/>
+            <p:ph type="ctrTitle"/>
+          </p:nvPr>
+        </p:nvSpPr>
+        <p:spPr>
+          <a:xfrm>
+            <a:off x="257550" y="354750"/>
+            <a:ext cx="8520600" cy="1803900"/>
           </a:xfrm>
           <a:prstGeom prst="rect">
             <a:avLst/>
           </a:prstGeom>
         </p:spPr>
         <p:txBody>
-          <a:bodyPr anchorCtr="0" anchor="t" bIns="91425" lIns="91425" spcFirstLastPara="1" rIns="91425" wrap="square" tIns="91425">
-            <a:normAutofit fontScale="90000"/>
+          <a:bodyPr anchorCtr="0" anchor="b" bIns="91425" lIns="91425" spcFirstLastPara="1" rIns="91425" wrap="square" tIns="91425">
+            <a:normAutofit/>
           </a:bodyPr>
           <a:lstStyle/>
           <a:p>
-            <a:pPr indent="0" lvl="0" marL="0" rtl="0" algn="l">
+            <a:pPr indent="0" lvl="0" marL="0" rtl="0" algn="ctr">
               <a:spcBef>
                 <a:spcPts val="0"/>
               </a:spcBef>
@@ -9360,25 +11075,25 @@
               <a:buNone/>
             </a:pPr>
             <a:r>
-              <a:rPr lang="es"/>
-              <a:t>Cuándo</a:t>
+              <a:rPr lang="es" sz="5100"/>
+              <a:t>¿Qué entendemos por “festival”?</a:t>
             </a:r>
-            <a:endParaRPr/>
+            <a:endParaRPr sz="5100"/>
           </a:p>
         </p:txBody>
       </p:sp>
       <p:sp>
         <p:nvSpPr>
-          <p:cNvPr id="75" name="Google Shape;75;p16"/>
+          <p:cNvPr id="74" name="Google Shape;74;p16"/>
           <p:cNvSpPr txBox="1"/>
           <p:nvPr>
-            <p:ph idx="1" type="body"/>
-          </p:nvPr>
-        </p:nvSpPr>
-        <p:spPr>
-          <a:xfrm>
-            <a:off x="311700" y="1152475"/>
-            <a:ext cx="2500200" cy="3416400"/>
+            <p:ph idx="1" type="subTitle"/>
+          </p:nvPr>
+        </p:nvSpPr>
+        <p:spPr>
+          <a:xfrm>
+            <a:off x="931650" y="2375225"/>
+            <a:ext cx="7280700" cy="1938300"/>
           </a:xfrm>
           <a:prstGeom prst="rect">
             <a:avLst/>
@@ -9390,83 +11105,58 @@
           </a:bodyPr>
           <a:lstStyle/>
           <a:p>
-            <a:pPr indent="0" lvl="0" marL="0" rtl="0" algn="l">
-              <a:spcBef>
-                <a:spcPts val="0"/>
-              </a:spcBef>
-              <a:spcAft>
-                <a:spcPts val="0"/>
-              </a:spcAft>
-              <a:buNone/>
+            <a:pPr indent="-406400" lvl="0" marL="457200" rtl="0" algn="l">
+              <a:spcBef>
+                <a:spcPts val="0"/>
+              </a:spcBef>
+              <a:spcAft>
+                <a:spcPts val="0"/>
+              </a:spcAft>
+              <a:buSzPts val="2800"/>
+              <a:buChar char="●"/>
             </a:pPr>
             <a:r>
               <a:rPr lang="es"/>
-              <a:t>Suelen relacionarse los festivales con el calor… ¿es correcto?</a:t>
+              <a:t>encuentro, fiesta, celebración</a:t>
             </a:r>
             <a:endParaRPr/>
           </a:p>
           <a:p>
-            <a:pPr indent="0" lvl="0" marL="0" rtl="0" algn="l">
-              <a:spcBef>
-                <a:spcPts val="1200"/>
-              </a:spcBef>
-              <a:spcAft>
-                <a:spcPts val="0"/>
-              </a:spcAft>
-              <a:buNone/>
+            <a:pPr indent="-406400" lvl="0" marL="457200" rtl="0" algn="l">
+              <a:spcBef>
+                <a:spcPts val="0"/>
+              </a:spcBef>
+              <a:spcAft>
+                <a:spcPts val="0"/>
+              </a:spcAft>
+              <a:buSzPts val="2800"/>
+              <a:buChar char="●"/>
             </a:pPr>
             <a:r>
               <a:rPr lang="es"/>
-              <a:t> </a:t>
+              <a:t>puede tener lugar en diferentes espacios, a veces también a lo largo de varios días</a:t>
             </a:r>
             <a:endParaRPr/>
           </a:p>
           <a:p>
-            <a:pPr indent="0" lvl="0" marL="0" rtl="0" algn="l">
-              <a:spcBef>
-                <a:spcPts val="1200"/>
-              </a:spcBef>
-              <a:spcAft>
-                <a:spcPts val="1200"/>
-              </a:spcAft>
-              <a:buNone/>
+            <a:pPr indent="-406400" lvl="0" marL="457200" rtl="0" algn="l">
+              <a:spcBef>
+                <a:spcPts val="0"/>
+              </a:spcBef>
+              <a:spcAft>
+                <a:spcPts val="0"/>
+              </a:spcAft>
+              <a:buSzPts val="2800"/>
+              <a:buChar char="●"/>
             </a:pPr>
             <a:r>
               <a:rPr lang="es"/>
-              <a:t>¿Cuando hay más concentración de eventos de este tipo?</a:t>
+              <a:t>voluntad de recurrencia</a:t>
             </a:r>
             <a:endParaRPr/>
           </a:p>
         </p:txBody>
       </p:sp>
-      <p:pic>
-        <p:nvPicPr>
-          <p:cNvPr id="76" name="Google Shape;76;p16"/>
-          <p:cNvPicPr preferRelativeResize="0"/>
-          <p:nvPr/>
-        </p:nvPicPr>
-        <p:blipFill>
-          <a:blip r:embed="rId3">
-            <a:alphaModFix/>
-          </a:blip>
-          <a:stretch>
-            <a:fillRect/>
-          </a:stretch>
-        </p:blipFill>
-        <p:spPr>
-          <a:xfrm>
-            <a:off x="2966626" y="240175"/>
-            <a:ext cx="6113749" cy="4448501"/>
-          </a:xfrm>
-          <a:prstGeom prst="rect">
-            <a:avLst/>
-          </a:prstGeom>
-          <a:noFill/>
-          <a:ln>
-            <a:noFill/>
-          </a:ln>
-        </p:spPr>
-      </p:pic>
     </p:spTree>
   </p:cSld>
   <p:clrMapOvr>
@@ -9478,9 +11168,16 @@
 <file path=ppt/slides/slide5.xml><?xml version="1.0" encoding="utf-8"?>
 <p:sld xmlns:a="http://schemas.openxmlformats.org/drawingml/2006/main" xmlns:r="http://schemas.openxmlformats.org/officeDocument/2006/relationships" xmlns:mc="http://schemas.openxmlformats.org/markup-compatibility/2006" xmlns:mv="urn:schemas-microsoft-com:mac:vml" xmlns:p="http://schemas.openxmlformats.org/presentationml/2006/main" xmlns:c="http://schemas.openxmlformats.org/drawingml/2006/chart" xmlns:dgm="http://schemas.openxmlformats.org/drawingml/2006/diagram" xmlns:o="urn:schemas-microsoft-com:office:office" xmlns:v="urn:schemas-microsoft-com:vml" xmlns:pvml="urn:schemas-microsoft-com:office:powerpoint" xmlns:com="http://schemas.openxmlformats.org/drawingml/2006/compatibility" xmlns:p14="http://schemas.microsoft.com/office/powerpoint/2010/main" xmlns:p15="http://schemas.microsoft.com/office/powerpoint/2012/main" xmlns:ahyp="http://schemas.microsoft.com/office/drawing/2018/hyperlinkcolor">
   <p:cSld>
+    <p:bg>
+      <p:bgPr>
+        <a:solidFill>
+          <a:srgbClr val="FDE725"/>
+        </a:solidFill>
+      </p:bgPr>
+    </p:bg>
     <p:spTree>
       <p:nvGrpSpPr>
-        <p:cNvPr id="80" name="Shape 80"/>
+        <p:cNvPr id="78" name="Shape 78"/>
         <p:cNvGrpSpPr/>
         <p:nvPr/>
       </p:nvGrpSpPr>
@@ -9494,72 +11191,168 @@
       </p:grpSpPr>
       <p:sp>
         <p:nvSpPr>
-          <p:cNvPr id="81" name="Google Shape;81;p17"/>
+          <p:cNvPr id="79" name="Google Shape;79;p17"/>
           <p:cNvSpPr txBox="1"/>
           <p:nvPr>
-            <p:ph idx="1" type="body"/>
-          </p:nvPr>
-        </p:nvSpPr>
-        <p:spPr>
-          <a:xfrm>
-            <a:off x="311700" y="575675"/>
-            <a:ext cx="1631100" cy="3993300"/>
+            <p:ph type="ctrTitle"/>
+          </p:nvPr>
+        </p:nvSpPr>
+        <p:spPr>
+          <a:xfrm>
+            <a:off x="311700" y="744575"/>
+            <a:ext cx="8520600" cy="1100100"/>
           </a:xfrm>
           <a:prstGeom prst="rect">
             <a:avLst/>
           </a:prstGeom>
         </p:spPr>
         <p:txBody>
-          <a:bodyPr anchorCtr="0" anchor="t" bIns="91425" lIns="91425" spcFirstLastPara="1" rIns="91425" wrap="square" tIns="91425">
+          <a:bodyPr anchorCtr="0" anchor="b" bIns="91425" lIns="91425" spcFirstLastPara="1" rIns="91425" wrap="square" tIns="91425">
             <a:normAutofit/>
           </a:bodyPr>
           <a:lstStyle/>
           <a:p>
-            <a:pPr indent="0" lvl="0" marL="0" rtl="0" algn="l">
-              <a:spcBef>
-                <a:spcPts val="0"/>
-              </a:spcBef>
-              <a:spcAft>
-                <a:spcPts val="1200"/>
+            <a:pPr indent="0" lvl="0" marL="0" rtl="0" algn="ctr">
+              <a:spcBef>
+                <a:spcPts val="0"/>
+              </a:spcBef>
+              <a:spcAft>
+                <a:spcPts val="0"/>
               </a:spcAft>
               <a:buNone/>
             </a:pPr>
             <a:r>
               <a:rPr lang="es"/>
-              <a:t>¿Y según las estaciones del año?</a:t>
+              <a:t>¿Cuáles festivales?</a:t>
             </a:r>
             <a:endParaRPr/>
           </a:p>
         </p:txBody>
       </p:sp>
-      <p:pic>
-        <p:nvPicPr>
-          <p:cNvPr id="82" name="Google Shape;82;p17"/>
-          <p:cNvPicPr preferRelativeResize="0"/>
-          <p:nvPr/>
-        </p:nvPicPr>
-        <p:blipFill>
-          <a:blip r:embed="rId3">
-            <a:alphaModFix/>
-          </a:blip>
-          <a:stretch>
-            <a:fillRect/>
-          </a:stretch>
-        </p:blipFill>
-        <p:spPr>
-          <a:xfrm>
-            <a:off x="2007675" y="152400"/>
-            <a:ext cx="6983924" cy="4804775"/>
+      <p:sp>
+        <p:nvSpPr>
+          <p:cNvPr id="80" name="Google Shape;80;p17"/>
+          <p:cNvSpPr txBox="1"/>
+          <p:nvPr>
+            <p:ph idx="1" type="subTitle"/>
+          </p:nvPr>
+        </p:nvSpPr>
+        <p:spPr>
+          <a:xfrm>
+            <a:off x="1182100" y="2126175"/>
+            <a:ext cx="6876000" cy="2208900"/>
           </a:xfrm>
           <a:prstGeom prst="rect">
             <a:avLst/>
           </a:prstGeom>
-          <a:noFill/>
-          <a:ln>
-            <a:noFill/>
-          </a:ln>
-        </p:spPr>
-      </p:pic>
+        </p:spPr>
+        <p:txBody>
+          <a:bodyPr anchorCtr="0" anchor="t" bIns="91425" lIns="91425" spcFirstLastPara="1" rIns="91425" wrap="square" tIns="91425">
+            <a:normAutofit fontScale="77500" lnSpcReduction="10000"/>
+          </a:bodyPr>
+          <a:lstStyle/>
+          <a:p>
+            <a:pPr indent="0" lvl="0" marL="0" rtl="0" algn="l">
+              <a:spcBef>
+                <a:spcPts val="0"/>
+              </a:spcBef>
+              <a:spcAft>
+                <a:spcPts val="0"/>
+              </a:spcAft>
+              <a:buNone/>
+            </a:pPr>
+            <a:r>
+              <a:rPr lang="es" sz="2600"/>
+              <a:t>Festivales seleccionados según los criterios de</a:t>
+            </a:r>
+            <a:r>
+              <a:rPr lang="es" sz="2600"/>
+              <a:t>:</a:t>
+            </a:r>
+            <a:endParaRPr sz="2600"/>
+          </a:p>
+          <a:p>
+            <a:pPr indent="0" lvl="0" marL="0" rtl="0" algn="l">
+              <a:spcBef>
+                <a:spcPts val="0"/>
+              </a:spcBef>
+              <a:spcAft>
+                <a:spcPts val="0"/>
+              </a:spcAft>
+              <a:buNone/>
+            </a:pPr>
+            <a:r>
+              <a:t/>
+            </a:r>
+            <a:endParaRPr sz="2600"/>
+          </a:p>
+          <a:p>
+            <a:pPr indent="-356552" lvl="0" marL="457200" rtl="0" algn="l">
+              <a:spcBef>
+                <a:spcPts val="0"/>
+              </a:spcBef>
+              <a:spcAft>
+                <a:spcPts val="0"/>
+              </a:spcAft>
+              <a:buSzPct val="100000"/>
+              <a:buChar char="●"/>
+            </a:pPr>
+            <a:r>
+              <a:rPr b="1" lang="es" sz="2600"/>
+              <a:t>número </a:t>
+            </a:r>
+            <a:r>
+              <a:rPr b="1" lang="es" sz="2600"/>
+              <a:t>de asistentes</a:t>
+            </a:r>
+            <a:r>
+              <a:rPr lang="es" sz="2600"/>
+              <a:t>:</a:t>
+            </a:r>
+            <a:r>
+              <a:rPr lang="es" sz="2600"/>
+              <a:t> de cada año, los 50 festivales con mayor volumen de público,</a:t>
+            </a:r>
+            <a:endParaRPr sz="2600"/>
+          </a:p>
+          <a:p>
+            <a:pPr indent="0" lvl="0" marL="457200" rtl="0" algn="l">
+              <a:spcBef>
+                <a:spcPts val="0"/>
+              </a:spcBef>
+              <a:spcAft>
+                <a:spcPts val="0"/>
+              </a:spcAft>
+              <a:buNone/>
+            </a:pPr>
+            <a:r>
+              <a:t/>
+            </a:r>
+            <a:endParaRPr sz="2600"/>
+          </a:p>
+          <a:p>
+            <a:pPr indent="-356552" lvl="0" marL="457200" rtl="0" algn="l">
+              <a:spcBef>
+                <a:spcPts val="0"/>
+              </a:spcBef>
+              <a:spcAft>
+                <a:spcPts val="0"/>
+              </a:spcAft>
+              <a:buSzPct val="100000"/>
+              <a:buChar char="●"/>
+            </a:pPr>
+            <a:r>
+              <a:rPr b="1" lang="es" sz="2600"/>
+              <a:t>continuidad</a:t>
+            </a:r>
+            <a:r>
+              <a:rPr lang="es" sz="2600"/>
+              <a:t>: aquellos festivales que hayan tenido al menos tres ediciones durante el período analizado</a:t>
+            </a:r>
+            <a:endParaRPr sz="2600"/>
+          </a:p>
+        </p:txBody>
+      </p:sp>
     </p:spTree>
   </p:cSld>
   <p:clrMapOvr>
@@ -9571,9 +11364,16 @@
 <file path=ppt/slides/slide6.xml><?xml version="1.0" encoding="utf-8"?>
 <p:sld xmlns:a="http://schemas.openxmlformats.org/drawingml/2006/main" xmlns:r="http://schemas.openxmlformats.org/officeDocument/2006/relationships" xmlns:mc="http://schemas.openxmlformats.org/markup-compatibility/2006" xmlns:mv="urn:schemas-microsoft-com:mac:vml" xmlns:p="http://schemas.openxmlformats.org/presentationml/2006/main" xmlns:c="http://schemas.openxmlformats.org/drawingml/2006/chart" xmlns:dgm="http://schemas.openxmlformats.org/drawingml/2006/diagram" xmlns:o="urn:schemas-microsoft-com:office:office" xmlns:v="urn:schemas-microsoft-com:vml" xmlns:pvml="urn:schemas-microsoft-com:office:powerpoint" xmlns:com="http://schemas.openxmlformats.org/drawingml/2006/compatibility" xmlns:p14="http://schemas.microsoft.com/office/powerpoint/2010/main" xmlns:p15="http://schemas.microsoft.com/office/powerpoint/2012/main" xmlns:ahyp="http://schemas.microsoft.com/office/drawing/2018/hyperlinkcolor">
   <p:cSld>
+    <p:bg>
+      <p:bgPr>
+        <a:solidFill>
+          <a:srgbClr val="71527D"/>
+        </a:solidFill>
+      </p:bgPr>
+    </p:bg>
     <p:spTree>
       <p:nvGrpSpPr>
-        <p:cNvPr id="86" name="Shape 86"/>
+        <p:cNvPr id="84" name="Shape 84"/>
         <p:cNvGrpSpPr/>
         <p:nvPr/>
       </p:nvGrpSpPr>
@@ -9587,24 +11387,24 @@
       </p:grpSpPr>
       <p:sp>
         <p:nvSpPr>
-          <p:cNvPr id="87" name="Google Shape;87;p18"/>
+          <p:cNvPr id="85" name="Google Shape;85;p18"/>
           <p:cNvSpPr txBox="1"/>
           <p:nvPr>
-            <p:ph type="title"/>
-          </p:nvPr>
-        </p:nvSpPr>
-        <p:spPr>
-          <a:xfrm>
-            <a:off x="311700" y="266125"/>
-            <a:ext cx="8520600" cy="702300"/>
+            <p:ph type="ctrTitle"/>
+          </p:nvPr>
+        </p:nvSpPr>
+        <p:spPr>
+          <a:xfrm>
+            <a:off x="311708" y="744575"/>
+            <a:ext cx="8520600" cy="2052600"/>
           </a:xfrm>
           <a:prstGeom prst="rect">
             <a:avLst/>
           </a:prstGeom>
         </p:spPr>
         <p:txBody>
-          <a:bodyPr anchorCtr="0" anchor="t" bIns="91425" lIns="91425" spcFirstLastPara="1" rIns="91425" wrap="square" tIns="91425">
-            <a:noAutofit/>
+          <a:bodyPr anchorCtr="0" anchor="b" bIns="91425" lIns="91425" spcFirstLastPara="1" rIns="91425" wrap="square" tIns="91425">
+            <a:normAutofit/>
           </a:bodyPr>
           <a:lstStyle/>
           <a:p>
@@ -9615,84 +11415,24 @@
               <a:spcAft>
                 <a:spcPts val="0"/>
               </a:spcAft>
-              <a:buSzPts val="990"/>
               <a:buNone/>
             </a:pPr>
             <a:r>
-              <a:rPr lang="es" sz="2120"/>
-              <a:t>¿Hay de todo todo el año?</a:t>
+              <a:rPr b="1" lang="es">
+                <a:solidFill>
+                  <a:schemeClr val="lt1"/>
+                </a:solidFill>
+              </a:rPr>
+              <a:t>Total: 67 festivales</a:t>
             </a:r>
-            <a:endParaRPr sz="2120"/>
+            <a:endParaRPr b="1">
+              <a:solidFill>
+                <a:schemeClr val="lt1"/>
+              </a:solidFill>
+            </a:endParaRPr>
           </a:p>
         </p:txBody>
       </p:sp>
-      <p:sp>
-        <p:nvSpPr>
-          <p:cNvPr id="88" name="Google Shape;88;p18"/>
-          <p:cNvSpPr txBox="1"/>
-          <p:nvPr>
-            <p:ph idx="1" type="body"/>
-          </p:nvPr>
-        </p:nvSpPr>
-        <p:spPr>
-          <a:xfrm>
-            <a:off x="311700" y="1152475"/>
-            <a:ext cx="8520600" cy="3416400"/>
-          </a:xfrm>
-          <a:prstGeom prst="rect">
-            <a:avLst/>
-          </a:prstGeom>
-        </p:spPr>
-        <p:txBody>
-          <a:bodyPr anchorCtr="0" anchor="t" bIns="91425" lIns="91425" spcFirstLastPara="1" rIns="91425" wrap="square" tIns="91425">
-            <a:normAutofit/>
-          </a:bodyPr>
-          <a:lstStyle/>
-          <a:p>
-            <a:pPr indent="0" lvl="0" marL="0" rtl="0" algn="l">
-              <a:spcBef>
-                <a:spcPts val="0"/>
-              </a:spcBef>
-              <a:spcAft>
-                <a:spcPts val="1200"/>
-              </a:spcAft>
-              <a:buNone/>
-            </a:pPr>
-            <a:r>
-              <a:t/>
-            </a:r>
-            <a:endParaRPr/>
-          </a:p>
-        </p:txBody>
-      </p:sp>
-      <p:pic>
-        <p:nvPicPr>
-          <p:cNvPr id="89" name="Google Shape;89;p18"/>
-          <p:cNvPicPr preferRelativeResize="0"/>
-          <p:nvPr/>
-        </p:nvPicPr>
-        <p:blipFill>
-          <a:blip r:embed="rId3">
-            <a:alphaModFix/>
-          </a:blip>
-          <a:stretch>
-            <a:fillRect/>
-          </a:stretch>
-        </p:blipFill>
-        <p:spPr>
-          <a:xfrm>
-            <a:off x="0" y="861425"/>
-            <a:ext cx="9143999" cy="4148325"/>
-          </a:xfrm>
-          <a:prstGeom prst="rect">
-            <a:avLst/>
-          </a:prstGeom>
-          <a:noFill/>
-          <a:ln>
-            <a:noFill/>
-          </a:ln>
-        </p:spPr>
-      </p:pic>
     </p:spTree>
   </p:cSld>
   <p:clrMapOvr>
@@ -9707,13 +11447,13 @@
     <p:bg>
       <p:bgPr>
         <a:solidFill>
-          <a:srgbClr val="D9EAD3"/>
+          <a:srgbClr val="6273A4"/>
         </a:solidFill>
       </p:bgPr>
     </p:bg>
     <p:spTree>
       <p:nvGrpSpPr>
-        <p:cNvPr id="93" name="Shape 93"/>
+        <p:cNvPr id="89" name="Shape 89"/>
         <p:cNvGrpSpPr/>
         <p:nvPr/>
       </p:nvGrpSpPr>
@@ -9727,28 +11467,28 @@
       </p:grpSpPr>
       <p:sp>
         <p:nvSpPr>
-          <p:cNvPr id="94" name="Google Shape;94;p19"/>
+          <p:cNvPr id="90" name="Google Shape;90;p19"/>
           <p:cNvSpPr txBox="1"/>
           <p:nvPr>
-            <p:ph type="title"/>
-          </p:nvPr>
-        </p:nvSpPr>
-        <p:spPr>
-          <a:xfrm>
-            <a:off x="311700" y="445025"/>
-            <a:ext cx="8520600" cy="572700"/>
+            <p:ph type="ctrTitle"/>
+          </p:nvPr>
+        </p:nvSpPr>
+        <p:spPr>
+          <a:xfrm>
+            <a:off x="311700" y="441375"/>
+            <a:ext cx="8520600" cy="1067700"/>
           </a:xfrm>
           <a:prstGeom prst="rect">
             <a:avLst/>
           </a:prstGeom>
         </p:spPr>
         <p:txBody>
-          <a:bodyPr anchorCtr="0" anchor="t" bIns="91425" lIns="91425" spcFirstLastPara="1" rIns="91425" wrap="square" tIns="91425">
-            <a:normAutofit fontScale="90000"/>
+          <a:bodyPr anchorCtr="0" anchor="b" bIns="91425" lIns="91425" spcFirstLastPara="1" rIns="91425" wrap="square" tIns="91425">
+            <a:normAutofit/>
           </a:bodyPr>
           <a:lstStyle/>
           <a:p>
-            <a:pPr indent="0" lvl="0" marL="0" rtl="0" algn="l">
+            <a:pPr indent="0" lvl="0" marL="0" rtl="0" algn="ctr">
               <a:spcBef>
                 <a:spcPts val="0"/>
               </a:spcBef>
@@ -9758,25 +11498,33 @@
               <a:buNone/>
             </a:pPr>
             <a:r>
-              <a:rPr lang="es"/>
-              <a:t>Conclusión</a:t>
+              <a:rPr lang="es">
+                <a:solidFill>
+                  <a:schemeClr val="lt1"/>
+                </a:solidFill>
+              </a:rPr>
+              <a:t>Hipótesis</a:t>
             </a:r>
-            <a:endParaRPr/>
+            <a:endParaRPr>
+              <a:solidFill>
+                <a:schemeClr val="lt1"/>
+              </a:solidFill>
+            </a:endParaRPr>
           </a:p>
         </p:txBody>
       </p:sp>
       <p:sp>
         <p:nvSpPr>
-          <p:cNvPr id="95" name="Google Shape;95;p19"/>
+          <p:cNvPr id="91" name="Google Shape;91;p19"/>
           <p:cNvSpPr txBox="1"/>
           <p:nvPr>
-            <p:ph idx="1" type="body"/>
-          </p:nvPr>
-        </p:nvSpPr>
-        <p:spPr>
-          <a:xfrm>
-            <a:off x="311700" y="1152475"/>
-            <a:ext cx="8520600" cy="3416400"/>
+            <p:ph idx="1" type="subTitle"/>
+          </p:nvPr>
+        </p:nvSpPr>
+        <p:spPr>
+          <a:xfrm>
+            <a:off x="311700" y="1628075"/>
+            <a:ext cx="8520600" cy="2891100"/>
           </a:xfrm>
           <a:prstGeom prst="rect">
             <a:avLst/>
@@ -9788,82 +11536,128 @@
           </a:bodyPr>
           <a:lstStyle/>
           <a:p>
-            <a:pPr indent="0" lvl="0" marL="0" rtl="0" algn="l">
-              <a:spcBef>
-                <a:spcPts val="0"/>
-              </a:spcBef>
-              <a:spcAft>
-                <a:spcPts val="0"/>
-              </a:spcAft>
-              <a:buNone/>
+            <a:pPr indent="-349250" lvl="0" marL="457200" rtl="0" algn="l">
+              <a:lnSpc>
+                <a:spcPct val="150000"/>
+              </a:lnSpc>
+              <a:spcBef>
+                <a:spcPts val="0"/>
+              </a:spcBef>
+              <a:spcAft>
+                <a:spcPts val="0"/>
+              </a:spcAft>
+              <a:buClr>
+                <a:schemeClr val="lt1"/>
+              </a:buClr>
+              <a:buSzPts val="1900"/>
+              <a:buAutoNum type="arabicPeriod"/>
             </a:pPr>
             <a:r>
-              <a:rPr lang="es"/>
-              <a:t>La mayor concentración se da antes y después de los meses de calor.</a:t>
+              <a:rPr lang="es" sz="1900">
+                <a:solidFill>
+                  <a:schemeClr val="lt1"/>
+                </a:solidFill>
+              </a:rPr>
+              <a:t>El sector público programa en ámbitos desatendidos por la iniciativa privada</a:t>
             </a:r>
-            <a:endParaRPr/>
+            <a:endParaRPr sz="1900">
+              <a:solidFill>
+                <a:schemeClr val="lt1"/>
+              </a:solidFill>
+            </a:endParaRPr>
           </a:p>
           <a:p>
-            <a:pPr indent="0" lvl="0" marL="0" rtl="0" algn="l">
-              <a:spcBef>
-                <a:spcPts val="1200"/>
-              </a:spcBef>
-              <a:spcAft>
-                <a:spcPts val="0"/>
-              </a:spcAft>
-              <a:buNone/>
+            <a:pPr indent="-349250" lvl="0" marL="457200" rtl="0" algn="l">
+              <a:lnSpc>
+                <a:spcPct val="150000"/>
+              </a:lnSpc>
+              <a:spcBef>
+                <a:spcPts val="0"/>
+              </a:spcBef>
+              <a:spcAft>
+                <a:spcPts val="0"/>
+              </a:spcAft>
+              <a:buClr>
+                <a:schemeClr val="lt1"/>
+              </a:buClr>
+              <a:buSzPts val="1900"/>
+              <a:buAutoNum type="arabicPeriod"/>
             </a:pPr>
             <a:r>
-              <a:rPr lang="es"/>
-              <a:t>Son dos reclamos turísticos que compiten entre sí en una ciudad con playa</a:t>
+              <a:rPr lang="es" sz="1900">
+                <a:solidFill>
+                  <a:schemeClr val="lt1"/>
+                </a:solidFill>
+              </a:rPr>
+              <a:t>La mayoría de festivales se programan justo antes y después de los meses de calor y playa</a:t>
             </a:r>
-            <a:endParaRPr/>
+            <a:endParaRPr sz="1900">
+              <a:solidFill>
+                <a:schemeClr val="lt1"/>
+              </a:solidFill>
+            </a:endParaRPr>
           </a:p>
           <a:p>
-            <a:pPr indent="0" lvl="0" marL="0" rtl="0" algn="l">
-              <a:spcBef>
-                <a:spcPts val="1200"/>
-              </a:spcBef>
-              <a:spcAft>
-                <a:spcPts val="0"/>
-              </a:spcAft>
-              <a:buNone/>
+            <a:pPr indent="-349250" lvl="0" marL="457200" rtl="0" algn="l">
+              <a:lnSpc>
+                <a:spcPct val="150000"/>
+              </a:lnSpc>
+              <a:spcBef>
+                <a:spcPts val="0"/>
+              </a:spcBef>
+              <a:spcAft>
+                <a:spcPts val="0"/>
+              </a:spcAft>
+              <a:buClr>
+                <a:schemeClr val="lt1"/>
+              </a:buClr>
+              <a:buSzPts val="1900"/>
+              <a:buAutoNum type="arabicPeriod"/>
             </a:pPr>
             <a:r>
-              <a:t/>
+              <a:rPr lang="es" sz="1900">
+                <a:solidFill>
+                  <a:schemeClr val="lt1"/>
+                </a:solidFill>
+              </a:rPr>
+              <a:t>Los festivales gratuitos convocan la mayor cantidad de asistentes</a:t>
             </a:r>
-            <a:endParaRPr/>
+            <a:endParaRPr sz="1900">
+              <a:solidFill>
+                <a:schemeClr val="lt1"/>
+              </a:solidFill>
+            </a:endParaRPr>
           </a:p>
           <a:p>
-            <a:pPr indent="0" lvl="0" marL="0" rtl="0" algn="l">
-              <a:spcBef>
-                <a:spcPts val="1200"/>
-              </a:spcBef>
-              <a:spcAft>
-                <a:spcPts val="0"/>
-              </a:spcAft>
-              <a:buNone/>
+            <a:pPr indent="-349250" lvl="0" marL="457200" rtl="0" algn="l">
+              <a:lnSpc>
+                <a:spcPct val="150000"/>
+              </a:lnSpc>
+              <a:spcBef>
+                <a:spcPts val="0"/>
+              </a:spcBef>
+              <a:spcAft>
+                <a:spcPts val="0"/>
+              </a:spcAft>
+              <a:buClr>
+                <a:schemeClr val="lt1"/>
+              </a:buClr>
+              <a:buSzPts val="1900"/>
+              <a:buAutoNum type="arabicPeriod"/>
             </a:pPr>
             <a:r>
-              <a:t/>
+              <a:rPr lang="es" sz="1900">
+                <a:solidFill>
+                  <a:schemeClr val="lt1"/>
+                </a:solidFill>
+              </a:rPr>
+              <a:t>En Barcelona ha crecido la tendencia a programar macrofestivales </a:t>
             </a:r>
-            <a:endParaRPr/>
-          </a:p>
-          <a:p>
-            <a:pPr indent="0" lvl="0" marL="0" rtl="0" algn="l">
-              <a:spcBef>
-                <a:spcPts val="1200"/>
-              </a:spcBef>
-              <a:spcAft>
-                <a:spcPts val="1200"/>
-              </a:spcAft>
-              <a:buNone/>
-            </a:pPr>
-            <a:r>
-              <a:rPr lang="es"/>
-              <a:t>Pero… ¿y las fiestas mayores? ¿será cuestión de públicos muy locales?</a:t>
-            </a:r>
-            <a:endParaRPr/>
+            <a:endParaRPr sz="3300">
+              <a:solidFill>
+                <a:schemeClr val="lt1"/>
+              </a:solidFill>
+            </a:endParaRPr>
           </a:p>
         </p:txBody>
       </p:sp>
@@ -9880,7 +11674,7 @@
   <p:cSld>
     <p:spTree>
       <p:nvGrpSpPr>
-        <p:cNvPr id="99" name="Shape 99"/>
+        <p:cNvPr id="95" name="Shape 95"/>
         <p:cNvGrpSpPr/>
         <p:nvPr/>
       </p:nvGrpSpPr>
@@ -9894,7 +11688,7 @@
       </p:grpSpPr>
       <p:sp>
         <p:nvSpPr>
-          <p:cNvPr id="100" name="Google Shape;100;p20"/>
+          <p:cNvPr id="96" name="Google Shape;96;p20"/>
           <p:cNvSpPr txBox="1"/>
           <p:nvPr>
             <p:ph type="title"/>
@@ -9903,7 +11697,7 @@
         <p:spPr>
           <a:xfrm>
             <a:off x="311700" y="445025"/>
-            <a:ext cx="8520600" cy="572700"/>
+            <a:ext cx="3415200" cy="1595100"/>
           </a:xfrm>
           <a:prstGeom prst="rect">
             <a:avLst/>
@@ -9926,7 +11720,7 @@
             </a:pPr>
             <a:r>
               <a:rPr lang="es"/>
-              <a:t>Se paga?</a:t>
+              <a:t>¿Cuáles son las artes más destacadas en los festivales?</a:t>
             </a:r>
             <a:endParaRPr/>
           </a:p>
@@ -9934,7 +11728,7 @@
       </p:sp>
       <p:sp>
         <p:nvSpPr>
-          <p:cNvPr id="101" name="Google Shape;101;p20"/>
+          <p:cNvPr id="97" name="Google Shape;97;p20"/>
           <p:cNvSpPr txBox="1"/>
           <p:nvPr>
             <p:ph idx="1" type="body"/>
@@ -9942,8 +11736,8 @@
         </p:nvSpPr>
         <p:spPr>
           <a:xfrm>
-            <a:off x="311700" y="1152475"/>
-            <a:ext cx="3548100" cy="3416400"/>
+            <a:off x="311700" y="2206850"/>
+            <a:ext cx="3661500" cy="2262000"/>
           </a:xfrm>
           <a:prstGeom prst="rect">
             <a:avLst/>
@@ -9955,18 +11749,51 @@
           </a:bodyPr>
           <a:lstStyle/>
           <a:p>
-            <a:pPr indent="0" lvl="0" marL="0" rtl="0" algn="l">
-              <a:spcBef>
-                <a:spcPts val="0"/>
-              </a:spcBef>
-              <a:spcAft>
-                <a:spcPts val="1200"/>
-              </a:spcAft>
-              <a:buNone/>
+            <a:pPr indent="-342900" lvl="0" marL="457200" rtl="0" algn="l">
+              <a:spcBef>
+                <a:spcPts val="0"/>
+              </a:spcBef>
+              <a:spcAft>
+                <a:spcPts val="0"/>
+              </a:spcAft>
+              <a:buSzPts val="1800"/>
+              <a:buChar char="●"/>
             </a:pPr>
             <a:r>
               <a:rPr lang="es"/>
-              <a:t>La inmensa mayoría de los festivales sí que son de pago.</a:t>
+              <a:t>Música, la primera</a:t>
+            </a:r>
+            <a:endParaRPr/>
+          </a:p>
+          <a:p>
+            <a:pPr indent="0" lvl="0" marL="457200" rtl="0" algn="l">
+              <a:spcBef>
+                <a:spcPts val="1200"/>
+              </a:spcBef>
+              <a:spcAft>
+                <a:spcPts val="0"/>
+              </a:spcAft>
+              <a:buNone/>
+            </a:pPr>
+            <a:r>
+              <a:t/>
+            </a:r>
+            <a:endParaRPr sz="100"/>
+          </a:p>
+          <a:p>
+            <a:pPr indent="-342900" lvl="0" marL="457200" rtl="0" algn="l">
+              <a:spcBef>
+                <a:spcPts val="1200"/>
+              </a:spcBef>
+              <a:spcAft>
+                <a:spcPts val="0"/>
+              </a:spcAft>
+              <a:buSzPts val="1800"/>
+              <a:buChar char="●"/>
+            </a:pPr>
+            <a:r>
+              <a:rPr lang="es"/>
+              <a:t>Artes escénicas en segundo plano</a:t>
             </a:r>
             <a:endParaRPr/>
           </a:p>
@@ -9974,7 +11801,7 @@
       </p:sp>
       <p:pic>
         <p:nvPicPr>
-          <p:cNvPr id="102" name="Google Shape;102;p20"/>
+          <p:cNvPr id="98" name="Google Shape;98;p20"/>
           <p:cNvPicPr preferRelativeResize="0"/>
           <p:nvPr/>
         </p:nvPicPr>
@@ -9988,8 +11815,8 @@
         </p:blipFill>
         <p:spPr>
           <a:xfrm>
-            <a:off x="3541327" y="302427"/>
-            <a:ext cx="5290975" cy="4499975"/>
+            <a:off x="3800925" y="152400"/>
+            <a:ext cx="5190675" cy="4935750"/>
           </a:xfrm>
           <a:prstGeom prst="rect">
             <a:avLst/>
@@ -10013,7 +11840,7 @@
   <p:cSld>
     <p:spTree>
       <p:nvGrpSpPr>
-        <p:cNvPr id="106" name="Shape 106"/>
+        <p:cNvPr id="102" name="Shape 102"/>
         <p:cNvGrpSpPr/>
         <p:nvPr/>
       </p:nvGrpSpPr>
@@ -10027,7 +11854,7 @@
       </p:grpSpPr>
       <p:sp>
         <p:nvSpPr>
-          <p:cNvPr id="107" name="Google Shape;107;p21"/>
+          <p:cNvPr id="103" name="Google Shape;103;p21"/>
           <p:cNvSpPr txBox="1"/>
           <p:nvPr>
             <p:ph type="title"/>
@@ -10036,7 +11863,7 @@
         <p:spPr>
           <a:xfrm>
             <a:off x="311700" y="445025"/>
-            <a:ext cx="3357600" cy="880800"/>
+            <a:ext cx="8520600" cy="572700"/>
           </a:xfrm>
           <a:prstGeom prst="rect">
             <a:avLst/>
@@ -10044,7 +11871,7 @@
         </p:spPr>
         <p:txBody>
           <a:bodyPr anchorCtr="0" anchor="t" bIns="91425" lIns="91425" spcFirstLastPara="1" rIns="91425" wrap="square" tIns="91425">
-            <a:noAutofit/>
+            <a:normAutofit fontScale="90000"/>
           </a:bodyPr>
           <a:lstStyle/>
           <a:p>
@@ -10055,16 +11882,11 @@
               <a:spcAft>
                 <a:spcPts val="0"/>
               </a:spcAft>
-              <a:buSzPts val="990"/>
               <a:buNone/>
             </a:pPr>
             <a:r>
-              <a:rPr lang="es">
-                <a:solidFill>
-                  <a:schemeClr val="dk2"/>
-                </a:solidFill>
-              </a:rPr>
-              <a:t>Pero, ¿qué es lo que se paga?</a:t>
+              <a:rPr lang="es"/>
+              <a:t>¿Cuándo?</a:t>
             </a:r>
             <a:endParaRPr/>
           </a:p>
@@ -10072,7 +11894,7 @@
       </p:sp>
       <p:sp>
         <p:nvSpPr>
-          <p:cNvPr id="108" name="Google Shape;108;p21"/>
+          <p:cNvPr id="104" name="Google Shape;104;p21"/>
           <p:cNvSpPr txBox="1"/>
           <p:nvPr>
             <p:ph idx="1" type="body"/>
@@ -10080,8 +11902,8 @@
         </p:nvSpPr>
         <p:spPr>
           <a:xfrm>
-            <a:off x="311700" y="1813925"/>
-            <a:ext cx="3107400" cy="2754900"/>
+            <a:off x="311700" y="1152475"/>
+            <a:ext cx="2500200" cy="3416400"/>
           </a:xfrm>
           <a:prstGeom prst="rect">
             <a:avLst/>
@@ -10104,7 +11926,7 @@
             </a:pPr>
             <a:r>
               <a:rPr lang="es"/>
-              <a:t>En el sector de la música y de los audiovisuales es mucho más habitual pagar para asistir a un festival.</a:t>
+              <a:t>Suelen relacionarse los festivales con el calor… ¿es correcto?</a:t>
             </a:r>
             <a:endParaRPr/>
           </a:p>
@@ -10114,13 +11936,29 @@
                 <a:spcPts val="1200"/>
               </a:spcBef>
               <a:spcAft>
-                <a:spcPts val="1200"/>
+                <a:spcPts val="0"/>
               </a:spcAft>
               <a:buNone/>
             </a:pPr>
             <a:r>
               <a:rPr lang="es"/>
-              <a:t>Las letras están en el polo opuesto</a:t>
+              <a:t> </a:t>
+            </a:r>
+            <a:endParaRPr/>
+          </a:p>
+          <a:p>
+            <a:pPr indent="0" lvl="0" marL="0" rtl="0" algn="l">
+              <a:spcBef>
+                <a:spcPts val="1200"/>
+              </a:spcBef>
+              <a:spcAft>
+                <a:spcPts val="1200"/>
+              </a:spcAft>
+              <a:buNone/>
+            </a:pPr>
+            <a:r>
+              <a:rPr lang="es"/>
+              <a:t>¿Cuando hay más concentración de eventos de este tipo?</a:t>
             </a:r>
             <a:endParaRPr/>
           </a:p>
@@ -10128,7 +11966,7 @@
       </p:sp>
       <p:pic>
         <p:nvPicPr>
-          <p:cNvPr id="109" name="Google Shape;109;p21"/>
+          <p:cNvPr id="105" name="Google Shape;105;p21"/>
           <p:cNvPicPr preferRelativeResize="0"/>
           <p:nvPr/>
         </p:nvPicPr>
@@ -10142,8 +11980,8 @@
         </p:blipFill>
         <p:spPr>
           <a:xfrm>
-            <a:off x="3728700" y="119075"/>
-            <a:ext cx="4948825" cy="4787376"/>
+            <a:off x="2966626" y="240175"/>
+            <a:ext cx="6113749" cy="4448501"/>
           </a:xfrm>
           <a:prstGeom prst="rect">
             <a:avLst/>
